--- a/Spring 2017 Semester/Music or Arts/ARUS HW/11 ARUS HW/ARUS 280 HW#11 notes.pptx
+++ b/Spring 2017 Semester/Music or Arts/ARUS HW/11 ARUS HW/ARUS 280 HW#11 notes.pptx
@@ -25,6 +25,21 @@
     <p:sldId id="270" r:id="rId19"/>
     <p:sldId id="271" r:id="rId20"/>
     <p:sldId id="272" r:id="rId21"/>
+    <p:sldId id="273" r:id="rId22"/>
+    <p:sldId id="274" r:id="rId23"/>
+    <p:sldId id="275" r:id="rId24"/>
+    <p:sldId id="276" r:id="rId25"/>
+    <p:sldId id="277" r:id="rId26"/>
+    <p:sldId id="278" r:id="rId27"/>
+    <p:sldId id="279" r:id="rId28"/>
+    <p:sldId id="280" r:id="rId29"/>
+    <p:sldId id="281" r:id="rId30"/>
+    <p:sldId id="282" r:id="rId31"/>
+    <p:sldId id="283" r:id="rId32"/>
+    <p:sldId id="284" r:id="rId33"/>
+    <p:sldId id="285" r:id="rId34"/>
+    <p:sldId id="286" r:id="rId35"/>
+    <p:sldId id="287" r:id="rId36"/>
   </p:sldIdLst>
   <p:sldSz cy="5143500" cx="9144000"/>
   <p:notesSz cx="6858000" cy="9144000"/>
@@ -482,7 +497,7 @@
   <p:cSld>
     <p:spTree>
       <p:nvGrpSpPr>
-        <p:cNvPr id="107" name="Shape 107"/>
+        <p:cNvPr id="106" name="Shape 106"/>
         <p:cNvGrpSpPr/>
         <p:nvPr/>
       </p:nvGrpSpPr>
@@ -496,7 +511,7 @@
       </p:grpSpPr>
       <p:sp>
         <p:nvSpPr>
-          <p:cNvPr id="108" name="Shape 108"/>
+          <p:cNvPr id="107" name="Shape 107"/>
           <p:cNvSpPr/>
           <p:nvPr>
             <p:ph idx="2" type="sldImg"/>
@@ -530,7 +545,7 @@
       </p:sp>
       <p:sp>
         <p:nvSpPr>
-          <p:cNvPr id="109" name="Shape 109"/>
+          <p:cNvPr id="108" name="Shape 108"/>
           <p:cNvSpPr txBox="1"/>
           <p:nvPr>
             <p:ph idx="1" type="body"/>
@@ -577,7 +592,7 @@
   <p:cSld>
     <p:spTree>
       <p:nvGrpSpPr>
-        <p:cNvPr id="113" name="Shape 113"/>
+        <p:cNvPr id="112" name="Shape 112"/>
         <p:cNvGrpSpPr/>
         <p:nvPr/>
       </p:nvGrpSpPr>
@@ -591,7 +606,7 @@
       </p:grpSpPr>
       <p:sp>
         <p:nvSpPr>
-          <p:cNvPr id="114" name="Shape 114"/>
+          <p:cNvPr id="113" name="Shape 113"/>
           <p:cNvSpPr/>
           <p:nvPr>
             <p:ph idx="2" type="sldImg"/>
@@ -625,7 +640,7 @@
       </p:sp>
       <p:sp>
         <p:nvSpPr>
-          <p:cNvPr id="115" name="Shape 115"/>
+          <p:cNvPr id="114" name="Shape 114"/>
           <p:cNvSpPr txBox="1"/>
           <p:nvPr>
             <p:ph idx="1" type="body"/>
@@ -672,7 +687,7 @@
   <p:cSld>
     <p:spTree>
       <p:nvGrpSpPr>
-        <p:cNvPr id="119" name="Shape 119"/>
+        <p:cNvPr id="118" name="Shape 118"/>
         <p:cNvGrpSpPr/>
         <p:nvPr/>
       </p:nvGrpSpPr>
@@ -686,7 +701,7 @@
       </p:grpSpPr>
       <p:sp>
         <p:nvSpPr>
-          <p:cNvPr id="120" name="Shape 120"/>
+          <p:cNvPr id="119" name="Shape 119"/>
           <p:cNvSpPr/>
           <p:nvPr>
             <p:ph idx="2" type="sldImg"/>
@@ -720,7 +735,7 @@
       </p:sp>
       <p:sp>
         <p:nvSpPr>
-          <p:cNvPr id="121" name="Shape 121"/>
+          <p:cNvPr id="120" name="Shape 120"/>
           <p:cNvSpPr txBox="1"/>
           <p:nvPr>
             <p:ph idx="1" type="body"/>
@@ -767,7 +782,7 @@
   <p:cSld>
     <p:spTree>
       <p:nvGrpSpPr>
-        <p:cNvPr id="125" name="Shape 125"/>
+        <p:cNvPr id="124" name="Shape 124"/>
         <p:cNvGrpSpPr/>
         <p:nvPr/>
       </p:nvGrpSpPr>
@@ -781,7 +796,7 @@
       </p:grpSpPr>
       <p:sp>
         <p:nvSpPr>
-          <p:cNvPr id="126" name="Shape 126"/>
+          <p:cNvPr id="125" name="Shape 125"/>
           <p:cNvSpPr/>
           <p:nvPr>
             <p:ph idx="2" type="sldImg"/>
@@ -815,7 +830,7 @@
       </p:sp>
       <p:sp>
         <p:nvSpPr>
-          <p:cNvPr id="127" name="Shape 127"/>
+          <p:cNvPr id="126" name="Shape 126"/>
           <p:cNvSpPr txBox="1"/>
           <p:nvPr>
             <p:ph idx="1" type="body"/>
@@ -862,7 +877,7 @@
   <p:cSld>
     <p:spTree>
       <p:nvGrpSpPr>
-        <p:cNvPr id="131" name="Shape 131"/>
+        <p:cNvPr id="130" name="Shape 130"/>
         <p:cNvGrpSpPr/>
         <p:nvPr/>
       </p:nvGrpSpPr>
@@ -876,7 +891,7 @@
       </p:grpSpPr>
       <p:sp>
         <p:nvSpPr>
-          <p:cNvPr id="132" name="Shape 132"/>
+          <p:cNvPr id="131" name="Shape 131"/>
           <p:cNvSpPr/>
           <p:nvPr>
             <p:ph idx="2" type="sldImg"/>
@@ -910,7 +925,7 @@
       </p:sp>
       <p:sp>
         <p:nvSpPr>
-          <p:cNvPr id="133" name="Shape 133"/>
+          <p:cNvPr id="132" name="Shape 132"/>
           <p:cNvSpPr txBox="1"/>
           <p:nvPr>
             <p:ph idx="1" type="body"/>
@@ -957,7 +972,7 @@
   <p:cSld>
     <p:spTree>
       <p:nvGrpSpPr>
-        <p:cNvPr id="137" name="Shape 137"/>
+        <p:cNvPr id="136" name="Shape 136"/>
         <p:cNvGrpSpPr/>
         <p:nvPr/>
       </p:nvGrpSpPr>
@@ -971,7 +986,7 @@
       </p:grpSpPr>
       <p:sp>
         <p:nvSpPr>
-          <p:cNvPr id="138" name="Shape 138"/>
+          <p:cNvPr id="137" name="Shape 137"/>
           <p:cNvSpPr/>
           <p:nvPr>
             <p:ph idx="2" type="sldImg"/>
@@ -1005,7 +1020,7 @@
       </p:sp>
       <p:sp>
         <p:nvSpPr>
-          <p:cNvPr id="139" name="Shape 139"/>
+          <p:cNvPr id="138" name="Shape 138"/>
           <p:cNvSpPr txBox="1"/>
           <p:nvPr>
             <p:ph idx="1" type="body"/>
@@ -1052,7 +1067,7 @@
   <p:cSld>
     <p:spTree>
       <p:nvGrpSpPr>
-        <p:cNvPr id="143" name="Shape 143"/>
+        <p:cNvPr id="142" name="Shape 142"/>
         <p:cNvGrpSpPr/>
         <p:nvPr/>
       </p:nvGrpSpPr>
@@ -1066,7 +1081,7 @@
       </p:grpSpPr>
       <p:sp>
         <p:nvSpPr>
-          <p:cNvPr id="144" name="Shape 144"/>
+          <p:cNvPr id="143" name="Shape 143"/>
           <p:cNvSpPr/>
           <p:nvPr>
             <p:ph idx="2" type="sldImg"/>
@@ -1100,7 +1115,7 @@
       </p:sp>
       <p:sp>
         <p:nvSpPr>
-          <p:cNvPr id="145" name="Shape 145"/>
+          <p:cNvPr id="144" name="Shape 144"/>
           <p:cNvSpPr txBox="1"/>
           <p:nvPr>
             <p:ph idx="1" type="body"/>
@@ -1147,7 +1162,7 @@
   <p:cSld>
     <p:spTree>
       <p:nvGrpSpPr>
-        <p:cNvPr id="149" name="Shape 149"/>
+        <p:cNvPr id="148" name="Shape 148"/>
         <p:cNvGrpSpPr/>
         <p:nvPr/>
       </p:nvGrpSpPr>
@@ -1161,7 +1176,7 @@
       </p:grpSpPr>
       <p:sp>
         <p:nvSpPr>
-          <p:cNvPr id="150" name="Shape 150"/>
+          <p:cNvPr id="149" name="Shape 149"/>
           <p:cNvSpPr/>
           <p:nvPr>
             <p:ph idx="2" type="sldImg"/>
@@ -1195,7 +1210,197 @@
       </p:sp>
       <p:sp>
         <p:nvSpPr>
-          <p:cNvPr id="151" name="Shape 151"/>
+          <p:cNvPr id="150" name="Shape 150"/>
+          <p:cNvSpPr txBox="1"/>
+          <p:nvPr>
+            <p:ph idx="1" type="body"/>
+          </p:nvPr>
+        </p:nvSpPr>
+        <p:spPr>
+          <a:xfrm>
+            <a:off x="685800" y="4343400"/>
+            <a:ext cx="5486400" cy="4114800"/>
+          </a:xfrm>
+          <a:prstGeom prst="rect">
+            <a:avLst/>
+          </a:prstGeom>
+        </p:spPr>
+        <p:txBody>
+          <a:bodyPr anchorCtr="0" anchor="t" bIns="91425" lIns="91425" rIns="91425" tIns="91425">
+            <a:noAutofit/>
+          </a:bodyPr>
+          <a:lstStyle/>
+          <a:p>
+            <a:pPr lvl="0" rtl="0">
+              <a:spcBef>
+                <a:spcPts val="0"/>
+              </a:spcBef>
+              <a:buNone/>
+            </a:pPr>
+            <a:r>
+              <a:t/>
+            </a:r>
+            <a:endParaRPr/>
+          </a:p>
+        </p:txBody>
+      </p:sp>
+    </p:spTree>
+  </p:cSld>
+  <p:clrMapOvr>
+    <a:masterClrMapping/>
+  </p:clrMapOvr>
+</p:notes>
+</file>
+
+<file path=ppt/notesSlides/notesSlide18.xml><?xml version="1.0" encoding="utf-8"?>
+<p:notes xmlns:a="http://schemas.openxmlformats.org/drawingml/2006/main" xmlns:r="http://schemas.openxmlformats.org/officeDocument/2006/relationships" xmlns:mc="http://schemas.openxmlformats.org/markup-compatibility/2006" xmlns:mv="urn:schemas-microsoft-com:mac:vml" xmlns:p="http://schemas.openxmlformats.org/presentationml/2006/main" xmlns:c="http://schemas.openxmlformats.org/drawingml/2006/chart" xmlns:dgm="http://schemas.openxmlformats.org/drawingml/2006/diagram" xmlns:o="urn:schemas-microsoft-com:office:office" xmlns:v="urn:schemas-microsoft-com:vml" xmlns:pvml="urn:schemas-microsoft-com:office:powerpoint" xmlns:com="http://schemas.openxmlformats.org/drawingml/2006/compatibility" xmlns:p14="http://schemas.microsoft.com/office/powerpoint/2010/main" showMasterPhAnim="0" showMasterSp="0">
+  <p:cSld>
+    <p:spTree>
+      <p:nvGrpSpPr>
+        <p:cNvPr id="154" name="Shape 154"/>
+        <p:cNvGrpSpPr/>
+        <p:nvPr/>
+      </p:nvGrpSpPr>
+      <p:grpSpPr>
+        <a:xfrm>
+          <a:off x="0" y="0"/>
+          <a:ext cx="0" cy="0"/>
+          <a:chOff x="0" y="0"/>
+          <a:chExt cx="0" cy="0"/>
+        </a:xfrm>
+      </p:grpSpPr>
+      <p:sp>
+        <p:nvSpPr>
+          <p:cNvPr id="155" name="Shape 155"/>
+          <p:cNvSpPr/>
+          <p:nvPr>
+            <p:ph idx="2" type="sldImg"/>
+          </p:nvPr>
+        </p:nvSpPr>
+        <p:spPr>
+          <a:xfrm>
+            <a:off x="381300" y="685800"/>
+            <a:ext cx="6096000" cy="3429000"/>
+          </a:xfrm>
+          <a:custGeom>
+            <a:pathLst>
+              <a:path extrusionOk="0" h="120000" w="120000">
+                <a:moveTo>
+                  <a:pt x="0" y="0"/>
+                </a:moveTo>
+                <a:lnTo>
+                  <a:pt x="120000" y="0"/>
+                </a:lnTo>
+                <a:lnTo>
+                  <a:pt x="120000" y="120000"/>
+                </a:lnTo>
+                <a:lnTo>
+                  <a:pt x="0" y="120000"/>
+                </a:lnTo>
+                <a:close/>
+              </a:path>
+            </a:pathLst>
+          </a:custGeom>
+        </p:spPr>
+      </p:sp>
+      <p:sp>
+        <p:nvSpPr>
+          <p:cNvPr id="156" name="Shape 156"/>
+          <p:cNvSpPr txBox="1"/>
+          <p:nvPr>
+            <p:ph idx="1" type="body"/>
+          </p:nvPr>
+        </p:nvSpPr>
+        <p:spPr>
+          <a:xfrm>
+            <a:off x="685800" y="4343400"/>
+            <a:ext cx="5486400" cy="4114800"/>
+          </a:xfrm>
+          <a:prstGeom prst="rect">
+            <a:avLst/>
+          </a:prstGeom>
+        </p:spPr>
+        <p:txBody>
+          <a:bodyPr anchorCtr="0" anchor="t" bIns="91425" lIns="91425" rIns="91425" tIns="91425">
+            <a:noAutofit/>
+          </a:bodyPr>
+          <a:lstStyle/>
+          <a:p>
+            <a:pPr lvl="0" rtl="0">
+              <a:spcBef>
+                <a:spcPts val="0"/>
+              </a:spcBef>
+              <a:buNone/>
+            </a:pPr>
+            <a:r>
+              <a:t/>
+            </a:r>
+            <a:endParaRPr/>
+          </a:p>
+        </p:txBody>
+      </p:sp>
+    </p:spTree>
+  </p:cSld>
+  <p:clrMapOvr>
+    <a:masterClrMapping/>
+  </p:clrMapOvr>
+</p:notes>
+</file>
+
+<file path=ppt/notesSlides/notesSlide19.xml><?xml version="1.0" encoding="utf-8"?>
+<p:notes xmlns:a="http://schemas.openxmlformats.org/drawingml/2006/main" xmlns:r="http://schemas.openxmlformats.org/officeDocument/2006/relationships" xmlns:mc="http://schemas.openxmlformats.org/markup-compatibility/2006" xmlns:mv="urn:schemas-microsoft-com:mac:vml" xmlns:p="http://schemas.openxmlformats.org/presentationml/2006/main" xmlns:c="http://schemas.openxmlformats.org/drawingml/2006/chart" xmlns:dgm="http://schemas.openxmlformats.org/drawingml/2006/diagram" xmlns:o="urn:schemas-microsoft-com:office:office" xmlns:v="urn:schemas-microsoft-com:vml" xmlns:pvml="urn:schemas-microsoft-com:office:powerpoint" xmlns:com="http://schemas.openxmlformats.org/drawingml/2006/compatibility" xmlns:p14="http://schemas.microsoft.com/office/powerpoint/2010/main" showMasterPhAnim="0" showMasterSp="0">
+  <p:cSld>
+    <p:spTree>
+      <p:nvGrpSpPr>
+        <p:cNvPr id="160" name="Shape 160"/>
+        <p:cNvGrpSpPr/>
+        <p:nvPr/>
+      </p:nvGrpSpPr>
+      <p:grpSpPr>
+        <a:xfrm>
+          <a:off x="0" y="0"/>
+          <a:ext cx="0" cy="0"/>
+          <a:chOff x="0" y="0"/>
+          <a:chExt cx="0" cy="0"/>
+        </a:xfrm>
+      </p:grpSpPr>
+      <p:sp>
+        <p:nvSpPr>
+          <p:cNvPr id="161" name="Shape 161"/>
+          <p:cNvSpPr/>
+          <p:nvPr>
+            <p:ph idx="2" type="sldImg"/>
+          </p:nvPr>
+        </p:nvSpPr>
+        <p:spPr>
+          <a:xfrm>
+            <a:off x="381300" y="685800"/>
+            <a:ext cx="6096000" cy="3429000"/>
+          </a:xfrm>
+          <a:custGeom>
+            <a:pathLst>
+              <a:path extrusionOk="0" h="120000" w="120000">
+                <a:moveTo>
+                  <a:pt x="0" y="0"/>
+                </a:moveTo>
+                <a:lnTo>
+                  <a:pt x="120000" y="0"/>
+                </a:lnTo>
+                <a:lnTo>
+                  <a:pt x="120000" y="120000"/>
+                </a:lnTo>
+                <a:lnTo>
+                  <a:pt x="0" y="120000"/>
+                </a:lnTo>
+                <a:close/>
+              </a:path>
+            </a:pathLst>
+          </a:custGeom>
+        </p:spPr>
+      </p:sp>
+      <p:sp>
+        <p:nvSpPr>
+          <p:cNvPr id="162" name="Shape 162"/>
           <p:cNvSpPr txBox="1"/>
           <p:nvPr>
             <p:ph idx="1" type="body"/>
@@ -1332,12 +1537,12 @@
 </p:notes>
 </file>
 
-<file path=ppt/notesSlides/notesSlide3.xml><?xml version="1.0" encoding="utf-8"?>
+<file path=ppt/notesSlides/notesSlide20.xml><?xml version="1.0" encoding="utf-8"?>
 <p:notes xmlns:a="http://schemas.openxmlformats.org/drawingml/2006/main" xmlns:r="http://schemas.openxmlformats.org/officeDocument/2006/relationships" xmlns:mc="http://schemas.openxmlformats.org/markup-compatibility/2006" xmlns:mv="urn:schemas-microsoft-com:mac:vml" xmlns:p="http://schemas.openxmlformats.org/presentationml/2006/main" xmlns:c="http://schemas.openxmlformats.org/drawingml/2006/chart" xmlns:dgm="http://schemas.openxmlformats.org/drawingml/2006/diagram" xmlns:o="urn:schemas-microsoft-com:office:office" xmlns:v="urn:schemas-microsoft-com:vml" xmlns:pvml="urn:schemas-microsoft-com:office:powerpoint" xmlns:com="http://schemas.openxmlformats.org/drawingml/2006/compatibility" xmlns:p14="http://schemas.microsoft.com/office/powerpoint/2010/main" showMasterPhAnim="0" showMasterSp="0">
   <p:cSld>
     <p:spTree>
       <p:nvGrpSpPr>
-        <p:cNvPr id="63" name="Shape 63"/>
+        <p:cNvPr id="166" name="Shape 166"/>
         <p:cNvGrpSpPr/>
         <p:nvPr/>
       </p:nvGrpSpPr>
@@ -1351,7 +1556,7 @@
       </p:grpSpPr>
       <p:sp>
         <p:nvSpPr>
-          <p:cNvPr id="64" name="Shape 64"/>
+          <p:cNvPr id="167" name="Shape 167"/>
           <p:cNvSpPr/>
           <p:nvPr>
             <p:ph idx="2" type="sldImg"/>
@@ -1385,7 +1590,7 @@
       </p:sp>
       <p:sp>
         <p:nvSpPr>
-          <p:cNvPr id="65" name="Shape 65"/>
+          <p:cNvPr id="168" name="Shape 168"/>
           <p:cNvSpPr txBox="1"/>
           <p:nvPr>
             <p:ph idx="1" type="body"/>
@@ -1406,7 +1611,1242 @@
           </a:bodyPr>
           <a:lstStyle/>
           <a:p>
+            <a:pPr lvl="0" rtl="0">
+              <a:spcBef>
+                <a:spcPts val="0"/>
+              </a:spcBef>
+              <a:buNone/>
+            </a:pPr>
+            <a:r>
+              <a:t/>
+            </a:r>
+            <a:endParaRPr/>
+          </a:p>
+        </p:txBody>
+      </p:sp>
+    </p:spTree>
+  </p:cSld>
+  <p:clrMapOvr>
+    <a:masterClrMapping/>
+  </p:clrMapOvr>
+</p:notes>
+</file>
+
+<file path=ppt/notesSlides/notesSlide21.xml><?xml version="1.0" encoding="utf-8"?>
+<p:notes xmlns:a="http://schemas.openxmlformats.org/drawingml/2006/main" xmlns:r="http://schemas.openxmlformats.org/officeDocument/2006/relationships" xmlns:mc="http://schemas.openxmlformats.org/markup-compatibility/2006" xmlns:mv="urn:schemas-microsoft-com:mac:vml" xmlns:p="http://schemas.openxmlformats.org/presentationml/2006/main" xmlns:c="http://schemas.openxmlformats.org/drawingml/2006/chart" xmlns:dgm="http://schemas.openxmlformats.org/drawingml/2006/diagram" xmlns:o="urn:schemas-microsoft-com:office:office" xmlns:v="urn:schemas-microsoft-com:vml" xmlns:pvml="urn:schemas-microsoft-com:office:powerpoint" xmlns:com="http://schemas.openxmlformats.org/drawingml/2006/compatibility" xmlns:p14="http://schemas.microsoft.com/office/powerpoint/2010/main" showMasterPhAnim="0" showMasterSp="0">
+  <p:cSld>
+    <p:spTree>
+      <p:nvGrpSpPr>
+        <p:cNvPr id="173" name="Shape 173"/>
+        <p:cNvGrpSpPr/>
+        <p:nvPr/>
+      </p:nvGrpSpPr>
+      <p:grpSpPr>
+        <a:xfrm>
+          <a:off x="0" y="0"/>
+          <a:ext cx="0" cy="0"/>
+          <a:chOff x="0" y="0"/>
+          <a:chExt cx="0" cy="0"/>
+        </a:xfrm>
+      </p:grpSpPr>
+      <p:sp>
+        <p:nvSpPr>
+          <p:cNvPr id="174" name="Shape 174"/>
+          <p:cNvSpPr/>
+          <p:nvPr>
+            <p:ph idx="2" type="sldImg"/>
+          </p:nvPr>
+        </p:nvSpPr>
+        <p:spPr>
+          <a:xfrm>
+            <a:off x="381300" y="685800"/>
+            <a:ext cx="6096000" cy="3429000"/>
+          </a:xfrm>
+          <a:custGeom>
+            <a:pathLst>
+              <a:path extrusionOk="0" h="120000" w="120000">
+                <a:moveTo>
+                  <a:pt x="0" y="0"/>
+                </a:moveTo>
+                <a:lnTo>
+                  <a:pt x="120000" y="0"/>
+                </a:lnTo>
+                <a:lnTo>
+                  <a:pt x="120000" y="120000"/>
+                </a:lnTo>
+                <a:lnTo>
+                  <a:pt x="0" y="120000"/>
+                </a:lnTo>
+                <a:close/>
+              </a:path>
+            </a:pathLst>
+          </a:custGeom>
+        </p:spPr>
+      </p:sp>
+      <p:sp>
+        <p:nvSpPr>
+          <p:cNvPr id="175" name="Shape 175"/>
+          <p:cNvSpPr txBox="1"/>
+          <p:nvPr>
+            <p:ph idx="1" type="body"/>
+          </p:nvPr>
+        </p:nvSpPr>
+        <p:spPr>
+          <a:xfrm>
+            <a:off x="685800" y="4343400"/>
+            <a:ext cx="5486400" cy="4114800"/>
+          </a:xfrm>
+          <a:prstGeom prst="rect">
+            <a:avLst/>
+          </a:prstGeom>
+        </p:spPr>
+        <p:txBody>
+          <a:bodyPr anchorCtr="0" anchor="t" bIns="91425" lIns="91425" rIns="91425" tIns="91425">
+            <a:noAutofit/>
+          </a:bodyPr>
+          <a:lstStyle/>
+          <a:p>
+            <a:pPr lvl="0" rtl="0">
+              <a:spcBef>
+                <a:spcPts val="0"/>
+              </a:spcBef>
+              <a:buNone/>
+            </a:pPr>
+            <a:r>
+              <a:t/>
+            </a:r>
+            <a:endParaRPr/>
+          </a:p>
+        </p:txBody>
+      </p:sp>
+    </p:spTree>
+  </p:cSld>
+  <p:clrMapOvr>
+    <a:masterClrMapping/>
+  </p:clrMapOvr>
+</p:notes>
+</file>
+
+<file path=ppt/notesSlides/notesSlide22.xml><?xml version="1.0" encoding="utf-8"?>
+<p:notes xmlns:a="http://schemas.openxmlformats.org/drawingml/2006/main" xmlns:r="http://schemas.openxmlformats.org/officeDocument/2006/relationships" xmlns:mc="http://schemas.openxmlformats.org/markup-compatibility/2006" xmlns:mv="urn:schemas-microsoft-com:mac:vml" xmlns:p="http://schemas.openxmlformats.org/presentationml/2006/main" xmlns:c="http://schemas.openxmlformats.org/drawingml/2006/chart" xmlns:dgm="http://schemas.openxmlformats.org/drawingml/2006/diagram" xmlns:o="urn:schemas-microsoft-com:office:office" xmlns:v="urn:schemas-microsoft-com:vml" xmlns:pvml="urn:schemas-microsoft-com:office:powerpoint" xmlns:com="http://schemas.openxmlformats.org/drawingml/2006/compatibility" xmlns:p14="http://schemas.microsoft.com/office/powerpoint/2010/main" showMasterPhAnim="0" showMasterSp="0">
+  <p:cSld>
+    <p:spTree>
+      <p:nvGrpSpPr>
+        <p:cNvPr id="180" name="Shape 180"/>
+        <p:cNvGrpSpPr/>
+        <p:nvPr/>
+      </p:nvGrpSpPr>
+      <p:grpSpPr>
+        <a:xfrm>
+          <a:off x="0" y="0"/>
+          <a:ext cx="0" cy="0"/>
+          <a:chOff x="0" y="0"/>
+          <a:chExt cx="0" cy="0"/>
+        </a:xfrm>
+      </p:grpSpPr>
+      <p:sp>
+        <p:nvSpPr>
+          <p:cNvPr id="181" name="Shape 181"/>
+          <p:cNvSpPr/>
+          <p:nvPr>
+            <p:ph idx="2" type="sldImg"/>
+          </p:nvPr>
+        </p:nvSpPr>
+        <p:spPr>
+          <a:xfrm>
+            <a:off x="381300" y="685800"/>
+            <a:ext cx="6096000" cy="3429000"/>
+          </a:xfrm>
+          <a:custGeom>
+            <a:pathLst>
+              <a:path extrusionOk="0" h="120000" w="120000">
+                <a:moveTo>
+                  <a:pt x="0" y="0"/>
+                </a:moveTo>
+                <a:lnTo>
+                  <a:pt x="120000" y="0"/>
+                </a:lnTo>
+                <a:lnTo>
+                  <a:pt x="120000" y="120000"/>
+                </a:lnTo>
+                <a:lnTo>
+                  <a:pt x="0" y="120000"/>
+                </a:lnTo>
+                <a:close/>
+              </a:path>
+            </a:pathLst>
+          </a:custGeom>
+        </p:spPr>
+      </p:sp>
+      <p:sp>
+        <p:nvSpPr>
+          <p:cNvPr id="182" name="Shape 182"/>
+          <p:cNvSpPr txBox="1"/>
+          <p:nvPr>
+            <p:ph idx="1" type="body"/>
+          </p:nvPr>
+        </p:nvSpPr>
+        <p:spPr>
+          <a:xfrm>
+            <a:off x="685800" y="4343400"/>
+            <a:ext cx="5486400" cy="4114800"/>
+          </a:xfrm>
+          <a:prstGeom prst="rect">
+            <a:avLst/>
+          </a:prstGeom>
+        </p:spPr>
+        <p:txBody>
+          <a:bodyPr anchorCtr="0" anchor="t" bIns="91425" lIns="91425" rIns="91425" tIns="91425">
+            <a:noAutofit/>
+          </a:bodyPr>
+          <a:lstStyle/>
+          <a:p>
+            <a:pPr lvl="0" rtl="0">
+              <a:spcBef>
+                <a:spcPts val="0"/>
+              </a:spcBef>
+              <a:buNone/>
+            </a:pPr>
+            <a:r>
+              <a:t/>
+            </a:r>
+            <a:endParaRPr/>
+          </a:p>
+        </p:txBody>
+      </p:sp>
+    </p:spTree>
+  </p:cSld>
+  <p:clrMapOvr>
+    <a:masterClrMapping/>
+  </p:clrMapOvr>
+</p:notes>
+</file>
+
+<file path=ppt/notesSlides/notesSlide23.xml><?xml version="1.0" encoding="utf-8"?>
+<p:notes xmlns:a="http://schemas.openxmlformats.org/drawingml/2006/main" xmlns:r="http://schemas.openxmlformats.org/officeDocument/2006/relationships" xmlns:mc="http://schemas.openxmlformats.org/markup-compatibility/2006" xmlns:mv="urn:schemas-microsoft-com:mac:vml" xmlns:p="http://schemas.openxmlformats.org/presentationml/2006/main" xmlns:c="http://schemas.openxmlformats.org/drawingml/2006/chart" xmlns:dgm="http://schemas.openxmlformats.org/drawingml/2006/diagram" xmlns:o="urn:schemas-microsoft-com:office:office" xmlns:v="urn:schemas-microsoft-com:vml" xmlns:pvml="urn:schemas-microsoft-com:office:powerpoint" xmlns:com="http://schemas.openxmlformats.org/drawingml/2006/compatibility" xmlns:p14="http://schemas.microsoft.com/office/powerpoint/2010/main" showMasterPhAnim="0" showMasterSp="0">
+  <p:cSld>
+    <p:spTree>
+      <p:nvGrpSpPr>
+        <p:cNvPr id="186" name="Shape 186"/>
+        <p:cNvGrpSpPr/>
+        <p:nvPr/>
+      </p:nvGrpSpPr>
+      <p:grpSpPr>
+        <a:xfrm>
+          <a:off x="0" y="0"/>
+          <a:ext cx="0" cy="0"/>
+          <a:chOff x="0" y="0"/>
+          <a:chExt cx="0" cy="0"/>
+        </a:xfrm>
+      </p:grpSpPr>
+      <p:sp>
+        <p:nvSpPr>
+          <p:cNvPr id="187" name="Shape 187"/>
+          <p:cNvSpPr/>
+          <p:nvPr>
+            <p:ph idx="2" type="sldImg"/>
+          </p:nvPr>
+        </p:nvSpPr>
+        <p:spPr>
+          <a:xfrm>
+            <a:off x="381300" y="685800"/>
+            <a:ext cx="6096000" cy="3429000"/>
+          </a:xfrm>
+          <a:custGeom>
+            <a:pathLst>
+              <a:path extrusionOk="0" h="120000" w="120000">
+                <a:moveTo>
+                  <a:pt x="0" y="0"/>
+                </a:moveTo>
+                <a:lnTo>
+                  <a:pt x="120000" y="0"/>
+                </a:lnTo>
+                <a:lnTo>
+                  <a:pt x="120000" y="120000"/>
+                </a:lnTo>
+                <a:lnTo>
+                  <a:pt x="0" y="120000"/>
+                </a:lnTo>
+                <a:close/>
+              </a:path>
+            </a:pathLst>
+          </a:custGeom>
+        </p:spPr>
+      </p:sp>
+      <p:sp>
+        <p:nvSpPr>
+          <p:cNvPr id="188" name="Shape 188"/>
+          <p:cNvSpPr txBox="1"/>
+          <p:nvPr>
+            <p:ph idx="1" type="body"/>
+          </p:nvPr>
+        </p:nvSpPr>
+        <p:spPr>
+          <a:xfrm>
+            <a:off x="685800" y="4343400"/>
+            <a:ext cx="5486400" cy="4114800"/>
+          </a:xfrm>
+          <a:prstGeom prst="rect">
+            <a:avLst/>
+          </a:prstGeom>
+        </p:spPr>
+        <p:txBody>
+          <a:bodyPr anchorCtr="0" anchor="t" bIns="91425" lIns="91425" rIns="91425" tIns="91425">
+            <a:noAutofit/>
+          </a:bodyPr>
+          <a:lstStyle/>
+          <a:p>
+            <a:pPr lvl="0" rtl="0">
+              <a:spcBef>
+                <a:spcPts val="0"/>
+              </a:spcBef>
+              <a:buNone/>
+            </a:pPr>
+            <a:r>
+              <a:t/>
+            </a:r>
+            <a:endParaRPr/>
+          </a:p>
+        </p:txBody>
+      </p:sp>
+    </p:spTree>
+  </p:cSld>
+  <p:clrMapOvr>
+    <a:masterClrMapping/>
+  </p:clrMapOvr>
+</p:notes>
+</file>
+
+<file path=ppt/notesSlides/notesSlide24.xml><?xml version="1.0" encoding="utf-8"?>
+<p:notes xmlns:a="http://schemas.openxmlformats.org/drawingml/2006/main" xmlns:r="http://schemas.openxmlformats.org/officeDocument/2006/relationships" xmlns:mc="http://schemas.openxmlformats.org/markup-compatibility/2006" xmlns:mv="urn:schemas-microsoft-com:mac:vml" xmlns:p="http://schemas.openxmlformats.org/presentationml/2006/main" xmlns:c="http://schemas.openxmlformats.org/drawingml/2006/chart" xmlns:dgm="http://schemas.openxmlformats.org/drawingml/2006/diagram" xmlns:o="urn:schemas-microsoft-com:office:office" xmlns:v="urn:schemas-microsoft-com:vml" xmlns:pvml="urn:schemas-microsoft-com:office:powerpoint" xmlns:com="http://schemas.openxmlformats.org/drawingml/2006/compatibility" xmlns:p14="http://schemas.microsoft.com/office/powerpoint/2010/main" showMasterPhAnim="0" showMasterSp="0">
+  <p:cSld>
+    <p:spTree>
+      <p:nvGrpSpPr>
+        <p:cNvPr id="192" name="Shape 192"/>
+        <p:cNvGrpSpPr/>
+        <p:nvPr/>
+      </p:nvGrpSpPr>
+      <p:grpSpPr>
+        <a:xfrm>
+          <a:off x="0" y="0"/>
+          <a:ext cx="0" cy="0"/>
+          <a:chOff x="0" y="0"/>
+          <a:chExt cx="0" cy="0"/>
+        </a:xfrm>
+      </p:grpSpPr>
+      <p:sp>
+        <p:nvSpPr>
+          <p:cNvPr id="193" name="Shape 193"/>
+          <p:cNvSpPr/>
+          <p:nvPr>
+            <p:ph idx="2" type="sldImg"/>
+          </p:nvPr>
+        </p:nvSpPr>
+        <p:spPr>
+          <a:xfrm>
+            <a:off x="381300" y="685800"/>
+            <a:ext cx="6096000" cy="3429000"/>
+          </a:xfrm>
+          <a:custGeom>
+            <a:pathLst>
+              <a:path extrusionOk="0" h="120000" w="120000">
+                <a:moveTo>
+                  <a:pt x="0" y="0"/>
+                </a:moveTo>
+                <a:lnTo>
+                  <a:pt x="120000" y="0"/>
+                </a:lnTo>
+                <a:lnTo>
+                  <a:pt x="120000" y="120000"/>
+                </a:lnTo>
+                <a:lnTo>
+                  <a:pt x="0" y="120000"/>
+                </a:lnTo>
+                <a:close/>
+              </a:path>
+            </a:pathLst>
+          </a:custGeom>
+        </p:spPr>
+      </p:sp>
+      <p:sp>
+        <p:nvSpPr>
+          <p:cNvPr id="194" name="Shape 194"/>
+          <p:cNvSpPr txBox="1"/>
+          <p:nvPr>
+            <p:ph idx="1" type="body"/>
+          </p:nvPr>
+        </p:nvSpPr>
+        <p:spPr>
+          <a:xfrm>
+            <a:off x="685800" y="4343400"/>
+            <a:ext cx="5486400" cy="4114800"/>
+          </a:xfrm>
+          <a:prstGeom prst="rect">
+            <a:avLst/>
+          </a:prstGeom>
+        </p:spPr>
+        <p:txBody>
+          <a:bodyPr anchorCtr="0" anchor="t" bIns="91425" lIns="91425" rIns="91425" tIns="91425">
+            <a:noAutofit/>
+          </a:bodyPr>
+          <a:lstStyle/>
+          <a:p>
+            <a:pPr lvl="0" rtl="0">
+              <a:spcBef>
+                <a:spcPts val="0"/>
+              </a:spcBef>
+              <a:buNone/>
+            </a:pPr>
+            <a:r>
+              <a:t/>
+            </a:r>
+            <a:endParaRPr/>
+          </a:p>
+        </p:txBody>
+      </p:sp>
+    </p:spTree>
+  </p:cSld>
+  <p:clrMapOvr>
+    <a:masterClrMapping/>
+  </p:clrMapOvr>
+</p:notes>
+</file>
+
+<file path=ppt/notesSlides/notesSlide25.xml><?xml version="1.0" encoding="utf-8"?>
+<p:notes xmlns:a="http://schemas.openxmlformats.org/drawingml/2006/main" xmlns:r="http://schemas.openxmlformats.org/officeDocument/2006/relationships" xmlns:mc="http://schemas.openxmlformats.org/markup-compatibility/2006" xmlns:mv="urn:schemas-microsoft-com:mac:vml" xmlns:p="http://schemas.openxmlformats.org/presentationml/2006/main" xmlns:c="http://schemas.openxmlformats.org/drawingml/2006/chart" xmlns:dgm="http://schemas.openxmlformats.org/drawingml/2006/diagram" xmlns:o="urn:schemas-microsoft-com:office:office" xmlns:v="urn:schemas-microsoft-com:vml" xmlns:pvml="urn:schemas-microsoft-com:office:powerpoint" xmlns:com="http://schemas.openxmlformats.org/drawingml/2006/compatibility" xmlns:p14="http://schemas.microsoft.com/office/powerpoint/2010/main" showMasterPhAnim="0" showMasterSp="0">
+  <p:cSld>
+    <p:spTree>
+      <p:nvGrpSpPr>
+        <p:cNvPr id="198" name="Shape 198"/>
+        <p:cNvGrpSpPr/>
+        <p:nvPr/>
+      </p:nvGrpSpPr>
+      <p:grpSpPr>
+        <a:xfrm>
+          <a:off x="0" y="0"/>
+          <a:ext cx="0" cy="0"/>
+          <a:chOff x="0" y="0"/>
+          <a:chExt cx="0" cy="0"/>
+        </a:xfrm>
+      </p:grpSpPr>
+      <p:sp>
+        <p:nvSpPr>
+          <p:cNvPr id="199" name="Shape 199"/>
+          <p:cNvSpPr/>
+          <p:nvPr>
+            <p:ph idx="2" type="sldImg"/>
+          </p:nvPr>
+        </p:nvSpPr>
+        <p:spPr>
+          <a:xfrm>
+            <a:off x="381300" y="685800"/>
+            <a:ext cx="6096000" cy="3429000"/>
+          </a:xfrm>
+          <a:custGeom>
+            <a:pathLst>
+              <a:path extrusionOk="0" h="120000" w="120000">
+                <a:moveTo>
+                  <a:pt x="0" y="0"/>
+                </a:moveTo>
+                <a:lnTo>
+                  <a:pt x="120000" y="0"/>
+                </a:lnTo>
+                <a:lnTo>
+                  <a:pt x="120000" y="120000"/>
+                </a:lnTo>
+                <a:lnTo>
+                  <a:pt x="0" y="120000"/>
+                </a:lnTo>
+                <a:close/>
+              </a:path>
+            </a:pathLst>
+          </a:custGeom>
+        </p:spPr>
+      </p:sp>
+      <p:sp>
+        <p:nvSpPr>
+          <p:cNvPr id="200" name="Shape 200"/>
+          <p:cNvSpPr txBox="1"/>
+          <p:nvPr>
+            <p:ph idx="1" type="body"/>
+          </p:nvPr>
+        </p:nvSpPr>
+        <p:spPr>
+          <a:xfrm>
+            <a:off x="685800" y="4343400"/>
+            <a:ext cx="5486400" cy="4114800"/>
+          </a:xfrm>
+          <a:prstGeom prst="rect">
+            <a:avLst/>
+          </a:prstGeom>
+        </p:spPr>
+        <p:txBody>
+          <a:bodyPr anchorCtr="0" anchor="t" bIns="91425" lIns="91425" rIns="91425" tIns="91425">
+            <a:noAutofit/>
+          </a:bodyPr>
+          <a:lstStyle/>
+          <a:p>
+            <a:pPr lvl="0" rtl="0">
+              <a:spcBef>
+                <a:spcPts val="0"/>
+              </a:spcBef>
+              <a:buNone/>
+            </a:pPr>
+            <a:r>
+              <a:t/>
+            </a:r>
+            <a:endParaRPr/>
+          </a:p>
+        </p:txBody>
+      </p:sp>
+    </p:spTree>
+  </p:cSld>
+  <p:clrMapOvr>
+    <a:masterClrMapping/>
+  </p:clrMapOvr>
+</p:notes>
+</file>
+
+<file path=ppt/notesSlides/notesSlide26.xml><?xml version="1.0" encoding="utf-8"?>
+<p:notes xmlns:a="http://schemas.openxmlformats.org/drawingml/2006/main" xmlns:r="http://schemas.openxmlformats.org/officeDocument/2006/relationships" xmlns:mc="http://schemas.openxmlformats.org/markup-compatibility/2006" xmlns:mv="urn:schemas-microsoft-com:mac:vml" xmlns:p="http://schemas.openxmlformats.org/presentationml/2006/main" xmlns:c="http://schemas.openxmlformats.org/drawingml/2006/chart" xmlns:dgm="http://schemas.openxmlformats.org/drawingml/2006/diagram" xmlns:o="urn:schemas-microsoft-com:office:office" xmlns:v="urn:schemas-microsoft-com:vml" xmlns:pvml="urn:schemas-microsoft-com:office:powerpoint" xmlns:com="http://schemas.openxmlformats.org/drawingml/2006/compatibility" xmlns:p14="http://schemas.microsoft.com/office/powerpoint/2010/main" showMasterPhAnim="0" showMasterSp="0">
+  <p:cSld>
+    <p:spTree>
+      <p:nvGrpSpPr>
+        <p:cNvPr id="204" name="Shape 204"/>
+        <p:cNvGrpSpPr/>
+        <p:nvPr/>
+      </p:nvGrpSpPr>
+      <p:grpSpPr>
+        <a:xfrm>
+          <a:off x="0" y="0"/>
+          <a:ext cx="0" cy="0"/>
+          <a:chOff x="0" y="0"/>
+          <a:chExt cx="0" cy="0"/>
+        </a:xfrm>
+      </p:grpSpPr>
+      <p:sp>
+        <p:nvSpPr>
+          <p:cNvPr id="205" name="Shape 205"/>
+          <p:cNvSpPr/>
+          <p:nvPr>
+            <p:ph idx="2" type="sldImg"/>
+          </p:nvPr>
+        </p:nvSpPr>
+        <p:spPr>
+          <a:xfrm>
+            <a:off x="381300" y="685800"/>
+            <a:ext cx="6096000" cy="3429000"/>
+          </a:xfrm>
+          <a:custGeom>
+            <a:pathLst>
+              <a:path extrusionOk="0" h="120000" w="120000">
+                <a:moveTo>
+                  <a:pt x="0" y="0"/>
+                </a:moveTo>
+                <a:lnTo>
+                  <a:pt x="120000" y="0"/>
+                </a:lnTo>
+                <a:lnTo>
+                  <a:pt x="120000" y="120000"/>
+                </a:lnTo>
+                <a:lnTo>
+                  <a:pt x="0" y="120000"/>
+                </a:lnTo>
+                <a:close/>
+              </a:path>
+            </a:pathLst>
+          </a:custGeom>
+        </p:spPr>
+      </p:sp>
+      <p:sp>
+        <p:nvSpPr>
+          <p:cNvPr id="206" name="Shape 206"/>
+          <p:cNvSpPr txBox="1"/>
+          <p:nvPr>
+            <p:ph idx="1" type="body"/>
+          </p:nvPr>
+        </p:nvSpPr>
+        <p:spPr>
+          <a:xfrm>
+            <a:off x="685800" y="4343400"/>
+            <a:ext cx="5486400" cy="4114800"/>
+          </a:xfrm>
+          <a:prstGeom prst="rect">
+            <a:avLst/>
+          </a:prstGeom>
+        </p:spPr>
+        <p:txBody>
+          <a:bodyPr anchorCtr="0" anchor="t" bIns="91425" lIns="91425" rIns="91425" tIns="91425">
+            <a:noAutofit/>
+          </a:bodyPr>
+          <a:lstStyle/>
+          <a:p>
+            <a:pPr lvl="0" rtl="0">
+              <a:spcBef>
+                <a:spcPts val="0"/>
+              </a:spcBef>
+              <a:buNone/>
+            </a:pPr>
+            <a:r>
+              <a:t/>
+            </a:r>
+            <a:endParaRPr/>
+          </a:p>
+        </p:txBody>
+      </p:sp>
+    </p:spTree>
+  </p:cSld>
+  <p:clrMapOvr>
+    <a:masterClrMapping/>
+  </p:clrMapOvr>
+</p:notes>
+</file>
+
+<file path=ppt/notesSlides/notesSlide27.xml><?xml version="1.0" encoding="utf-8"?>
+<p:notes xmlns:a="http://schemas.openxmlformats.org/drawingml/2006/main" xmlns:r="http://schemas.openxmlformats.org/officeDocument/2006/relationships" xmlns:mc="http://schemas.openxmlformats.org/markup-compatibility/2006" xmlns:mv="urn:schemas-microsoft-com:mac:vml" xmlns:p="http://schemas.openxmlformats.org/presentationml/2006/main" xmlns:c="http://schemas.openxmlformats.org/drawingml/2006/chart" xmlns:dgm="http://schemas.openxmlformats.org/drawingml/2006/diagram" xmlns:o="urn:schemas-microsoft-com:office:office" xmlns:v="urn:schemas-microsoft-com:vml" xmlns:pvml="urn:schemas-microsoft-com:office:powerpoint" xmlns:com="http://schemas.openxmlformats.org/drawingml/2006/compatibility" xmlns:p14="http://schemas.microsoft.com/office/powerpoint/2010/main" showMasterPhAnim="0" showMasterSp="0">
+  <p:cSld>
+    <p:spTree>
+      <p:nvGrpSpPr>
+        <p:cNvPr id="210" name="Shape 210"/>
+        <p:cNvGrpSpPr/>
+        <p:nvPr/>
+      </p:nvGrpSpPr>
+      <p:grpSpPr>
+        <a:xfrm>
+          <a:off x="0" y="0"/>
+          <a:ext cx="0" cy="0"/>
+          <a:chOff x="0" y="0"/>
+          <a:chExt cx="0" cy="0"/>
+        </a:xfrm>
+      </p:grpSpPr>
+      <p:sp>
+        <p:nvSpPr>
+          <p:cNvPr id="211" name="Shape 211"/>
+          <p:cNvSpPr/>
+          <p:nvPr>
+            <p:ph idx="2" type="sldImg"/>
+          </p:nvPr>
+        </p:nvSpPr>
+        <p:spPr>
+          <a:xfrm>
+            <a:off x="381300" y="685800"/>
+            <a:ext cx="6096000" cy="3429000"/>
+          </a:xfrm>
+          <a:custGeom>
+            <a:pathLst>
+              <a:path extrusionOk="0" h="120000" w="120000">
+                <a:moveTo>
+                  <a:pt x="0" y="0"/>
+                </a:moveTo>
+                <a:lnTo>
+                  <a:pt x="120000" y="0"/>
+                </a:lnTo>
+                <a:lnTo>
+                  <a:pt x="120000" y="120000"/>
+                </a:lnTo>
+                <a:lnTo>
+                  <a:pt x="0" y="120000"/>
+                </a:lnTo>
+                <a:close/>
+              </a:path>
+            </a:pathLst>
+          </a:custGeom>
+        </p:spPr>
+      </p:sp>
+      <p:sp>
+        <p:nvSpPr>
+          <p:cNvPr id="212" name="Shape 212"/>
+          <p:cNvSpPr txBox="1"/>
+          <p:nvPr>
+            <p:ph idx="1" type="body"/>
+          </p:nvPr>
+        </p:nvSpPr>
+        <p:spPr>
+          <a:xfrm>
+            <a:off x="685800" y="4343400"/>
+            <a:ext cx="5486400" cy="4114800"/>
+          </a:xfrm>
+          <a:prstGeom prst="rect">
+            <a:avLst/>
+          </a:prstGeom>
+        </p:spPr>
+        <p:txBody>
+          <a:bodyPr anchorCtr="0" anchor="t" bIns="91425" lIns="91425" rIns="91425" tIns="91425">
+            <a:noAutofit/>
+          </a:bodyPr>
+          <a:lstStyle/>
+          <a:p>
+            <a:pPr lvl="0" rtl="0">
+              <a:spcBef>
+                <a:spcPts val="0"/>
+              </a:spcBef>
+              <a:buNone/>
+            </a:pPr>
+            <a:r>
+              <a:t/>
+            </a:r>
+            <a:endParaRPr/>
+          </a:p>
+        </p:txBody>
+      </p:sp>
+    </p:spTree>
+  </p:cSld>
+  <p:clrMapOvr>
+    <a:masterClrMapping/>
+  </p:clrMapOvr>
+</p:notes>
+</file>
+
+<file path=ppt/notesSlides/notesSlide28.xml><?xml version="1.0" encoding="utf-8"?>
+<p:notes xmlns:a="http://schemas.openxmlformats.org/drawingml/2006/main" xmlns:r="http://schemas.openxmlformats.org/officeDocument/2006/relationships" xmlns:mc="http://schemas.openxmlformats.org/markup-compatibility/2006" xmlns:mv="urn:schemas-microsoft-com:mac:vml" xmlns:p="http://schemas.openxmlformats.org/presentationml/2006/main" xmlns:c="http://schemas.openxmlformats.org/drawingml/2006/chart" xmlns:dgm="http://schemas.openxmlformats.org/drawingml/2006/diagram" xmlns:o="urn:schemas-microsoft-com:office:office" xmlns:v="urn:schemas-microsoft-com:vml" xmlns:pvml="urn:schemas-microsoft-com:office:powerpoint" xmlns:com="http://schemas.openxmlformats.org/drawingml/2006/compatibility" xmlns:p14="http://schemas.microsoft.com/office/powerpoint/2010/main" showMasterPhAnim="0" showMasterSp="0">
+  <p:cSld>
+    <p:spTree>
+      <p:nvGrpSpPr>
+        <p:cNvPr id="216" name="Shape 216"/>
+        <p:cNvGrpSpPr/>
+        <p:nvPr/>
+      </p:nvGrpSpPr>
+      <p:grpSpPr>
+        <a:xfrm>
+          <a:off x="0" y="0"/>
+          <a:ext cx="0" cy="0"/>
+          <a:chOff x="0" y="0"/>
+          <a:chExt cx="0" cy="0"/>
+        </a:xfrm>
+      </p:grpSpPr>
+      <p:sp>
+        <p:nvSpPr>
+          <p:cNvPr id="217" name="Shape 217"/>
+          <p:cNvSpPr/>
+          <p:nvPr>
+            <p:ph idx="2" type="sldImg"/>
+          </p:nvPr>
+        </p:nvSpPr>
+        <p:spPr>
+          <a:xfrm>
+            <a:off x="381300" y="685800"/>
+            <a:ext cx="6096000" cy="3429000"/>
+          </a:xfrm>
+          <a:custGeom>
+            <a:pathLst>
+              <a:path extrusionOk="0" h="120000" w="120000">
+                <a:moveTo>
+                  <a:pt x="0" y="0"/>
+                </a:moveTo>
+                <a:lnTo>
+                  <a:pt x="120000" y="0"/>
+                </a:lnTo>
+                <a:lnTo>
+                  <a:pt x="120000" y="120000"/>
+                </a:lnTo>
+                <a:lnTo>
+                  <a:pt x="0" y="120000"/>
+                </a:lnTo>
+                <a:close/>
+              </a:path>
+            </a:pathLst>
+          </a:custGeom>
+        </p:spPr>
+      </p:sp>
+      <p:sp>
+        <p:nvSpPr>
+          <p:cNvPr id="218" name="Shape 218"/>
+          <p:cNvSpPr txBox="1"/>
+          <p:nvPr>
+            <p:ph idx="1" type="body"/>
+          </p:nvPr>
+        </p:nvSpPr>
+        <p:spPr>
+          <a:xfrm>
+            <a:off x="685800" y="4343400"/>
+            <a:ext cx="5486400" cy="4114800"/>
+          </a:xfrm>
+          <a:prstGeom prst="rect">
+            <a:avLst/>
+          </a:prstGeom>
+        </p:spPr>
+        <p:txBody>
+          <a:bodyPr anchorCtr="0" anchor="t" bIns="91425" lIns="91425" rIns="91425" tIns="91425">
+            <a:noAutofit/>
+          </a:bodyPr>
+          <a:lstStyle/>
+          <a:p>
+            <a:pPr lvl="0" rtl="0">
+              <a:spcBef>
+                <a:spcPts val="0"/>
+              </a:spcBef>
+              <a:buNone/>
+            </a:pPr>
+            <a:r>
+              <a:t/>
+            </a:r>
+            <a:endParaRPr/>
+          </a:p>
+        </p:txBody>
+      </p:sp>
+    </p:spTree>
+  </p:cSld>
+  <p:clrMapOvr>
+    <a:masterClrMapping/>
+  </p:clrMapOvr>
+</p:notes>
+</file>
+
+<file path=ppt/notesSlides/notesSlide29.xml><?xml version="1.0" encoding="utf-8"?>
+<p:notes xmlns:a="http://schemas.openxmlformats.org/drawingml/2006/main" xmlns:r="http://schemas.openxmlformats.org/officeDocument/2006/relationships" xmlns:mc="http://schemas.openxmlformats.org/markup-compatibility/2006" xmlns:mv="urn:schemas-microsoft-com:mac:vml" xmlns:p="http://schemas.openxmlformats.org/presentationml/2006/main" xmlns:c="http://schemas.openxmlformats.org/drawingml/2006/chart" xmlns:dgm="http://schemas.openxmlformats.org/drawingml/2006/diagram" xmlns:o="urn:schemas-microsoft-com:office:office" xmlns:v="urn:schemas-microsoft-com:vml" xmlns:pvml="urn:schemas-microsoft-com:office:powerpoint" xmlns:com="http://schemas.openxmlformats.org/drawingml/2006/compatibility" xmlns:p14="http://schemas.microsoft.com/office/powerpoint/2010/main" showMasterPhAnim="0" showMasterSp="0">
+  <p:cSld>
+    <p:spTree>
+      <p:nvGrpSpPr>
+        <p:cNvPr id="222" name="Shape 222"/>
+        <p:cNvGrpSpPr/>
+        <p:nvPr/>
+      </p:nvGrpSpPr>
+      <p:grpSpPr>
+        <a:xfrm>
+          <a:off x="0" y="0"/>
+          <a:ext cx="0" cy="0"/>
+          <a:chOff x="0" y="0"/>
+          <a:chExt cx="0" cy="0"/>
+        </a:xfrm>
+      </p:grpSpPr>
+      <p:sp>
+        <p:nvSpPr>
+          <p:cNvPr id="223" name="Shape 223"/>
+          <p:cNvSpPr/>
+          <p:nvPr>
+            <p:ph idx="2" type="sldImg"/>
+          </p:nvPr>
+        </p:nvSpPr>
+        <p:spPr>
+          <a:xfrm>
+            <a:off x="381300" y="685800"/>
+            <a:ext cx="6096000" cy="3429000"/>
+          </a:xfrm>
+          <a:custGeom>
+            <a:pathLst>
+              <a:path extrusionOk="0" h="120000" w="120000">
+                <a:moveTo>
+                  <a:pt x="0" y="0"/>
+                </a:moveTo>
+                <a:lnTo>
+                  <a:pt x="120000" y="0"/>
+                </a:lnTo>
+                <a:lnTo>
+                  <a:pt x="120000" y="120000"/>
+                </a:lnTo>
+                <a:lnTo>
+                  <a:pt x="0" y="120000"/>
+                </a:lnTo>
+                <a:close/>
+              </a:path>
+            </a:pathLst>
+          </a:custGeom>
+        </p:spPr>
+      </p:sp>
+      <p:sp>
+        <p:nvSpPr>
+          <p:cNvPr id="224" name="Shape 224"/>
+          <p:cNvSpPr txBox="1"/>
+          <p:nvPr>
+            <p:ph idx="1" type="body"/>
+          </p:nvPr>
+        </p:nvSpPr>
+        <p:spPr>
+          <a:xfrm>
+            <a:off x="685800" y="4343400"/>
+            <a:ext cx="5486400" cy="4114800"/>
+          </a:xfrm>
+          <a:prstGeom prst="rect">
+            <a:avLst/>
+          </a:prstGeom>
+        </p:spPr>
+        <p:txBody>
+          <a:bodyPr anchorCtr="0" anchor="t" bIns="91425" lIns="91425" rIns="91425" tIns="91425">
+            <a:noAutofit/>
+          </a:bodyPr>
+          <a:lstStyle/>
+          <a:p>
+            <a:pPr lvl="0" rtl="0">
+              <a:spcBef>
+                <a:spcPts val="0"/>
+              </a:spcBef>
+              <a:buNone/>
+            </a:pPr>
+            <a:r>
+              <a:t/>
+            </a:r>
+            <a:endParaRPr/>
+          </a:p>
+        </p:txBody>
+      </p:sp>
+    </p:spTree>
+  </p:cSld>
+  <p:clrMapOvr>
+    <a:masterClrMapping/>
+  </p:clrMapOvr>
+</p:notes>
+</file>
+
+<file path=ppt/notesSlides/notesSlide3.xml><?xml version="1.0" encoding="utf-8"?>
+<p:notes xmlns:a="http://schemas.openxmlformats.org/drawingml/2006/main" xmlns:r="http://schemas.openxmlformats.org/officeDocument/2006/relationships" xmlns:mc="http://schemas.openxmlformats.org/markup-compatibility/2006" xmlns:mv="urn:schemas-microsoft-com:mac:vml" xmlns:p="http://schemas.openxmlformats.org/presentationml/2006/main" xmlns:c="http://schemas.openxmlformats.org/drawingml/2006/chart" xmlns:dgm="http://schemas.openxmlformats.org/drawingml/2006/diagram" xmlns:o="urn:schemas-microsoft-com:office:office" xmlns:v="urn:schemas-microsoft-com:vml" xmlns:pvml="urn:schemas-microsoft-com:office:powerpoint" xmlns:com="http://schemas.openxmlformats.org/drawingml/2006/compatibility" xmlns:p14="http://schemas.microsoft.com/office/powerpoint/2010/main" showMasterPhAnim="0" showMasterSp="0">
+  <p:cSld>
+    <p:spTree>
+      <p:nvGrpSpPr>
+        <p:cNvPr id="63" name="Shape 63"/>
+        <p:cNvGrpSpPr/>
+        <p:nvPr/>
+      </p:nvGrpSpPr>
+      <p:grpSpPr>
+        <a:xfrm>
+          <a:off x="0" y="0"/>
+          <a:ext cx="0" cy="0"/>
+          <a:chOff x="0" y="0"/>
+          <a:chExt cx="0" cy="0"/>
+        </a:xfrm>
+      </p:grpSpPr>
+      <p:sp>
+        <p:nvSpPr>
+          <p:cNvPr id="64" name="Shape 64"/>
+          <p:cNvSpPr/>
+          <p:nvPr>
+            <p:ph idx="2" type="sldImg"/>
+          </p:nvPr>
+        </p:nvSpPr>
+        <p:spPr>
+          <a:xfrm>
+            <a:off x="381300" y="685800"/>
+            <a:ext cx="6096000" cy="3429000"/>
+          </a:xfrm>
+          <a:custGeom>
+            <a:pathLst>
+              <a:path extrusionOk="0" h="120000" w="120000">
+                <a:moveTo>
+                  <a:pt x="0" y="0"/>
+                </a:moveTo>
+                <a:lnTo>
+                  <a:pt x="120000" y="0"/>
+                </a:lnTo>
+                <a:lnTo>
+                  <a:pt x="120000" y="120000"/>
+                </a:lnTo>
+                <a:lnTo>
+                  <a:pt x="0" y="120000"/>
+                </a:lnTo>
+                <a:close/>
+              </a:path>
+            </a:pathLst>
+          </a:custGeom>
+        </p:spPr>
+      </p:sp>
+      <p:sp>
+        <p:nvSpPr>
+          <p:cNvPr id="65" name="Shape 65"/>
+          <p:cNvSpPr txBox="1"/>
+          <p:nvPr>
+            <p:ph idx="1" type="body"/>
+          </p:nvPr>
+        </p:nvSpPr>
+        <p:spPr>
+          <a:xfrm>
+            <a:off x="685800" y="4343400"/>
+            <a:ext cx="5486400" cy="4114800"/>
+          </a:xfrm>
+          <a:prstGeom prst="rect">
+            <a:avLst/>
+          </a:prstGeom>
+        </p:spPr>
+        <p:txBody>
+          <a:bodyPr anchorCtr="0" anchor="t" bIns="91425" lIns="91425" rIns="91425" tIns="91425">
+            <a:noAutofit/>
+          </a:bodyPr>
+          <a:lstStyle/>
+          <a:p>
             <a:pPr lvl="0">
+              <a:spcBef>
+                <a:spcPts val="0"/>
+              </a:spcBef>
+              <a:buNone/>
+            </a:pPr>
+            <a:r>
+              <a:t/>
+            </a:r>
+            <a:endParaRPr/>
+          </a:p>
+        </p:txBody>
+      </p:sp>
+    </p:spTree>
+  </p:cSld>
+  <p:clrMapOvr>
+    <a:masterClrMapping/>
+  </p:clrMapOvr>
+</p:notes>
+</file>
+
+<file path=ppt/notesSlides/notesSlide30.xml><?xml version="1.0" encoding="utf-8"?>
+<p:notes xmlns:a="http://schemas.openxmlformats.org/drawingml/2006/main" xmlns:r="http://schemas.openxmlformats.org/officeDocument/2006/relationships" xmlns:mc="http://schemas.openxmlformats.org/markup-compatibility/2006" xmlns:mv="urn:schemas-microsoft-com:mac:vml" xmlns:p="http://schemas.openxmlformats.org/presentationml/2006/main" xmlns:c="http://schemas.openxmlformats.org/drawingml/2006/chart" xmlns:dgm="http://schemas.openxmlformats.org/drawingml/2006/diagram" xmlns:o="urn:schemas-microsoft-com:office:office" xmlns:v="urn:schemas-microsoft-com:vml" xmlns:pvml="urn:schemas-microsoft-com:office:powerpoint" xmlns:com="http://schemas.openxmlformats.org/drawingml/2006/compatibility" xmlns:p14="http://schemas.microsoft.com/office/powerpoint/2010/main" showMasterPhAnim="0" showMasterSp="0">
+  <p:cSld>
+    <p:spTree>
+      <p:nvGrpSpPr>
+        <p:cNvPr id="228" name="Shape 228"/>
+        <p:cNvGrpSpPr/>
+        <p:nvPr/>
+      </p:nvGrpSpPr>
+      <p:grpSpPr>
+        <a:xfrm>
+          <a:off x="0" y="0"/>
+          <a:ext cx="0" cy="0"/>
+          <a:chOff x="0" y="0"/>
+          <a:chExt cx="0" cy="0"/>
+        </a:xfrm>
+      </p:grpSpPr>
+      <p:sp>
+        <p:nvSpPr>
+          <p:cNvPr id="229" name="Shape 229"/>
+          <p:cNvSpPr/>
+          <p:nvPr>
+            <p:ph idx="2" type="sldImg"/>
+          </p:nvPr>
+        </p:nvSpPr>
+        <p:spPr>
+          <a:xfrm>
+            <a:off x="381300" y="685800"/>
+            <a:ext cx="6096000" cy="3429000"/>
+          </a:xfrm>
+          <a:custGeom>
+            <a:pathLst>
+              <a:path extrusionOk="0" h="120000" w="120000">
+                <a:moveTo>
+                  <a:pt x="0" y="0"/>
+                </a:moveTo>
+                <a:lnTo>
+                  <a:pt x="120000" y="0"/>
+                </a:lnTo>
+                <a:lnTo>
+                  <a:pt x="120000" y="120000"/>
+                </a:lnTo>
+                <a:lnTo>
+                  <a:pt x="0" y="120000"/>
+                </a:lnTo>
+                <a:close/>
+              </a:path>
+            </a:pathLst>
+          </a:custGeom>
+        </p:spPr>
+      </p:sp>
+      <p:sp>
+        <p:nvSpPr>
+          <p:cNvPr id="230" name="Shape 230"/>
+          <p:cNvSpPr txBox="1"/>
+          <p:nvPr>
+            <p:ph idx="1" type="body"/>
+          </p:nvPr>
+        </p:nvSpPr>
+        <p:spPr>
+          <a:xfrm>
+            <a:off x="685800" y="4343400"/>
+            <a:ext cx="5486400" cy="4114800"/>
+          </a:xfrm>
+          <a:prstGeom prst="rect">
+            <a:avLst/>
+          </a:prstGeom>
+        </p:spPr>
+        <p:txBody>
+          <a:bodyPr anchorCtr="0" anchor="t" bIns="91425" lIns="91425" rIns="91425" tIns="91425">
+            <a:noAutofit/>
+          </a:bodyPr>
+          <a:lstStyle/>
+          <a:p>
+            <a:pPr lvl="0" rtl="0">
+              <a:spcBef>
+                <a:spcPts val="0"/>
+              </a:spcBef>
+              <a:buNone/>
+            </a:pPr>
+            <a:r>
+              <a:t/>
+            </a:r>
+            <a:endParaRPr/>
+          </a:p>
+        </p:txBody>
+      </p:sp>
+    </p:spTree>
+  </p:cSld>
+  <p:clrMapOvr>
+    <a:masterClrMapping/>
+  </p:clrMapOvr>
+</p:notes>
+</file>
+
+<file path=ppt/notesSlides/notesSlide31.xml><?xml version="1.0" encoding="utf-8"?>
+<p:notes xmlns:a="http://schemas.openxmlformats.org/drawingml/2006/main" xmlns:r="http://schemas.openxmlformats.org/officeDocument/2006/relationships" xmlns:mc="http://schemas.openxmlformats.org/markup-compatibility/2006" xmlns:mv="urn:schemas-microsoft-com:mac:vml" xmlns:p="http://schemas.openxmlformats.org/presentationml/2006/main" xmlns:c="http://schemas.openxmlformats.org/drawingml/2006/chart" xmlns:dgm="http://schemas.openxmlformats.org/drawingml/2006/diagram" xmlns:o="urn:schemas-microsoft-com:office:office" xmlns:v="urn:schemas-microsoft-com:vml" xmlns:pvml="urn:schemas-microsoft-com:office:powerpoint" xmlns:com="http://schemas.openxmlformats.org/drawingml/2006/compatibility" xmlns:p14="http://schemas.microsoft.com/office/powerpoint/2010/main" showMasterPhAnim="0" showMasterSp="0">
+  <p:cSld>
+    <p:spTree>
+      <p:nvGrpSpPr>
+        <p:cNvPr id="234" name="Shape 234"/>
+        <p:cNvGrpSpPr/>
+        <p:nvPr/>
+      </p:nvGrpSpPr>
+      <p:grpSpPr>
+        <a:xfrm>
+          <a:off x="0" y="0"/>
+          <a:ext cx="0" cy="0"/>
+          <a:chOff x="0" y="0"/>
+          <a:chExt cx="0" cy="0"/>
+        </a:xfrm>
+      </p:grpSpPr>
+      <p:sp>
+        <p:nvSpPr>
+          <p:cNvPr id="235" name="Shape 235"/>
+          <p:cNvSpPr/>
+          <p:nvPr>
+            <p:ph idx="2" type="sldImg"/>
+          </p:nvPr>
+        </p:nvSpPr>
+        <p:spPr>
+          <a:xfrm>
+            <a:off x="381300" y="685800"/>
+            <a:ext cx="6096000" cy="3429000"/>
+          </a:xfrm>
+          <a:custGeom>
+            <a:pathLst>
+              <a:path extrusionOk="0" h="120000" w="120000">
+                <a:moveTo>
+                  <a:pt x="0" y="0"/>
+                </a:moveTo>
+                <a:lnTo>
+                  <a:pt x="120000" y="0"/>
+                </a:lnTo>
+                <a:lnTo>
+                  <a:pt x="120000" y="120000"/>
+                </a:lnTo>
+                <a:lnTo>
+                  <a:pt x="0" y="120000"/>
+                </a:lnTo>
+                <a:close/>
+              </a:path>
+            </a:pathLst>
+          </a:custGeom>
+        </p:spPr>
+      </p:sp>
+      <p:sp>
+        <p:nvSpPr>
+          <p:cNvPr id="236" name="Shape 236"/>
+          <p:cNvSpPr txBox="1"/>
+          <p:nvPr>
+            <p:ph idx="1" type="body"/>
+          </p:nvPr>
+        </p:nvSpPr>
+        <p:spPr>
+          <a:xfrm>
+            <a:off x="685800" y="4343400"/>
+            <a:ext cx="5486400" cy="4114800"/>
+          </a:xfrm>
+          <a:prstGeom prst="rect">
+            <a:avLst/>
+          </a:prstGeom>
+        </p:spPr>
+        <p:txBody>
+          <a:bodyPr anchorCtr="0" anchor="t" bIns="91425" lIns="91425" rIns="91425" tIns="91425">
+            <a:noAutofit/>
+          </a:bodyPr>
+          <a:lstStyle/>
+          <a:p>
+            <a:pPr lvl="0" rtl="0">
+              <a:spcBef>
+                <a:spcPts val="0"/>
+              </a:spcBef>
+              <a:buNone/>
+            </a:pPr>
+            <a:r>
+              <a:t/>
+            </a:r>
+            <a:endParaRPr/>
+          </a:p>
+        </p:txBody>
+      </p:sp>
+    </p:spTree>
+  </p:cSld>
+  <p:clrMapOvr>
+    <a:masterClrMapping/>
+  </p:clrMapOvr>
+</p:notes>
+</file>
+
+<file path=ppt/notesSlides/notesSlide32.xml><?xml version="1.0" encoding="utf-8"?>
+<p:notes xmlns:a="http://schemas.openxmlformats.org/drawingml/2006/main" xmlns:r="http://schemas.openxmlformats.org/officeDocument/2006/relationships" xmlns:mc="http://schemas.openxmlformats.org/markup-compatibility/2006" xmlns:mv="urn:schemas-microsoft-com:mac:vml" xmlns:p="http://schemas.openxmlformats.org/presentationml/2006/main" xmlns:c="http://schemas.openxmlformats.org/drawingml/2006/chart" xmlns:dgm="http://schemas.openxmlformats.org/drawingml/2006/diagram" xmlns:o="urn:schemas-microsoft-com:office:office" xmlns:v="urn:schemas-microsoft-com:vml" xmlns:pvml="urn:schemas-microsoft-com:office:powerpoint" xmlns:com="http://schemas.openxmlformats.org/drawingml/2006/compatibility" xmlns:p14="http://schemas.microsoft.com/office/powerpoint/2010/main" showMasterPhAnim="0" showMasterSp="0">
+  <p:cSld>
+    <p:spTree>
+      <p:nvGrpSpPr>
+        <p:cNvPr id="240" name="Shape 240"/>
+        <p:cNvGrpSpPr/>
+        <p:nvPr/>
+      </p:nvGrpSpPr>
+      <p:grpSpPr>
+        <a:xfrm>
+          <a:off x="0" y="0"/>
+          <a:ext cx="0" cy="0"/>
+          <a:chOff x="0" y="0"/>
+          <a:chExt cx="0" cy="0"/>
+        </a:xfrm>
+      </p:grpSpPr>
+      <p:sp>
+        <p:nvSpPr>
+          <p:cNvPr id="241" name="Shape 241"/>
+          <p:cNvSpPr/>
+          <p:nvPr>
+            <p:ph idx="2" type="sldImg"/>
+          </p:nvPr>
+        </p:nvSpPr>
+        <p:spPr>
+          <a:xfrm>
+            <a:off x="381300" y="685800"/>
+            <a:ext cx="6096000" cy="3429000"/>
+          </a:xfrm>
+          <a:custGeom>
+            <a:pathLst>
+              <a:path extrusionOk="0" h="120000" w="120000">
+                <a:moveTo>
+                  <a:pt x="0" y="0"/>
+                </a:moveTo>
+                <a:lnTo>
+                  <a:pt x="120000" y="0"/>
+                </a:lnTo>
+                <a:lnTo>
+                  <a:pt x="120000" y="120000"/>
+                </a:lnTo>
+                <a:lnTo>
+                  <a:pt x="0" y="120000"/>
+                </a:lnTo>
+                <a:close/>
+              </a:path>
+            </a:pathLst>
+          </a:custGeom>
+        </p:spPr>
+      </p:sp>
+      <p:sp>
+        <p:nvSpPr>
+          <p:cNvPr id="242" name="Shape 242"/>
+          <p:cNvSpPr txBox="1"/>
+          <p:nvPr>
+            <p:ph idx="1" type="body"/>
+          </p:nvPr>
+        </p:nvSpPr>
+        <p:spPr>
+          <a:xfrm>
+            <a:off x="685800" y="4343400"/>
+            <a:ext cx="5486400" cy="4114800"/>
+          </a:xfrm>
+          <a:prstGeom prst="rect">
+            <a:avLst/>
+          </a:prstGeom>
+        </p:spPr>
+        <p:txBody>
+          <a:bodyPr anchorCtr="0" anchor="t" bIns="91425" lIns="91425" rIns="91425" tIns="91425">
+            <a:noAutofit/>
+          </a:bodyPr>
+          <a:lstStyle/>
+          <a:p>
+            <a:pPr lvl="0" rtl="0">
               <a:spcBef>
                 <a:spcPts val="0"/>
               </a:spcBef>
@@ -1717,7 +3157,7 @@
   <p:cSld>
     <p:spTree>
       <p:nvGrpSpPr>
-        <p:cNvPr id="89" name="Shape 89"/>
+        <p:cNvPr id="88" name="Shape 88"/>
         <p:cNvGrpSpPr/>
         <p:nvPr/>
       </p:nvGrpSpPr>
@@ -1731,7 +3171,7 @@
       </p:grpSpPr>
       <p:sp>
         <p:nvSpPr>
-          <p:cNvPr id="90" name="Shape 90"/>
+          <p:cNvPr id="89" name="Shape 89"/>
           <p:cNvSpPr/>
           <p:nvPr>
             <p:ph idx="2" type="sldImg"/>
@@ -1765,7 +3205,7 @@
       </p:sp>
       <p:sp>
         <p:nvSpPr>
-          <p:cNvPr id="91" name="Shape 91"/>
+          <p:cNvPr id="90" name="Shape 90"/>
           <p:cNvSpPr txBox="1"/>
           <p:nvPr>
             <p:ph idx="1" type="body"/>
@@ -1812,7 +3252,7 @@
   <p:cSld>
     <p:spTree>
       <p:nvGrpSpPr>
-        <p:cNvPr id="95" name="Shape 95"/>
+        <p:cNvPr id="94" name="Shape 94"/>
         <p:cNvGrpSpPr/>
         <p:nvPr/>
       </p:nvGrpSpPr>
@@ -1826,7 +3266,7 @@
       </p:grpSpPr>
       <p:sp>
         <p:nvSpPr>
-          <p:cNvPr id="96" name="Shape 96"/>
+          <p:cNvPr id="95" name="Shape 95"/>
           <p:cNvSpPr/>
           <p:nvPr>
             <p:ph idx="2" type="sldImg"/>
@@ -1860,7 +3300,7 @@
       </p:sp>
       <p:sp>
         <p:nvSpPr>
-          <p:cNvPr id="97" name="Shape 97"/>
+          <p:cNvPr id="96" name="Shape 96"/>
           <p:cNvSpPr txBox="1"/>
           <p:nvPr>
             <p:ph idx="1" type="body"/>
@@ -1907,7 +3347,7 @@
   <p:cSld>
     <p:spTree>
       <p:nvGrpSpPr>
-        <p:cNvPr id="101" name="Shape 101"/>
+        <p:cNvPr id="100" name="Shape 100"/>
         <p:cNvGrpSpPr/>
         <p:nvPr/>
       </p:nvGrpSpPr>
@@ -1921,7 +3361,7 @@
       </p:grpSpPr>
       <p:sp>
         <p:nvSpPr>
-          <p:cNvPr id="102" name="Shape 102"/>
+          <p:cNvPr id="101" name="Shape 101"/>
           <p:cNvSpPr/>
           <p:nvPr>
             <p:ph idx="2" type="sldImg"/>
@@ -1955,7 +3395,7 @@
       </p:sp>
       <p:sp>
         <p:nvSpPr>
-          <p:cNvPr id="103" name="Shape 103"/>
+          <p:cNvPr id="102" name="Shape 102"/>
           <p:cNvSpPr txBox="1"/>
           <p:nvPr>
             <p:ph idx="1" type="body"/>
@@ -5351,7 +6791,7 @@
   <p:cSld>
     <p:spTree>
       <p:nvGrpSpPr>
-        <p:cNvPr id="110" name="Shape 110"/>
+        <p:cNvPr id="109" name="Shape 109"/>
         <p:cNvGrpSpPr/>
         <p:nvPr/>
       </p:nvGrpSpPr>
@@ -5365,7 +6805,7 @@
       </p:grpSpPr>
       <p:sp>
         <p:nvSpPr>
-          <p:cNvPr id="111" name="Shape 111"/>
+          <p:cNvPr id="110" name="Shape 110"/>
           <p:cNvSpPr txBox="1"/>
           <p:nvPr>
             <p:ph type="title"/>
@@ -5389,7 +6829,7 @@
           </a:bodyPr>
           <a:lstStyle/>
           <a:p>
-            <a:pPr lvl="0" rtl="0">
+            <a:pPr lvl="0" rtl="0" algn="r">
               <a:spcBef>
                 <a:spcPts val="0"/>
               </a:spcBef>
@@ -5401,14 +6841,22 @@
                   <a:srgbClr val="FFFFFF"/>
                 </a:solidFill>
               </a:rPr>
-              <a:t>Pg 60</a:t>
-            </a:r>
-          </a:p>
-        </p:txBody>
-      </p:sp>
-      <p:sp>
-        <p:nvSpPr>
-          <p:cNvPr id="112" name="Shape 112"/>
+              <a:t>30</a:t>
+            </a:r>
+            <a:r>
+              <a:rPr lang="en">
+                <a:solidFill>
+                  <a:srgbClr val="FFFFFF"/>
+                </a:solidFill>
+              </a:rPr>
+              <a:t>  min</a:t>
+            </a:r>
+          </a:p>
+        </p:txBody>
+      </p:sp>
+      <p:sp>
+        <p:nvSpPr>
+          <p:cNvPr id="111" name="Shape 111"/>
           <p:cNvSpPr txBox="1"/>
           <p:nvPr>
             <p:ph idx="1" type="body"/>
@@ -5432,68 +6880,117 @@
           </a:bodyPr>
           <a:lstStyle/>
           <a:p>
-            <a:pPr indent="-381000" lvl="0" marL="457200" rtl="0" algn="r">
-              <a:spcBef>
-                <a:spcPts val="0"/>
-              </a:spcBef>
-              <a:buClr>
-                <a:srgbClr val="FFFFFF"/>
-              </a:buClr>
-              <a:buSzPct val="100000"/>
-            </a:pPr>
-            <a:r>
-              <a:rPr i="1" lang="en" sz="2400">
-                <a:solidFill>
-                  <a:srgbClr val="FFFFFF"/>
-                </a:solidFill>
-              </a:rPr>
-              <a:t>Earth </a:t>
-            </a:r>
-            <a:r>
-              <a:rPr lang="en" sz="2400">
-                <a:solidFill>
-                  <a:srgbClr val="FFFFFF"/>
-                </a:solidFill>
-              </a:rPr>
-              <a:t>however was about sacrificing oneself for the good of everyone</a:t>
-            </a:r>
-          </a:p>
-          <a:p>
-            <a:pPr indent="-381000" lvl="0" marL="457200" rtl="0" algn="r">
-              <a:spcBef>
-                <a:spcPts val="0"/>
-              </a:spcBef>
-              <a:buClr>
-                <a:srgbClr val="FFFFFF"/>
-              </a:buClr>
-              <a:buSzPct val="100000"/>
-            </a:pPr>
-            <a:r>
-              <a:rPr lang="en" sz="2400">
-                <a:solidFill>
-                  <a:srgbClr val="FFFFFF"/>
-                </a:solidFill>
-              </a:rPr>
-              <a:t>The movie was a cimenatic poem that could not change its politcal message</a:t>
-            </a:r>
-          </a:p>
-          <a:p>
-            <a:pPr indent="-381000" lvl="0" marL="457200" rtl="0" algn="r">
-              <a:spcBef>
-                <a:spcPts val="0"/>
-              </a:spcBef>
-              <a:buClr>
-                <a:srgbClr val="FFFFFF"/>
-              </a:buClr>
-              <a:buSzPct val="100000"/>
-            </a:pPr>
-            <a:r>
-              <a:rPr lang="en" sz="2400">
-                <a:solidFill>
-                  <a:srgbClr val="FFFFFF"/>
-                </a:solidFill>
-              </a:rPr>
-              <a:t>Eisen. Could however change the politcal sides of his movies as much as he wanted</a:t>
+            <a:pPr indent="-349250" lvl="0" marL="457200" rtl="0" algn="r">
+              <a:spcBef>
+                <a:spcPts val="0"/>
+              </a:spcBef>
+              <a:buClr>
+                <a:srgbClr val="FFFFFF"/>
+              </a:buClr>
+              <a:buSzPct val="100000"/>
+            </a:pPr>
+            <a:r>
+              <a:rPr lang="en" sz="1900">
+                <a:solidFill>
+                  <a:srgbClr val="FFFFFF"/>
+                </a:solidFill>
+              </a:rPr>
+              <a:t>however the tractor has stopped the ppl were initially happy</a:t>
+            </a:r>
+          </a:p>
+          <a:p>
+            <a:pPr indent="-349250" lvl="0" marL="457200" rtl="0" algn="r">
+              <a:spcBef>
+                <a:spcPts val="0"/>
+              </a:spcBef>
+              <a:buClr>
+                <a:srgbClr val="FFFFFF"/>
+              </a:buClr>
+              <a:buSzPct val="100000"/>
+            </a:pPr>
+            <a:r>
+              <a:t/>
+            </a:r>
+            <a:endParaRPr sz="1900">
+              <a:solidFill>
+                <a:srgbClr val="FFFFFF"/>
+              </a:solidFill>
+            </a:endParaRPr>
+          </a:p>
+          <a:p>
+            <a:pPr indent="-349250" lvl="0" marL="457200" rtl="0" algn="r">
+              <a:spcBef>
+                <a:spcPts val="0"/>
+              </a:spcBef>
+              <a:buClr>
+                <a:srgbClr val="FFFFFF"/>
+              </a:buClr>
+              <a:buSzPct val="100000"/>
+            </a:pPr>
+            <a:r>
+              <a:rPr lang="en" sz="1900">
+                <a:solidFill>
+                  <a:srgbClr val="FFFFFF"/>
+                </a:solidFill>
+              </a:rPr>
+              <a:t>back in an office a man listens abt the tractors success thru a phone and eventually hears tht it stopped</a:t>
+            </a:r>
+          </a:p>
+          <a:p>
+            <a:pPr indent="-349250" lvl="0" marL="457200" rtl="0" algn="r">
+              <a:spcBef>
+                <a:spcPts val="0"/>
+              </a:spcBef>
+              <a:buClr>
+                <a:srgbClr val="FFFFFF"/>
+              </a:buClr>
+              <a:buSzPct val="100000"/>
+            </a:pPr>
+            <a:r>
+              <a:rPr lang="en" sz="1900">
+                <a:solidFill>
+                  <a:srgbClr val="FFFFFF"/>
+                </a:solidFill>
+              </a:rPr>
+              <a:t>now the ppl r sad n wait they realize tht there is no water in the cooler</a:t>
+            </a:r>
+          </a:p>
+          <a:p>
+            <a:pPr indent="-349250" lvl="0" marL="457200" rtl="0" algn="r">
+              <a:spcBef>
+                <a:spcPts val="0"/>
+              </a:spcBef>
+              <a:buClr>
+                <a:srgbClr val="FFFFFF"/>
+              </a:buClr>
+              <a:buSzPct val="100000"/>
+            </a:pPr>
+            <a:r>
+              <a:rPr lang="en" sz="1900">
+                <a:solidFill>
+                  <a:srgbClr val="FFFFFF"/>
+                </a:solidFill>
+              </a:rPr>
+              <a:t>back in the office ppl hv a meeting at a table and the director doesn't believe the tractor has stopped</a:t>
+            </a:r>
+          </a:p>
+          <a:p>
+            <a:pPr indent="-349250" lvl="0" marL="457200" rtl="0" algn="r">
+              <a:spcBef>
+                <a:spcPts val="0"/>
+              </a:spcBef>
+              <a:buClr>
+                <a:srgbClr val="FFFFFF"/>
+              </a:buClr>
+              <a:buSzPct val="100000"/>
+            </a:pPr>
+            <a:r>
+              <a:rPr lang="en" sz="1900">
+                <a:solidFill>
+                  <a:srgbClr val="FFFFFF"/>
+                </a:solidFill>
+              </a:rPr>
+              <a:t>the villageppl along w/ Vasyl r provoked to pee in the tractor to make it move</a:t>
             </a:r>
           </a:p>
         </p:txBody>
@@ -5511,7 +7008,7 @@
   <p:cSld>
     <p:spTree>
       <p:nvGrpSpPr>
-        <p:cNvPr id="116" name="Shape 116"/>
+        <p:cNvPr id="115" name="Shape 115"/>
         <p:cNvGrpSpPr/>
         <p:nvPr/>
       </p:nvGrpSpPr>
@@ -5525,7 +7022,7 @@
       </p:grpSpPr>
       <p:sp>
         <p:nvSpPr>
-          <p:cNvPr id="117" name="Shape 117"/>
+          <p:cNvPr id="116" name="Shape 116"/>
           <p:cNvSpPr txBox="1"/>
           <p:nvPr>
             <p:ph type="title"/>
@@ -5549,7 +7046,7 @@
           </a:bodyPr>
           <a:lstStyle/>
           <a:p>
-            <a:pPr lvl="0" rtl="0">
+            <a:pPr lvl="0" rtl="0" algn="r">
               <a:spcBef>
                 <a:spcPts val="0"/>
               </a:spcBef>
@@ -5561,14 +7058,14 @@
                   <a:srgbClr val="FFFFFF"/>
                 </a:solidFill>
               </a:rPr>
-              <a:t>Pg 61</a:t>
-            </a:r>
-          </a:p>
-        </p:txBody>
-      </p:sp>
-      <p:sp>
-        <p:nvSpPr>
-          <p:cNvPr id="118" name="Shape 118"/>
+              <a:t>35  min</a:t>
+            </a:r>
+          </a:p>
+        </p:txBody>
+      </p:sp>
+      <p:sp>
+        <p:nvSpPr>
+          <p:cNvPr id="117" name="Shape 117"/>
           <p:cNvSpPr txBox="1"/>
           <p:nvPr>
             <p:ph idx="1" type="body"/>
@@ -5577,7 +7074,7 @@
         <p:spPr>
           <a:xfrm>
             <a:off x="311700" y="1152475"/>
-            <a:ext cx="8520600" cy="3416400"/>
+            <a:ext cx="8520600" cy="3990900"/>
           </a:xfrm>
           <a:prstGeom prst="rect">
             <a:avLst/>
@@ -5592,68 +7089,155 @@
           </a:bodyPr>
           <a:lstStyle/>
           <a:p>
-            <a:pPr indent="-381000" lvl="0" marL="457200" rtl="0" algn="r">
-              <a:spcBef>
-                <a:spcPts val="0"/>
-              </a:spcBef>
-              <a:buClr>
-                <a:srgbClr val="FFFFFF"/>
-              </a:buClr>
-              <a:buSzPct val="100000"/>
-            </a:pPr>
-            <a:r>
-              <a:rPr i="1" lang="en" sz="2400">
-                <a:solidFill>
-                  <a:srgbClr val="FFFFFF"/>
-                </a:solidFill>
-              </a:rPr>
-              <a:t>Earth </a:t>
-            </a:r>
-            <a:r>
-              <a:rPr lang="en" sz="2400">
-                <a:solidFill>
-                  <a:srgbClr val="FFFFFF"/>
-                </a:solidFill>
-              </a:rPr>
-              <a:t> was about ellipses many parallel scenes occured</a:t>
-            </a:r>
-          </a:p>
-          <a:p>
-            <a:pPr indent="-381000" lvl="0" marL="457200" rtl="0" algn="r">
-              <a:spcBef>
-                <a:spcPts val="0"/>
-              </a:spcBef>
-              <a:buClr>
-                <a:srgbClr val="FFFFFF"/>
-              </a:buClr>
-              <a:buSzPct val="100000"/>
-            </a:pPr>
-            <a:r>
-              <a:rPr lang="en" sz="2400">
-                <a:solidFill>
-                  <a:srgbClr val="FFFFFF"/>
-                </a:solidFill>
-              </a:rPr>
-              <a:t>first movement was about how people were enjoying the production of bread led by Vasyl</a:t>
-            </a:r>
-          </a:p>
-          <a:p>
-            <a:pPr indent="-381000" lvl="0" marL="457200" rtl="0" algn="r">
-              <a:spcBef>
-                <a:spcPts val="0"/>
-              </a:spcBef>
-              <a:buClr>
-                <a:srgbClr val="FFFFFF"/>
-              </a:buClr>
-              <a:buSzPct val="100000"/>
-            </a:pPr>
-            <a:r>
-              <a:rPr lang="en" sz="2400">
-                <a:solidFill>
-                  <a:srgbClr val="FFFFFF"/>
-                </a:solidFill>
-              </a:rPr>
-              <a:t>Second movement was about however couples stood toghether as they mourned Vasyll</a:t>
+            <a:pPr indent="-349250" lvl="0" marL="457200" rtl="0" algn="r">
+              <a:spcBef>
+                <a:spcPts val="0"/>
+              </a:spcBef>
+              <a:buClr>
+                <a:srgbClr val="FFFFFF"/>
+              </a:buClr>
+              <a:buSzPct val="100000"/>
+            </a:pPr>
+            <a:r>
+              <a:rPr lang="en" sz="1900">
+                <a:solidFill>
+                  <a:srgbClr val="FFFFFF"/>
+                </a:solidFill>
+              </a:rPr>
+              <a:t>the tractor starts to move again and the village celebrates as Vasyl brings it back </a:t>
+            </a:r>
+          </a:p>
+          <a:p>
+            <a:pPr indent="-349250" lvl="0" marL="457200" rtl="0" algn="r">
+              <a:spcBef>
+                <a:spcPts val="0"/>
+              </a:spcBef>
+              <a:buClr>
+                <a:srgbClr val="FFFFFF"/>
+              </a:buClr>
+              <a:buSzPct val="100000"/>
+            </a:pPr>
+            <a:r>
+              <a:t/>
+            </a:r>
+            <a:endParaRPr sz="1900">
+              <a:solidFill>
+                <a:srgbClr val="FFFFFF"/>
+              </a:solidFill>
+            </a:endParaRPr>
+          </a:p>
+          <a:p>
+            <a:pPr indent="-349250" lvl="0" marL="457200" rtl="0" algn="r">
+              <a:spcBef>
+                <a:spcPts val="0"/>
+              </a:spcBef>
+              <a:buClr>
+                <a:srgbClr val="FFFFFF"/>
+              </a:buClr>
+              <a:buSzPct val="100000"/>
+            </a:pPr>
+            <a:r>
+              <a:rPr lang="en" sz="1900">
+                <a:solidFill>
+                  <a:srgbClr val="FFFFFF"/>
+                </a:solidFill>
+              </a:rPr>
+              <a:t>few ppl are angry with it, but they do not touch it</a:t>
+            </a:r>
+          </a:p>
+          <a:p>
+            <a:pPr indent="-349250" lvl="0" marL="457200" rtl="0" algn="r">
+              <a:spcBef>
+                <a:spcPts val="0"/>
+              </a:spcBef>
+              <a:buClr>
+                <a:srgbClr val="FFFFFF"/>
+              </a:buClr>
+              <a:buSzPct val="100000"/>
+            </a:pPr>
+            <a:r>
+              <a:rPr lang="en" sz="1900">
+                <a:solidFill>
+                  <a:srgbClr val="FFFFFF"/>
+                </a:solidFill>
+              </a:rPr>
+              <a:t>Vasyl gets up among the crowd and says tht the machine will help us and the kulaks will die</a:t>
+            </a:r>
+          </a:p>
+          <a:p>
+            <a:pPr indent="-349250" lvl="0" marL="457200" rtl="0" algn="r">
+              <a:spcBef>
+                <a:spcPts val="0"/>
+              </a:spcBef>
+              <a:buClr>
+                <a:srgbClr val="FFFFFF"/>
+              </a:buClr>
+              <a:buSzPct val="100000"/>
+            </a:pPr>
+            <a:r>
+              <a:rPr lang="en" sz="1900">
+                <a:solidFill>
+                  <a:srgbClr val="FFFFFF"/>
+                </a:solidFill>
+              </a:rPr>
+              <a:t>he tells Chroma (an elderly guy coming out of the office) its going down </a:t>
+            </a:r>
+          </a:p>
+          <a:p>
+            <a:pPr indent="-349250" lvl="0" marL="457200" rtl="0" algn="r">
+              <a:spcBef>
+                <a:spcPts val="0"/>
+              </a:spcBef>
+              <a:buClr>
+                <a:srgbClr val="FFFFFF"/>
+              </a:buClr>
+              <a:buSzPct val="100000"/>
+            </a:pPr>
+            <a:r>
+              <a:rPr lang="en" sz="1900">
+                <a:solidFill>
+                  <a:srgbClr val="FFFFFF"/>
+                </a:solidFill>
+              </a:rPr>
+              <a:t>we see Vasyl use the tractor and it is pulling a rake along tht levels the soil</a:t>
+            </a:r>
+          </a:p>
+          <a:p>
+            <a:pPr indent="-349250" lvl="0" marL="457200" rtl="0" algn="r">
+              <a:spcBef>
+                <a:spcPts val="0"/>
+              </a:spcBef>
+              <a:buClr>
+                <a:srgbClr val="FFFFFF"/>
+              </a:buClr>
+              <a:buSzPct val="100000"/>
+            </a:pPr>
+            <a:r>
+              <a:rPr lang="en" sz="1900">
+                <a:solidFill>
+                  <a:srgbClr val="FFFFFF"/>
+                </a:solidFill>
+              </a:rPr>
+              <a:t>a man chases his path however , the scene gets more chaotic</a:t>
+            </a:r>
+          </a:p>
+          <a:p>
+            <a:pPr indent="-349250" lvl="0" marL="457200" rtl="0" algn="r">
+              <a:spcBef>
+                <a:spcPts val="0"/>
+              </a:spcBef>
+              <a:buClr>
+                <a:srgbClr val="FFFFFF"/>
+              </a:buClr>
+              <a:buSzPct val="100000"/>
+            </a:pPr>
+            <a:r>
+              <a:rPr lang="en" sz="1900">
+                <a:solidFill>
+                  <a:srgbClr val="FFFFFF"/>
+                </a:solidFill>
+              </a:rPr>
+              <a:t>Loud chaotic music</a:t>
             </a:r>
           </a:p>
         </p:txBody>
@@ -5671,7 +7255,7 @@
   <p:cSld>
     <p:spTree>
       <p:nvGrpSpPr>
-        <p:cNvPr id="122" name="Shape 122"/>
+        <p:cNvPr id="121" name="Shape 121"/>
         <p:cNvGrpSpPr/>
         <p:nvPr/>
       </p:nvGrpSpPr>
@@ -5685,7 +7269,7 @@
       </p:grpSpPr>
       <p:sp>
         <p:nvSpPr>
-          <p:cNvPr id="123" name="Shape 123"/>
+          <p:cNvPr id="122" name="Shape 122"/>
           <p:cNvSpPr txBox="1"/>
           <p:nvPr>
             <p:ph type="title"/>
@@ -5693,7 +7277,7 @@
         </p:nvSpPr>
         <p:spPr>
           <a:xfrm>
-            <a:off x="311700" y="445025"/>
+            <a:off x="311700" y="217600"/>
             <a:ext cx="8520600" cy="572700"/>
           </a:xfrm>
           <a:prstGeom prst="rect">
@@ -5709,7 +7293,7 @@
           </a:bodyPr>
           <a:lstStyle/>
           <a:p>
-            <a:pPr lvl="0" rtl="0">
+            <a:pPr lvl="0" rtl="0" algn="r">
               <a:spcBef>
                 <a:spcPts val="0"/>
               </a:spcBef>
@@ -5721,14 +7305,22 @@
                   <a:srgbClr val="FFFFFF"/>
                 </a:solidFill>
               </a:rPr>
-              <a:t>Pg 62</a:t>
-            </a:r>
-          </a:p>
-        </p:txBody>
-      </p:sp>
-      <p:sp>
-        <p:nvSpPr>
-          <p:cNvPr id="124" name="Shape 124"/>
+              <a:t>40</a:t>
+            </a:r>
+            <a:r>
+              <a:rPr lang="en">
+                <a:solidFill>
+                  <a:srgbClr val="FFFFFF"/>
+                </a:solidFill>
+              </a:rPr>
+              <a:t>  min</a:t>
+            </a:r>
+          </a:p>
+        </p:txBody>
+      </p:sp>
+      <p:sp>
+        <p:nvSpPr>
+          <p:cNvPr id="123" name="Shape 123"/>
           <p:cNvSpPr txBox="1"/>
           <p:nvPr>
             <p:ph idx="1" type="body"/>
@@ -5736,8 +7328,8 @@
         </p:nvSpPr>
         <p:spPr>
           <a:xfrm>
-            <a:off x="311700" y="1152475"/>
-            <a:ext cx="8520600" cy="3416400"/>
+            <a:off x="311700" y="942525"/>
+            <a:ext cx="8520600" cy="3990900"/>
           </a:xfrm>
           <a:prstGeom prst="rect">
             <a:avLst/>
@@ -5752,60 +7344,136 @@
           </a:bodyPr>
           <a:lstStyle/>
           <a:p>
-            <a:pPr indent="-381000" lvl="0" marL="457200" rtl="0" algn="r">
-              <a:spcBef>
-                <a:spcPts val="0"/>
-              </a:spcBef>
-              <a:buClr>
-                <a:srgbClr val="FFFFFF"/>
-              </a:buClr>
-              <a:buSzPct val="100000"/>
-            </a:pPr>
-            <a:r>
-              <a:rPr lang="en" sz="2400">
-                <a:solidFill>
-                  <a:srgbClr val="FFFFFF"/>
-                </a:solidFill>
-              </a:rPr>
-              <a:t>Juxtaposition of movement and stais of human body is what the movie is about</a:t>
-            </a:r>
-          </a:p>
-          <a:p>
-            <a:pPr indent="-381000" lvl="0" marL="457200" rtl="0" algn="r">
-              <a:spcBef>
-                <a:spcPts val="0"/>
-              </a:spcBef>
-              <a:buClr>
-                <a:srgbClr val="FFFFFF"/>
-              </a:buClr>
-              <a:buSzPct val="100000"/>
-            </a:pPr>
-            <a:r>
-              <a:rPr lang="en" sz="2400">
-                <a:solidFill>
-                  <a:srgbClr val="FFFFFF"/>
-                </a:solidFill>
-              </a:rPr>
-              <a:t>Stais - Vasyl sister sitting next to a giant sunflower,faces of villagers as they wait for delivery</a:t>
-            </a:r>
-          </a:p>
-          <a:p>
-            <a:pPr indent="-381000" lvl="0" marL="457200" rtl="0" algn="r">
-              <a:spcBef>
-                <a:spcPts val="0"/>
-              </a:spcBef>
-              <a:buClr>
-                <a:srgbClr val="FFFFFF"/>
-              </a:buClr>
-              <a:buSzPct val="100000"/>
-            </a:pPr>
-            <a:r>
-              <a:rPr lang="en" sz="2400">
-                <a:solidFill>
-                  <a:srgbClr val="FFFFFF"/>
-                </a:solidFill>
-              </a:rPr>
-              <a:t>Movement- from choreography (Vasyl dancing)to spontaneous,(ppl freeruning everywhere…)</a:t>
+            <a:pPr indent="-349250" lvl="0" marL="457200" rtl="0" algn="r">
+              <a:spcBef>
+                <a:spcPts val="0"/>
+              </a:spcBef>
+              <a:buClr>
+                <a:srgbClr val="FFFFFF"/>
+              </a:buClr>
+              <a:buSzPct val="100000"/>
+            </a:pPr>
+            <a:r>
+              <a:rPr lang="en" sz="1900">
+                <a:solidFill>
+                  <a:srgbClr val="FFFFFF"/>
+                </a:solidFill>
+              </a:rPr>
+              <a:t>Vasyl sees his father raking wheat and tells his father to stop</a:t>
+            </a:r>
+          </a:p>
+          <a:p>
+            <a:pPr indent="-349250" lvl="0" marL="457200" rtl="0" algn="r">
+              <a:spcBef>
+                <a:spcPts val="0"/>
+              </a:spcBef>
+              <a:buClr>
+                <a:srgbClr val="FFFFFF"/>
+              </a:buClr>
+              <a:buSzPct val="100000"/>
+            </a:pPr>
+            <a:r>
+              <a:t/>
+            </a:r>
+            <a:endParaRPr sz="1900">
+              <a:solidFill>
+                <a:srgbClr val="FFFFFF"/>
+              </a:solidFill>
+            </a:endParaRPr>
+          </a:p>
+          <a:p>
+            <a:pPr indent="-349250" lvl="0" marL="457200" rtl="0" algn="r">
+              <a:spcBef>
+                <a:spcPts val="0"/>
+              </a:spcBef>
+              <a:buClr>
+                <a:srgbClr val="FFFFFF"/>
+              </a:buClr>
+              <a:buSzPct val="100000"/>
+            </a:pPr>
+            <a:r>
+              <a:rPr lang="en" sz="1900">
+                <a:solidFill>
+                  <a:srgbClr val="FFFFFF"/>
+                </a:solidFill>
+              </a:rPr>
+              <a:t>his father keeps going</a:t>
+            </a:r>
+          </a:p>
+          <a:p>
+            <a:pPr indent="-349250" lvl="0" marL="457200" rtl="0" algn="r">
+              <a:spcBef>
+                <a:spcPts val="0"/>
+              </a:spcBef>
+              <a:buClr>
+                <a:srgbClr val="FFFFFF"/>
+              </a:buClr>
+              <a:buSzPct val="100000"/>
+            </a:pPr>
+            <a:r>
+              <a:rPr lang="en" sz="1900">
+                <a:solidFill>
+                  <a:srgbClr val="FFFFFF"/>
+                </a:solidFill>
+              </a:rPr>
+              <a:t>we see the tractor process acres of wheat into a bin</a:t>
+            </a:r>
+          </a:p>
+          <a:p>
+            <a:pPr indent="-349250" lvl="0" marL="457200" rtl="0" algn="r">
+              <a:spcBef>
+                <a:spcPts val="0"/>
+              </a:spcBef>
+              <a:buClr>
+                <a:srgbClr val="FFFFFF"/>
+              </a:buClr>
+              <a:buSzPct val="100000"/>
+            </a:pPr>
+            <a:r>
+              <a:rPr lang="en" sz="1900">
+                <a:solidFill>
+                  <a:srgbClr val="FFFFFF"/>
+                </a:solidFill>
+              </a:rPr>
+              <a:t>we see it deposited where women fold it up and hand it , to trucks to be turned into corn </a:t>
+            </a:r>
+          </a:p>
+          <a:p>
+            <a:pPr indent="-349250" lvl="0" marL="457200" rtl="0" algn="r">
+              <a:spcBef>
+                <a:spcPts val="0"/>
+              </a:spcBef>
+              <a:buClr>
+                <a:srgbClr val="FFFFFF"/>
+              </a:buClr>
+              <a:buSzPct val="100000"/>
+            </a:pPr>
+            <a:r>
+              <a:rPr lang="en" sz="1900">
+                <a:solidFill>
+                  <a:srgbClr val="FFFFFF"/>
+                </a:solidFill>
+              </a:rPr>
+              <a:t>they sent it to be processed on these box machines w/ legs</a:t>
+            </a:r>
+          </a:p>
+          <a:p>
+            <a:pPr indent="-349250" lvl="0" marL="457200" rtl="0" algn="r">
+              <a:spcBef>
+                <a:spcPts val="0"/>
+              </a:spcBef>
+              <a:buClr>
+                <a:srgbClr val="FFFFFF"/>
+              </a:buClr>
+              <a:buSzPct val="100000"/>
+            </a:pPr>
+            <a:r>
+              <a:rPr lang="en" sz="1900">
+                <a:solidFill>
+                  <a:srgbClr val="FFFFFF"/>
+                </a:solidFill>
+              </a:rPr>
+              <a:t>then it got pounded w/ corn and poured into A basket</a:t>
             </a:r>
           </a:p>
         </p:txBody>
@@ -5823,7 +7491,7 @@
   <p:cSld>
     <p:spTree>
       <p:nvGrpSpPr>
-        <p:cNvPr id="128" name="Shape 128"/>
+        <p:cNvPr id="127" name="Shape 127"/>
         <p:cNvGrpSpPr/>
         <p:nvPr/>
       </p:nvGrpSpPr>
@@ -5837,7 +7505,7 @@
       </p:grpSpPr>
       <p:sp>
         <p:nvSpPr>
-          <p:cNvPr id="129" name="Shape 129"/>
+          <p:cNvPr id="128" name="Shape 128"/>
           <p:cNvSpPr txBox="1"/>
           <p:nvPr>
             <p:ph type="title"/>
@@ -5845,7 +7513,7 @@
         </p:nvSpPr>
         <p:spPr>
           <a:xfrm>
-            <a:off x="311700" y="445025"/>
+            <a:off x="311700" y="218350"/>
             <a:ext cx="8520600" cy="572700"/>
           </a:xfrm>
           <a:prstGeom prst="rect">
@@ -5861,7 +7529,7 @@
           </a:bodyPr>
           <a:lstStyle/>
           <a:p>
-            <a:pPr lvl="0" rtl="0">
+            <a:pPr lvl="0" rtl="0" algn="r">
               <a:spcBef>
                 <a:spcPts val="0"/>
               </a:spcBef>
@@ -5873,14 +7541,14 @@
                   <a:srgbClr val="FFFFFF"/>
                 </a:solidFill>
               </a:rPr>
-              <a:t>Pg 63</a:t>
-            </a:r>
-          </a:p>
-        </p:txBody>
-      </p:sp>
-      <p:sp>
-        <p:nvSpPr>
-          <p:cNvPr id="130" name="Shape 130"/>
+              <a:t>45  min</a:t>
+            </a:r>
+          </a:p>
+        </p:txBody>
+      </p:sp>
+      <p:sp>
+        <p:nvSpPr>
+          <p:cNvPr id="129" name="Shape 129"/>
           <p:cNvSpPr txBox="1"/>
           <p:nvPr>
             <p:ph idx="1" type="body"/>
@@ -5888,8 +7556,8 @@
         </p:nvSpPr>
         <p:spPr>
           <a:xfrm>
-            <a:off x="311700" y="1152475"/>
-            <a:ext cx="8520600" cy="3417600"/>
+            <a:off x="311700" y="995550"/>
+            <a:ext cx="8520600" cy="3990900"/>
           </a:xfrm>
           <a:prstGeom prst="rect">
             <a:avLst/>
@@ -5904,98 +7572,171 @@
           </a:bodyPr>
           <a:lstStyle/>
           <a:p>
-            <a:pPr indent="-381000" lvl="0" marL="457200" rtl="0" algn="r">
-              <a:spcBef>
-                <a:spcPts val="0"/>
-              </a:spcBef>
-              <a:buClr>
-                <a:srgbClr val="FFFFFF"/>
-              </a:buClr>
-              <a:buSzPct val="100000"/>
-            </a:pPr>
-            <a:r>
-              <a:rPr lang="en" sz="2400">
-                <a:solidFill>
-                  <a:srgbClr val="FFFFFF"/>
-                </a:solidFill>
-              </a:rPr>
-              <a:t>Dove was interested in human movement, because he wanted to express poetry</a:t>
-            </a:r>
-          </a:p>
-          <a:p>
-            <a:pPr indent="-381000" lvl="0" marL="457200" rtl="0" algn="r">
-              <a:spcBef>
-                <a:spcPts val="0"/>
-              </a:spcBef>
-              <a:buClr>
-                <a:srgbClr val="FFFFFF"/>
-              </a:buClr>
-              <a:buSzPct val="100000"/>
-            </a:pPr>
-            <a:r>
-              <a:rPr lang="en" sz="2400">
-                <a:solidFill>
-                  <a:srgbClr val="FFFFFF"/>
-                </a:solidFill>
-              </a:rPr>
-              <a:t>By using plasticity, he encourgaed his co-workers to do the same in their own work</a:t>
-            </a:r>
-          </a:p>
-          <a:p>
-            <a:pPr indent="-381000" lvl="0" marL="457200" rtl="0" algn="r">
-              <a:spcBef>
-                <a:spcPts val="0"/>
-              </a:spcBef>
-              <a:buClr>
-                <a:srgbClr val="FFFFFF"/>
-              </a:buClr>
-              <a:buSzPct val="100000"/>
-            </a:pPr>
-            <a:r>
-              <a:rPr lang="en" sz="2400">
-                <a:solidFill>
-                  <a:srgbClr val="FFFFFF"/>
-                </a:solidFill>
-              </a:rPr>
-              <a:t>He used dance to express emotion</a:t>
-            </a:r>
-          </a:p>
-          <a:p>
-            <a:pPr indent="-381000" lvl="0" marL="457200" rtl="0" algn="r">
-              <a:spcBef>
-                <a:spcPts val="0"/>
-              </a:spcBef>
-              <a:buClr>
-                <a:srgbClr val="FFFFFF"/>
-              </a:buClr>
-              <a:buSzPct val="100000"/>
-            </a:pPr>
-            <a:r>
-              <a:rPr lang="en" sz="2400">
-                <a:solidFill>
-                  <a:srgbClr val="FFFFFF"/>
-                </a:solidFill>
-              </a:rPr>
-              <a:t>Vasyl dancing was the keystone of the film </a:t>
-            </a:r>
-          </a:p>
-          <a:p>
-            <a:pPr indent="-381000" lvl="0" marL="457200" rtl="0" algn="r">
-              <a:spcBef>
-                <a:spcPts val="0"/>
-              </a:spcBef>
-              <a:buClr>
-                <a:srgbClr val="FFFFFF"/>
-              </a:buClr>
-              <a:buSzPct val="100000"/>
-            </a:pPr>
-            <a:r>
-              <a:rPr lang="en" sz="2400">
-                <a:solidFill>
-                  <a:srgbClr val="FFFFFF"/>
-                </a:solidFill>
-              </a:rPr>
-              <a:t>He danced like a Cossack, they dance w/ vitality as they tend to stomp the floor hard like beaver buck teeth on wood</a:t>
+            <a:pPr indent="-349250" lvl="0" marL="457200" rtl="0" algn="r">
+              <a:spcBef>
+                <a:spcPts val="0"/>
+              </a:spcBef>
+              <a:buClr>
+                <a:srgbClr val="FFFFFF"/>
+              </a:buClr>
+              <a:buSzPct val="100000"/>
+            </a:pPr>
+            <a:r>
+              <a:rPr lang="en" sz="1900">
+                <a:solidFill>
+                  <a:srgbClr val="FFFFFF"/>
+                </a:solidFill>
+              </a:rPr>
+              <a:t>The porridge is then flattened out and turn to bread</a:t>
+            </a:r>
+          </a:p>
+          <a:p>
+            <a:pPr indent="-349250" lvl="0" marL="457200" rtl="0" algn="r">
+              <a:spcBef>
+                <a:spcPts val="0"/>
+              </a:spcBef>
+              <a:buClr>
+                <a:srgbClr val="FFFFFF"/>
+              </a:buClr>
+              <a:buSzPct val="100000"/>
+            </a:pPr>
+            <a:r>
+              <a:rPr lang="en" sz="1900">
+                <a:solidFill>
+                  <a:srgbClr val="FFFFFF"/>
+                </a:solidFill>
+              </a:rPr>
+              <a:t>Two men walk on a a road </a:t>
+            </a:r>
+          </a:p>
+          <a:p>
+            <a:pPr indent="-349250" lvl="0" marL="457200" rtl="0" algn="r">
+              <a:spcBef>
+                <a:spcPts val="0"/>
+              </a:spcBef>
+              <a:buClr>
+                <a:srgbClr val="FFFFFF"/>
+              </a:buClr>
+              <a:buSzPct val="100000"/>
+            </a:pPr>
+            <a:r>
+              <a:rPr lang="en" sz="1900">
+                <a:solidFill>
+                  <a:srgbClr val="FFFFFF"/>
+                </a:solidFill>
+              </a:rPr>
+              <a:t>One is holding twezzers </a:t>
+            </a:r>
+          </a:p>
+          <a:p>
+            <a:pPr indent="-349250" lvl="0" marL="457200" rtl="0" algn="r">
+              <a:spcBef>
+                <a:spcPts val="0"/>
+              </a:spcBef>
+              <a:buClr>
+                <a:srgbClr val="FFFFFF"/>
+              </a:buClr>
+              <a:buSzPct val="100000"/>
+            </a:pPr>
+            <a:r>
+              <a:rPr lang="en" sz="1900">
+                <a:solidFill>
+                  <a:srgbClr val="FFFFFF"/>
+                </a:solidFill>
+              </a:rPr>
+              <a:t>The guy in the black suit gets mad someone shows up late</a:t>
+            </a:r>
+          </a:p>
+          <a:p>
+            <a:pPr indent="-349250" lvl="0" marL="457200" rtl="0" algn="r">
+              <a:spcBef>
+                <a:spcPts val="0"/>
+              </a:spcBef>
+              <a:buClr>
+                <a:srgbClr val="FFFFFF"/>
+              </a:buClr>
+              <a:buSzPct val="100000"/>
+            </a:pPr>
+            <a:r>
+              <a:rPr lang="en" sz="1900">
+                <a:solidFill>
+                  <a:srgbClr val="FFFFFF"/>
+                </a:solidFill>
+              </a:rPr>
+              <a:t>Couples are looking at the sunset, a couple is sleeping</a:t>
+            </a:r>
+          </a:p>
+          <a:p>
+            <a:pPr indent="-349250" lvl="0" marL="457200" rtl="0" algn="r">
+              <a:spcBef>
+                <a:spcPts val="0"/>
+              </a:spcBef>
+              <a:buClr>
+                <a:srgbClr val="FFFFFF"/>
+              </a:buClr>
+              <a:buSzPct val="100000"/>
+            </a:pPr>
+            <a:r>
+              <a:rPr lang="en" sz="1900">
+                <a:solidFill>
+                  <a:srgbClr val="FFFFFF"/>
+                </a:solidFill>
+              </a:rPr>
+              <a:t>Others looked woried</a:t>
+            </a:r>
+          </a:p>
+          <a:p>
+            <a:pPr indent="-349250" lvl="0" marL="457200" rtl="0" algn="r">
+              <a:spcBef>
+                <a:spcPts val="0"/>
+              </a:spcBef>
+              <a:buClr>
+                <a:srgbClr val="FFFFFF"/>
+              </a:buClr>
+              <a:buSzPct val="100000"/>
+            </a:pPr>
+            <a:r>
+              <a:rPr lang="en" sz="1900">
+                <a:solidFill>
+                  <a:srgbClr val="FFFFFF"/>
+                </a:solidFill>
+              </a:rPr>
+              <a:t>Everyone has this glow abt them</a:t>
+            </a:r>
+          </a:p>
+          <a:p>
+            <a:pPr indent="-349250" lvl="0" marL="457200" rtl="0" algn="r">
+              <a:spcBef>
+                <a:spcPts val="0"/>
+              </a:spcBef>
+              <a:buClr>
+                <a:srgbClr val="FFFFFF"/>
+              </a:buClr>
+              <a:buSzPct val="100000"/>
+            </a:pPr>
+            <a:r>
+              <a:rPr lang="en" sz="1900">
+                <a:solidFill>
+                  <a:srgbClr val="FFFFFF"/>
+                </a:solidFill>
+              </a:rPr>
+              <a:t>As Vasyl walks he sees a horse eating</a:t>
+            </a:r>
+          </a:p>
+          <a:p>
+            <a:pPr lvl="0" rtl="0" algn="r">
+              <a:spcBef>
+                <a:spcPts val="0"/>
+              </a:spcBef>
+              <a:buNone/>
+            </a:pPr>
+            <a:r>
+              <a:rPr lang="en" sz="1900">
+                <a:solidFill>
+                  <a:srgbClr val="FFFFFF"/>
+                </a:solidFill>
+              </a:rPr>
+              <a:t> </a:t>
             </a:r>
           </a:p>
         </p:txBody>
@@ -6013,7 +7754,7 @@
   <p:cSld>
     <p:spTree>
       <p:nvGrpSpPr>
-        <p:cNvPr id="134" name="Shape 134"/>
+        <p:cNvPr id="133" name="Shape 133"/>
         <p:cNvGrpSpPr/>
         <p:nvPr/>
       </p:nvGrpSpPr>
@@ -6027,16 +7768,16 @@
       </p:grpSpPr>
       <p:sp>
         <p:nvSpPr>
-          <p:cNvPr id="135" name="Shape 135"/>
+          <p:cNvPr id="134" name="Shape 134"/>
           <p:cNvSpPr txBox="1"/>
           <p:nvPr>
-            <p:ph type="title"/>
-          </p:nvPr>
-        </p:nvSpPr>
-        <p:spPr>
-          <a:xfrm>
-            <a:off x="311700" y="445025"/>
-            <a:ext cx="8520600" cy="572700"/>
+            <p:ph idx="1" type="body"/>
+          </p:nvPr>
+        </p:nvSpPr>
+        <p:spPr>
+          <a:xfrm>
+            <a:off x="311700" y="995550"/>
+            <a:ext cx="8520600" cy="3990900"/>
           </a:xfrm>
           <a:prstGeom prst="rect">
             <a:avLst/>
@@ -6051,35 +7792,190 @@
           </a:bodyPr>
           <a:lstStyle/>
           <a:p>
-            <a:pPr lvl="0" rtl="0">
-              <a:spcBef>
-                <a:spcPts val="0"/>
-              </a:spcBef>
-              <a:buNone/>
-            </a:pPr>
-            <a:r>
-              <a:rPr lang="en">
-                <a:solidFill>
-                  <a:srgbClr val="FFFFFF"/>
-                </a:solidFill>
-              </a:rPr>
-              <a:t>Pg 64</a:t>
-            </a:r>
-          </a:p>
-        </p:txBody>
-      </p:sp>
-      <p:sp>
-        <p:nvSpPr>
-          <p:cNvPr id="136" name="Shape 136"/>
+            <a:pPr indent="-349250" lvl="0" marL="457200" rtl="0" algn="r">
+              <a:spcBef>
+                <a:spcPts val="0"/>
+              </a:spcBef>
+              <a:buClr>
+                <a:srgbClr val="FFFFFF"/>
+              </a:buClr>
+              <a:buSzPct val="100000"/>
+            </a:pPr>
+            <a:r>
+              <a:rPr lang="en" sz="1900">
+                <a:solidFill>
+                  <a:srgbClr val="FFFFFF"/>
+                </a:solidFill>
+              </a:rPr>
+              <a:t>He is walking a long path then starts to dance on it’</a:t>
+            </a:r>
+          </a:p>
+          <a:p>
+            <a:pPr indent="-349250" lvl="0" marL="457200" rtl="0" algn="r">
+              <a:spcBef>
+                <a:spcPts val="0"/>
+              </a:spcBef>
+              <a:buClr>
+                <a:srgbClr val="FFFFFF"/>
+              </a:buClr>
+              <a:buSzPct val="100000"/>
+            </a:pPr>
+            <a:r>
+              <a:rPr lang="en" sz="1900">
+                <a:solidFill>
+                  <a:srgbClr val="FFFFFF"/>
+                </a:solidFill>
+              </a:rPr>
+              <a:t>He is a good dancer</a:t>
+            </a:r>
+          </a:p>
+          <a:p>
+            <a:pPr indent="-349250" lvl="0" marL="457200" rtl="0" algn="r">
+              <a:spcBef>
+                <a:spcPts val="0"/>
+              </a:spcBef>
+              <a:buClr>
+                <a:srgbClr val="FFFFFF"/>
+              </a:buClr>
+              <a:buSzPct val="100000"/>
+            </a:pPr>
+            <a:r>
+              <a:rPr lang="en" sz="1900">
+                <a:solidFill>
+                  <a:srgbClr val="FFFFFF"/>
+                </a:solidFill>
+              </a:rPr>
+              <a:t>Music gets  from calm and mellow louder and more chaotic</a:t>
+            </a:r>
+          </a:p>
+          <a:p>
+            <a:pPr indent="-349250" lvl="0" marL="457200" rtl="0" algn="r">
+              <a:spcBef>
+                <a:spcPts val="0"/>
+              </a:spcBef>
+              <a:buClr>
+                <a:srgbClr val="FFFFFF"/>
+              </a:buClr>
+              <a:buSzPct val="100000"/>
+            </a:pPr>
+            <a:r>
+              <a:rPr lang="en" sz="1900">
+                <a:solidFill>
+                  <a:srgbClr val="FFFFFF"/>
+                </a:solidFill>
+              </a:rPr>
+              <a:t>He starts to get tired and falls on the path, </a:t>
+            </a:r>
+          </a:p>
+          <a:p>
+            <a:pPr indent="-349250" lvl="0" marL="457200" rtl="0" algn="r">
+              <a:spcBef>
+                <a:spcPts val="0"/>
+              </a:spcBef>
+              <a:buClr>
+                <a:srgbClr val="FFFFFF"/>
+              </a:buClr>
+              <a:buSzPct val="100000"/>
+            </a:pPr>
+            <a:r>
+              <a:rPr lang="en" sz="1900">
+                <a:solidFill>
+                  <a:srgbClr val="FFFFFF"/>
+                </a:solidFill>
+              </a:rPr>
+              <a:t>A horse looks over as someone runs past</a:t>
+            </a:r>
+          </a:p>
+          <a:p>
+            <a:pPr indent="-349250" lvl="0" marL="457200" rtl="0" algn="r">
+              <a:spcBef>
+                <a:spcPts val="0"/>
+              </a:spcBef>
+              <a:buClr>
+                <a:srgbClr val="FFFFFF"/>
+              </a:buClr>
+              <a:buSzPct val="100000"/>
+            </a:pPr>
+            <a:r>
+              <a:rPr lang="en" sz="1900">
+                <a:solidFill>
+                  <a:srgbClr val="FFFFFF"/>
+                </a:solidFill>
+              </a:rPr>
+              <a:t>We see Vasyl in bed at dawn</a:t>
+            </a:r>
+          </a:p>
+          <a:p>
+            <a:pPr indent="-349250" lvl="0" marL="457200" rtl="0" algn="r">
+              <a:spcBef>
+                <a:spcPts val="0"/>
+              </a:spcBef>
+              <a:buClr>
+                <a:srgbClr val="FFFFFF"/>
+              </a:buClr>
+              <a:buSzPct val="100000"/>
+            </a:pPr>
+            <a:r>
+              <a:rPr lang="en" sz="1900">
+                <a:solidFill>
+                  <a:srgbClr val="FFFFFF"/>
+                </a:solidFill>
+              </a:rPr>
+              <a:t>His parents are there hoping he will wake up</a:t>
+            </a:r>
+          </a:p>
+          <a:p>
+            <a:pPr indent="-349250" lvl="0" marL="457200" rtl="0" algn="r">
+              <a:spcBef>
+                <a:spcPts val="0"/>
+              </a:spcBef>
+              <a:buClr>
+                <a:srgbClr val="FFFFFF"/>
+              </a:buClr>
+              <a:buSzPct val="100000"/>
+            </a:pPr>
+            <a:r>
+              <a:rPr lang="en" sz="1900">
+                <a:solidFill>
+                  <a:srgbClr val="FFFFFF"/>
+                </a:solidFill>
+              </a:rPr>
+              <a:t>His wife or fiancee runs in shocked</a:t>
+            </a:r>
+          </a:p>
+          <a:p>
+            <a:pPr indent="-349250" lvl="0" marL="457200" rtl="0" algn="r">
+              <a:spcBef>
+                <a:spcPts val="0"/>
+              </a:spcBef>
+              <a:buClr>
+                <a:srgbClr val="FFFFFF"/>
+              </a:buClr>
+              <a:buSzPct val="100000"/>
+            </a:pPr>
+            <a:r>
+              <a:rPr lang="en" sz="1900">
+                <a:solidFill>
+                  <a:srgbClr val="FFFFFF"/>
+                </a:solidFill>
+              </a:rPr>
+              <a:t>A child is eating a watermelon</a:t>
+            </a:r>
+          </a:p>
+        </p:txBody>
+      </p:sp>
+      <p:sp>
+        <p:nvSpPr>
+          <p:cNvPr id="135" name="Shape 135"/>
           <p:cNvSpPr txBox="1"/>
           <p:nvPr>
-            <p:ph idx="1" type="body"/>
-          </p:nvPr>
-        </p:nvSpPr>
-        <p:spPr>
-          <a:xfrm>
-            <a:off x="311700" y="1152475"/>
-            <a:ext cx="8520600" cy="3416400"/>
+            <p:ph type="title"/>
+          </p:nvPr>
+        </p:nvSpPr>
+        <p:spPr>
+          <a:xfrm>
+            <a:off x="311700" y="218350"/>
+            <a:ext cx="8520600" cy="572700"/>
           </a:xfrm>
           <a:prstGeom prst="rect">
             <a:avLst/>
@@ -6094,41 +7990,27 @@
           </a:bodyPr>
           <a:lstStyle/>
           <a:p>
-            <a:pPr indent="-381000" lvl="0" marL="457200" rtl="0" algn="r">
-              <a:spcBef>
-                <a:spcPts val="0"/>
-              </a:spcBef>
-              <a:buClr>
-                <a:srgbClr val="FFFFFF"/>
-              </a:buClr>
-              <a:buSzPct val="100000"/>
-            </a:pPr>
-            <a:r>
-              <a:rPr lang="en" sz="2400">
-                <a:solidFill>
-                  <a:srgbClr val="FFFFFF"/>
-                </a:solidFill>
-              </a:rPr>
-              <a:t>It was not accident that the fiiiilm was soft focus it was an aesthetic during the time period</a:t>
-            </a:r>
-          </a:p>
-          <a:p>
-            <a:pPr indent="-381000" lvl="0" marL="457200" rtl="0" algn="r">
-              <a:spcBef>
-                <a:spcPts val="0"/>
-              </a:spcBef>
-              <a:buClr>
-                <a:srgbClr val="FFFFFF"/>
-              </a:buClr>
-              <a:buSzPct val="100000"/>
-            </a:pPr>
-            <a:r>
-              <a:rPr lang="en" sz="2400">
-                <a:solidFill>
-                  <a:srgbClr val="FFFFFF"/>
-                </a:solidFill>
-              </a:rPr>
-              <a:t>That is why the dancing scene is so dream-like</a:t>
+            <a:pPr lvl="0" rtl="0" algn="r">
+              <a:spcBef>
+                <a:spcPts val="0"/>
+              </a:spcBef>
+              <a:buNone/>
+            </a:pPr>
+            <a:r>
+              <a:rPr lang="en">
+                <a:solidFill>
+                  <a:srgbClr val="FFFFFF"/>
+                </a:solidFill>
+              </a:rPr>
+              <a:t>50</a:t>
+            </a:r>
+            <a:r>
+              <a:rPr lang="en">
+                <a:solidFill>
+                  <a:srgbClr val="FFFFFF"/>
+                </a:solidFill>
+              </a:rPr>
+              <a:t>  min</a:t>
             </a:r>
           </a:p>
         </p:txBody>
@@ -6146,7 +8028,7 @@
   <p:cSld>
     <p:spTree>
       <p:nvGrpSpPr>
-        <p:cNvPr id="140" name="Shape 140"/>
+        <p:cNvPr id="139" name="Shape 139"/>
         <p:cNvGrpSpPr/>
         <p:nvPr/>
       </p:nvGrpSpPr>
@@ -6160,16 +8042,16 @@
       </p:grpSpPr>
       <p:sp>
         <p:nvSpPr>
-          <p:cNvPr id="141" name="Shape 141"/>
+          <p:cNvPr id="140" name="Shape 140"/>
           <p:cNvSpPr txBox="1"/>
           <p:nvPr>
-            <p:ph type="title"/>
-          </p:nvPr>
-        </p:nvSpPr>
-        <p:spPr>
-          <a:xfrm>
-            <a:off x="311700" y="445025"/>
-            <a:ext cx="8520600" cy="572700"/>
+            <p:ph idx="1" type="body"/>
+          </p:nvPr>
+        </p:nvSpPr>
+        <p:spPr>
+          <a:xfrm>
+            <a:off x="311700" y="995550"/>
+            <a:ext cx="8520600" cy="3990900"/>
           </a:xfrm>
           <a:prstGeom prst="rect">
             <a:avLst/>
@@ -6184,35 +8066,133 @@
           </a:bodyPr>
           <a:lstStyle/>
           <a:p>
-            <a:pPr lvl="0" rtl="0">
-              <a:spcBef>
-                <a:spcPts val="0"/>
-              </a:spcBef>
-              <a:buNone/>
-            </a:pPr>
-            <a:r>
-              <a:rPr lang="en">
-                <a:solidFill>
-                  <a:srgbClr val="FFFFFF"/>
-                </a:solidFill>
-              </a:rPr>
-              <a:t>Pg 65</a:t>
-            </a:r>
-          </a:p>
-        </p:txBody>
-      </p:sp>
-      <p:sp>
-        <p:nvSpPr>
-          <p:cNvPr id="142" name="Shape 142"/>
+            <a:pPr indent="-349250" lvl="0" marL="457200" rtl="0" algn="r">
+              <a:spcBef>
+                <a:spcPts val="0"/>
+              </a:spcBef>
+              <a:buClr>
+                <a:srgbClr val="FFFFFF"/>
+              </a:buClr>
+              <a:buSzPct val="100000"/>
+            </a:pPr>
+            <a:r>
+              <a:rPr lang="en" sz="1900">
+                <a:solidFill>
+                  <a:srgbClr val="FFFFFF"/>
+                </a:solidFill>
+              </a:rPr>
+              <a:t>The father starts to yell, </a:t>
+            </a:r>
+          </a:p>
+          <a:p>
+            <a:pPr indent="-349250" lvl="0" marL="457200" rtl="0" algn="r">
+              <a:spcBef>
+                <a:spcPts val="0"/>
+              </a:spcBef>
+              <a:buClr>
+                <a:srgbClr val="FFFFFF"/>
+              </a:buClr>
+              <a:buSzPct val="100000"/>
+            </a:pPr>
+            <a:r>
+              <a:rPr lang="en" sz="1900">
+                <a:solidFill>
+                  <a:srgbClr val="FFFFFF"/>
+                </a:solidFill>
+              </a:rPr>
+              <a:t>He is now on a hill screaming ssaying the the Stepans killed his son</a:t>
+            </a:r>
+          </a:p>
+          <a:p>
+            <a:pPr indent="-349250" lvl="0" marL="457200" rtl="0" algn="r">
+              <a:spcBef>
+                <a:spcPts val="0"/>
+              </a:spcBef>
+              <a:buClr>
+                <a:srgbClr val="FFFFFF"/>
+              </a:buClr>
+              <a:buSzPct val="100000"/>
+            </a:pPr>
+            <a:r>
+              <a:rPr lang="en" sz="1900">
+                <a:solidFill>
+                  <a:srgbClr val="FFFFFF"/>
+                </a:solidFill>
+              </a:rPr>
+              <a:t>He walks toa blond man and tells him something</a:t>
+            </a:r>
+          </a:p>
+          <a:p>
+            <a:pPr indent="-349250" lvl="0" marL="457200" rtl="0" algn="r">
+              <a:spcBef>
+                <a:spcPts val="0"/>
+              </a:spcBef>
+              <a:buClr>
+                <a:srgbClr val="FFFFFF"/>
+              </a:buClr>
+              <a:buSzPct val="100000"/>
+            </a:pPr>
+            <a:r>
+              <a:rPr lang="en" sz="1900">
+                <a:solidFill>
+                  <a:srgbClr val="FFFFFF"/>
+                </a:solidFill>
+              </a:rPr>
+              <a:t>We see him on a desk lookng down</a:t>
+            </a:r>
+          </a:p>
+          <a:p>
+            <a:pPr indent="-349250" lvl="0" marL="457200" rtl="0" algn="r">
+              <a:spcBef>
+                <a:spcPts val="0"/>
+              </a:spcBef>
+              <a:buClr>
+                <a:srgbClr val="FFFFFF"/>
+              </a:buClr>
+              <a:buSzPct val="100000"/>
+            </a:pPr>
+            <a:r>
+              <a:rPr lang="en" sz="1900">
+                <a:solidFill>
+                  <a:srgbClr val="FFFFFF"/>
+                </a:solidFill>
+              </a:rPr>
+              <a:t>He asks his nephewChoma but hE SAYS NO</a:t>
+            </a:r>
+          </a:p>
+          <a:p>
+            <a:pPr indent="-349250" lvl="0" marL="457200" rtl="0" algn="r">
+              <a:spcBef>
+                <a:spcPts val="0"/>
+              </a:spcBef>
+              <a:buClr>
+                <a:srgbClr val="FFFFFF"/>
+              </a:buClr>
+              <a:buSzPct val="100000"/>
+            </a:pPr>
+            <a:r>
+              <a:rPr lang="en" sz="1900">
+                <a:solidFill>
+                  <a:srgbClr val="FFFFFF"/>
+                </a:solidFill>
+              </a:rPr>
+              <a:t>The father hears people coming to the door and the family is cautious about answereing it</a:t>
+            </a:r>
+          </a:p>
+        </p:txBody>
+      </p:sp>
+      <p:sp>
+        <p:nvSpPr>
+          <p:cNvPr id="141" name="Shape 141"/>
           <p:cNvSpPr txBox="1"/>
           <p:nvPr>
-            <p:ph idx="1" type="body"/>
-          </p:nvPr>
-        </p:nvSpPr>
-        <p:spPr>
-          <a:xfrm>
-            <a:off x="311700" y="1152475"/>
-            <a:ext cx="8520600" cy="3417600"/>
+            <p:ph type="title"/>
+          </p:nvPr>
+        </p:nvSpPr>
+        <p:spPr>
+          <a:xfrm>
+            <a:off x="311700" y="218350"/>
+            <a:ext cx="8520600" cy="572700"/>
           </a:xfrm>
           <a:prstGeom prst="rect">
             <a:avLst/>
@@ -6227,79 +8207,19 @@
           </a:bodyPr>
           <a:lstStyle/>
           <a:p>
-            <a:pPr indent="-381000" lvl="0" marL="457200" rtl="0" algn="r">
-              <a:spcBef>
-                <a:spcPts val="0"/>
-              </a:spcBef>
-              <a:buClr>
-                <a:srgbClr val="FFFFFF"/>
-              </a:buClr>
-              <a:buSzPct val="100000"/>
-            </a:pPr>
-            <a:r>
-              <a:rPr lang="en" sz="2400">
-                <a:solidFill>
-                  <a:srgbClr val="FFFFFF"/>
-                </a:solidFill>
-              </a:rPr>
-              <a:t>This was done in alomst every silent film in America n Europe in 1920</a:t>
-            </a:r>
-          </a:p>
-          <a:p>
-            <a:pPr indent="-381000" lvl="0" marL="457200" rtl="0" algn="r">
-              <a:spcBef>
-                <a:spcPts val="0"/>
-              </a:spcBef>
-              <a:buClr>
-                <a:srgbClr val="FFFFFF"/>
-              </a:buClr>
-              <a:buSzPct val="100000"/>
-            </a:pPr>
-            <a:r>
-              <a:rPr lang="en" sz="2400">
-                <a:solidFill>
-                  <a:srgbClr val="FFFFFF"/>
-                </a:solidFill>
-              </a:rPr>
-              <a:t>What Dove was doing was trying to make the film surreal and poetic and immersive into something new</a:t>
-            </a:r>
-          </a:p>
-          <a:p>
-            <a:pPr indent="-381000" lvl="0" marL="457200" rtl="0" algn="r">
-              <a:spcBef>
-                <a:spcPts val="0"/>
-              </a:spcBef>
-              <a:buClr>
-                <a:srgbClr val="FFFFFF"/>
-              </a:buClr>
-              <a:buSzPct val="100000"/>
-            </a:pPr>
-            <a:r>
-              <a:rPr lang="en" sz="2400">
-                <a:solidFill>
-                  <a:srgbClr val="FFFFFF"/>
-                </a:solidFill>
-              </a:rPr>
-              <a:t>They put vaseline into the lens basically because they want human the the setting to blend into each other</a:t>
-            </a:r>
-          </a:p>
-          <a:p>
-            <a:pPr indent="-381000" lvl="0" marL="457200" rtl="0" algn="r">
-              <a:spcBef>
-                <a:spcPts val="0"/>
-              </a:spcBef>
-              <a:buClr>
-                <a:srgbClr val="FFFFFF"/>
-              </a:buClr>
-              <a:buSzPct val="100000"/>
-            </a:pPr>
-            <a:r>
-              <a:rPr lang="en" sz="2400">
-                <a:solidFill>
-                  <a:srgbClr val="FFFFFF"/>
-                </a:solidFill>
-              </a:rPr>
-              <a:t>By doing that they made them glow like a dream scene </a:t>
+            <a:pPr lvl="0" rtl="0" algn="r">
+              <a:spcBef>
+                <a:spcPts val="0"/>
+              </a:spcBef>
+              <a:buNone/>
+            </a:pPr>
+            <a:r>
+              <a:rPr lang="en">
+                <a:solidFill>
+                  <a:srgbClr val="FFFFFF"/>
+                </a:solidFill>
+              </a:rPr>
+              <a:t>55  min</a:t>
             </a:r>
           </a:p>
         </p:txBody>
@@ -6317,7 +8237,7 @@
   <p:cSld>
     <p:spTree>
       <p:nvGrpSpPr>
-        <p:cNvPr id="146" name="Shape 146"/>
+        <p:cNvPr id="145" name="Shape 145"/>
         <p:cNvGrpSpPr/>
         <p:nvPr/>
       </p:nvGrpSpPr>
@@ -6331,16 +8251,16 @@
       </p:grpSpPr>
       <p:sp>
         <p:nvSpPr>
-          <p:cNvPr id="147" name="Shape 147"/>
+          <p:cNvPr id="146" name="Shape 146"/>
           <p:cNvSpPr txBox="1"/>
           <p:nvPr>
-            <p:ph type="title"/>
-          </p:nvPr>
-        </p:nvSpPr>
-        <p:spPr>
-          <a:xfrm>
-            <a:off x="311700" y="445025"/>
-            <a:ext cx="8520600" cy="572700"/>
+            <p:ph idx="1" type="body"/>
+          </p:nvPr>
+        </p:nvSpPr>
+        <p:spPr>
+          <a:xfrm>
+            <a:off x="311700" y="995550"/>
+            <a:ext cx="8520600" cy="3990900"/>
           </a:xfrm>
           <a:prstGeom prst="rect">
             <a:avLst/>
@@ -6355,35 +8275,114 @@
           </a:bodyPr>
           <a:lstStyle/>
           <a:p>
-            <a:pPr lvl="0" rtl="0">
-              <a:spcBef>
-                <a:spcPts val="0"/>
-              </a:spcBef>
-              <a:buNone/>
-            </a:pPr>
-            <a:r>
-              <a:rPr lang="en">
-                <a:solidFill>
-                  <a:srgbClr val="FFFFFF"/>
-                </a:solidFill>
-              </a:rPr>
-              <a:t>Pg 66</a:t>
-            </a:r>
-          </a:p>
-        </p:txBody>
-      </p:sp>
-      <p:sp>
-        <p:nvSpPr>
-          <p:cNvPr id="148" name="Shape 148"/>
+            <a:pPr indent="-349250" lvl="0" marL="457200" rtl="0" algn="r">
+              <a:spcBef>
+                <a:spcPts val="0"/>
+              </a:spcBef>
+              <a:buClr>
+                <a:srgbClr val="FFFFFF"/>
+              </a:buClr>
+              <a:buSzPct val="100000"/>
+            </a:pPr>
+            <a:r>
+              <a:rPr lang="en" sz="1900">
+                <a:solidFill>
+                  <a:srgbClr val="FFFFFF"/>
+                </a:solidFill>
+              </a:rPr>
+              <a:t>The father is looking at an elderly man as he came out of the house</a:t>
+            </a:r>
+          </a:p>
+          <a:p>
+            <a:pPr indent="-349250" lvl="0" marL="457200" rtl="0" algn="r">
+              <a:spcBef>
+                <a:spcPts val="0"/>
+              </a:spcBef>
+              <a:buClr>
+                <a:srgbClr val="FFFFFF"/>
+              </a:buClr>
+              <a:buSzPct val="100000"/>
+            </a:pPr>
+            <a:r>
+              <a:rPr lang="en" sz="1900">
+                <a:solidFill>
+                  <a:srgbClr val="FFFFFF"/>
+                </a:solidFill>
+              </a:rPr>
+              <a:t>He looks of to the distance and asks who else is there</a:t>
+            </a:r>
+          </a:p>
+          <a:p>
+            <a:pPr indent="-349250" lvl="0" marL="457200" rtl="0" algn="r">
+              <a:spcBef>
+                <a:spcPts val="0"/>
+              </a:spcBef>
+              <a:buClr>
+                <a:srgbClr val="FFFFFF"/>
+              </a:buClr>
+              <a:buSzPct val="100000"/>
+            </a:pPr>
+            <a:r>
+              <a:rPr lang="en" sz="1900">
+                <a:solidFill>
+                  <a:srgbClr val="FFFFFF"/>
+                </a:solidFill>
+              </a:rPr>
+              <a:t>The elderly man turn away</a:t>
+            </a:r>
+          </a:p>
+          <a:p>
+            <a:pPr indent="-349250" lvl="0" marL="457200" rtl="0" algn="r">
+              <a:spcBef>
+                <a:spcPts val="0"/>
+              </a:spcBef>
+              <a:buClr>
+                <a:srgbClr val="FFFFFF"/>
+              </a:buClr>
+              <a:buSzPct val="100000"/>
+            </a:pPr>
+            <a:r>
+              <a:rPr lang="en" sz="1900">
+                <a:solidFill>
+                  <a:srgbClr val="FFFFFF"/>
+                </a:solidFill>
+              </a:rPr>
+              <a:t>All the men are depressed </a:t>
+            </a:r>
+          </a:p>
+          <a:p>
+            <a:pPr indent="-349250" lvl="0" marL="457200" rtl="0" algn="r">
+              <a:spcBef>
+                <a:spcPts val="0"/>
+              </a:spcBef>
+              <a:buClr>
+                <a:srgbClr val="FFFFFF"/>
+              </a:buClr>
+              <a:buSzPct val="100000"/>
+            </a:pPr>
+            <a:r>
+              <a:rPr lang="en" sz="1900">
+                <a:solidFill>
+                  <a:srgbClr val="FFFFFF"/>
+                </a:solidFill>
+              </a:rPr>
+              <a:t>His father says that now Vasyl is dead we shld rmbr him by the new life he has brought to the ladn </a:t>
+            </a:r>
+          </a:p>
+        </p:txBody>
+      </p:sp>
+      <p:sp>
+        <p:nvSpPr>
+          <p:cNvPr id="147" name="Shape 147"/>
           <p:cNvSpPr txBox="1"/>
           <p:nvPr>
-            <p:ph idx="1" type="body"/>
-          </p:nvPr>
-        </p:nvSpPr>
-        <p:spPr>
-          <a:xfrm>
-            <a:off x="311700" y="1152475"/>
-            <a:ext cx="8520600" cy="3417600"/>
+            <p:ph type="title"/>
+          </p:nvPr>
+        </p:nvSpPr>
+        <p:spPr>
+          <a:xfrm>
+            <a:off x="311700" y="218350"/>
+            <a:ext cx="8520600" cy="572700"/>
           </a:xfrm>
           <a:prstGeom prst="rect">
             <a:avLst/>
@@ -6398,60 +8397,19 @@
           </a:bodyPr>
           <a:lstStyle/>
           <a:p>
-            <a:pPr indent="-381000" lvl="0" marL="457200" rtl="0" algn="r">
-              <a:spcBef>
-                <a:spcPts val="0"/>
-              </a:spcBef>
-              <a:buClr>
-                <a:srgbClr val="FFFFFF"/>
-              </a:buClr>
-              <a:buSzPct val="100000"/>
-            </a:pPr>
-            <a:r>
-              <a:rPr lang="en" sz="2400">
-                <a:solidFill>
-                  <a:srgbClr val="FFFFFF"/>
-                </a:solidFill>
-              </a:rPr>
-              <a:t>The movie was about coutinutity</a:t>
-            </a:r>
-          </a:p>
-          <a:p>
-            <a:pPr indent="-381000" lvl="0" marL="457200" rtl="0" algn="r">
-              <a:spcBef>
-                <a:spcPts val="0"/>
-              </a:spcBef>
-              <a:buClr>
-                <a:srgbClr val="FFFFFF"/>
-              </a:buClr>
-              <a:buSzPct val="100000"/>
-            </a:pPr>
-            <a:r>
-              <a:rPr lang="en" sz="2400">
-                <a:solidFill>
-                  <a:srgbClr val="FFFFFF"/>
-                </a:solidFill>
-              </a:rPr>
-              <a:t>In other words death a life are just part of the cycle </a:t>
-            </a:r>
-          </a:p>
-          <a:p>
-            <a:pPr indent="-381000" lvl="0" marL="457200" rtl="0" algn="r">
-              <a:spcBef>
-                <a:spcPts val="0"/>
-              </a:spcBef>
-              <a:buClr>
-                <a:srgbClr val="FFFFFF"/>
-              </a:buClr>
-              <a:buSzPct val="100000"/>
-            </a:pPr>
-            <a:r>
-              <a:rPr lang="en" sz="2400">
-                <a:solidFill>
-                  <a:srgbClr val="FFFFFF"/>
-                </a:solidFill>
-              </a:rPr>
-              <a:t>Dove missed Ukrainian folk and his movie was all about reconcling the old myths w/ the new society</a:t>
+            <a:pPr lvl="0" rtl="0" algn="r">
+              <a:spcBef>
+                <a:spcPts val="0"/>
+              </a:spcBef>
+              <a:buNone/>
+            </a:pPr>
+            <a:r>
+              <a:rPr lang="en">
+                <a:solidFill>
+                  <a:srgbClr val="FFFFFF"/>
+                </a:solidFill>
+              </a:rPr>
+              <a:t>1 hr</a:t>
             </a:r>
           </a:p>
         </p:txBody>
@@ -6469,7 +8427,7 @@
   <p:cSld>
     <p:spTree>
       <p:nvGrpSpPr>
-        <p:cNvPr id="152" name="Shape 152"/>
+        <p:cNvPr id="151" name="Shape 151"/>
         <p:cNvGrpSpPr/>
         <p:nvPr/>
       </p:nvGrpSpPr>
@@ -6483,16 +8441,16 @@
       </p:grpSpPr>
       <p:sp>
         <p:nvSpPr>
-          <p:cNvPr id="153" name="Shape 153"/>
+          <p:cNvPr id="152" name="Shape 152"/>
           <p:cNvSpPr txBox="1"/>
           <p:nvPr>
-            <p:ph type="title"/>
-          </p:nvPr>
-        </p:nvSpPr>
-        <p:spPr>
-          <a:xfrm>
-            <a:off x="311700" y="445025"/>
-            <a:ext cx="8520600" cy="572700"/>
+            <p:ph idx="1" type="body"/>
+          </p:nvPr>
+        </p:nvSpPr>
+        <p:spPr>
+          <a:xfrm>
+            <a:off x="311700" y="995550"/>
+            <a:ext cx="8520600" cy="3990900"/>
           </a:xfrm>
           <a:prstGeom prst="rect">
             <a:avLst/>
@@ -6507,35 +8465,152 @@
           </a:bodyPr>
           <a:lstStyle/>
           <a:p>
-            <a:pPr lvl="0" rtl="0">
-              <a:spcBef>
-                <a:spcPts val="0"/>
-              </a:spcBef>
-              <a:buNone/>
-            </a:pPr>
-            <a:r>
-              <a:rPr lang="en">
-                <a:solidFill>
-                  <a:srgbClr val="FFFFFF"/>
-                </a:solidFill>
-              </a:rPr>
-              <a:t>Pg 67</a:t>
-            </a:r>
-          </a:p>
-        </p:txBody>
-      </p:sp>
-      <p:sp>
-        <p:nvSpPr>
-          <p:cNvPr id="154" name="Shape 154"/>
+            <a:pPr indent="-349250" lvl="0" marL="457200" rtl="0" algn="r">
+              <a:spcBef>
+                <a:spcPts val="0"/>
+              </a:spcBef>
+              <a:buClr>
+                <a:srgbClr val="FFFFFF"/>
+              </a:buClr>
+              <a:buSzPct val="100000"/>
+            </a:pPr>
+            <a:r>
+              <a:rPr lang="en" sz="1900">
+                <a:solidFill>
+                  <a:srgbClr val="FFFFFF"/>
+                </a:solidFill>
+              </a:rPr>
+              <a:t>The whole village marches to Vasyl’s funeral, </a:t>
+            </a:r>
+          </a:p>
+          <a:p>
+            <a:pPr indent="-349250" lvl="0" marL="457200" rtl="0" algn="r">
+              <a:spcBef>
+                <a:spcPts val="0"/>
+              </a:spcBef>
+              <a:buClr>
+                <a:srgbClr val="FFFFFF"/>
+              </a:buClr>
+              <a:buSzPct val="100000"/>
+            </a:pPr>
+            <a:r>
+              <a:rPr lang="en" sz="1900">
+                <a:solidFill>
+                  <a:srgbClr val="FFFFFF"/>
+                </a:solidFill>
+              </a:rPr>
+              <a:t>Ppl bring flowers</a:t>
+            </a:r>
+          </a:p>
+          <a:p>
+            <a:pPr indent="-349250" lvl="0" marL="457200" rtl="0" algn="r">
+              <a:spcBef>
+                <a:spcPts val="0"/>
+              </a:spcBef>
+              <a:buClr>
+                <a:srgbClr val="FFFFFF"/>
+              </a:buClr>
+              <a:buSzPct val="100000"/>
+            </a:pPr>
+            <a:r>
+              <a:rPr lang="en" sz="1900">
+                <a:solidFill>
+                  <a:srgbClr val="FFFFFF"/>
+                </a:solidFill>
+              </a:rPr>
+              <a:t>They sing a song a mother watches over</a:t>
+            </a:r>
+          </a:p>
+          <a:p>
+            <a:pPr indent="-349250" lvl="0" marL="457200" rtl="0" algn="r">
+              <a:spcBef>
+                <a:spcPts val="0"/>
+              </a:spcBef>
+              <a:buClr>
+                <a:srgbClr val="FFFFFF"/>
+              </a:buClr>
+              <a:buSzPct val="100000"/>
+            </a:pPr>
+            <a:r>
+              <a:rPr lang="en" sz="1900">
+                <a:solidFill>
+                  <a:srgbClr val="FFFFFF"/>
+                </a:solidFill>
+              </a:rPr>
+              <a:t>They are carrying Vasyl body along</a:t>
+            </a:r>
+          </a:p>
+          <a:p>
+            <a:pPr indent="-349250" lvl="0" marL="457200" rtl="0" algn="r">
+              <a:spcBef>
+                <a:spcPts val="0"/>
+              </a:spcBef>
+              <a:buClr>
+                <a:srgbClr val="FFFFFF"/>
+              </a:buClr>
+              <a:buSzPct val="100000"/>
+            </a:pPr>
+            <a:r>
+              <a:rPr lang="en" sz="1900">
+                <a:solidFill>
+                  <a:srgbClr val="FFFFFF"/>
+                </a:solidFill>
+              </a:rPr>
+              <a:t>Ppl want God to punish the ppl who killed Vasyl</a:t>
+            </a:r>
+          </a:p>
+          <a:p>
+            <a:pPr indent="-349250" lvl="0" marL="457200" rtl="0" algn="r">
+              <a:spcBef>
+                <a:spcPts val="0"/>
+              </a:spcBef>
+              <a:buClr>
+                <a:srgbClr val="FFFFFF"/>
+              </a:buClr>
+              <a:buSzPct val="100000"/>
+            </a:pPr>
+            <a:r>
+              <a:rPr lang="en" sz="1900">
+                <a:solidFill>
+                  <a:srgbClr val="FFFFFF"/>
+                </a:solidFill>
+              </a:rPr>
+              <a:t>They however carry on the funeral without a priests</a:t>
+            </a:r>
+          </a:p>
+          <a:p>
+            <a:pPr indent="-349250" lvl="0" marL="457200" rtl="0" algn="r">
+              <a:spcBef>
+                <a:spcPts val="0"/>
+              </a:spcBef>
+              <a:buClr>
+                <a:srgbClr val="FFFFFF"/>
+              </a:buClr>
+              <a:buSzPct val="100000"/>
+            </a:pPr>
+            <a:r>
+              <a:rPr lang="en" sz="1900">
+                <a:solidFill>
+                  <a:srgbClr val="FFFFFF"/>
+                </a:solidFill>
+              </a:rPr>
+              <a:t>Ppl from a house say it good if they do it w/ a priest for they celebrate the good things Vasyl has given to them</a:t>
+            </a:r>
+          </a:p>
+        </p:txBody>
+      </p:sp>
+      <p:sp>
+        <p:nvSpPr>
+          <p:cNvPr id="153" name="Shape 153"/>
           <p:cNvSpPr txBox="1"/>
           <p:nvPr>
-            <p:ph idx="1" type="body"/>
-          </p:nvPr>
-        </p:nvSpPr>
-        <p:spPr>
-          <a:xfrm>
-            <a:off x="311700" y="1152475"/>
-            <a:ext cx="8520600" cy="3417600"/>
+            <p:ph type="title"/>
+          </p:nvPr>
+        </p:nvSpPr>
+        <p:spPr>
+          <a:xfrm>
+            <a:off x="311700" y="218350"/>
+            <a:ext cx="8520600" cy="572700"/>
           </a:xfrm>
           <a:prstGeom prst="rect">
             <a:avLst/>
@@ -6550,19 +8625,437 @@
           </a:bodyPr>
           <a:lstStyle/>
           <a:p>
-            <a:pPr lvl="0" rtl="0" algn="ctr">
+            <a:pPr lvl="0" rtl="0" algn="r">
               <a:spcBef>
                 <a:spcPts val="0"/>
               </a:spcBef>
               <a:buNone/>
             </a:pPr>
             <a:r>
-              <a:rPr lang="en" sz="3700">
-                <a:solidFill>
-                  <a:srgbClr val="FFFFFF"/>
-                </a:solidFill>
-              </a:rPr>
-              <a:t>Nothing but resources</a:t>
+              <a:rPr lang="en">
+                <a:solidFill>
+                  <a:srgbClr val="FFFFFF"/>
+                </a:solidFill>
+              </a:rPr>
+              <a:t>1 hr 5 min</a:t>
+            </a:r>
+          </a:p>
+        </p:txBody>
+      </p:sp>
+    </p:spTree>
+  </p:cSld>
+  <p:clrMapOvr>
+    <a:masterClrMapping/>
+  </p:clrMapOvr>
+</p:sld>
+</file>
+
+<file path=ppt/slides/slide18.xml><?xml version="1.0" encoding="utf-8"?>
+<p:sld xmlns:a="http://schemas.openxmlformats.org/drawingml/2006/main" xmlns:r="http://schemas.openxmlformats.org/officeDocument/2006/relationships" xmlns:mc="http://schemas.openxmlformats.org/markup-compatibility/2006" xmlns:mv="urn:schemas-microsoft-com:mac:vml" xmlns:p="http://schemas.openxmlformats.org/presentationml/2006/main" xmlns:c="http://schemas.openxmlformats.org/drawingml/2006/chart" xmlns:dgm="http://schemas.openxmlformats.org/drawingml/2006/diagram" xmlns:o="urn:schemas-microsoft-com:office:office" xmlns:v="urn:schemas-microsoft-com:vml" xmlns:pvml="urn:schemas-microsoft-com:office:powerpoint" xmlns:com="http://schemas.openxmlformats.org/drawingml/2006/compatibility" xmlns:p14="http://schemas.microsoft.com/office/powerpoint/2010/main">
+  <p:cSld>
+    <p:spTree>
+      <p:nvGrpSpPr>
+        <p:cNvPr id="157" name="Shape 157"/>
+        <p:cNvGrpSpPr/>
+        <p:nvPr/>
+      </p:nvGrpSpPr>
+      <p:grpSpPr>
+        <a:xfrm>
+          <a:off x="0" y="0"/>
+          <a:ext cx="0" cy="0"/>
+          <a:chOff x="0" y="0"/>
+          <a:chExt cx="0" cy="0"/>
+        </a:xfrm>
+      </p:grpSpPr>
+      <p:sp>
+        <p:nvSpPr>
+          <p:cNvPr id="158" name="Shape 158"/>
+          <p:cNvSpPr txBox="1"/>
+          <p:nvPr>
+            <p:ph idx="1" type="body"/>
+          </p:nvPr>
+        </p:nvSpPr>
+        <p:spPr>
+          <a:xfrm>
+            <a:off x="311700" y="995550"/>
+            <a:ext cx="8520600" cy="3990900"/>
+          </a:xfrm>
+          <a:prstGeom prst="rect">
+            <a:avLst/>
+          </a:prstGeom>
+          <a:solidFill>
+            <a:srgbClr val="38761D"/>
+          </a:solidFill>
+        </p:spPr>
+        <p:txBody>
+          <a:bodyPr anchorCtr="0" anchor="t" bIns="91425" lIns="91425" rIns="91425" tIns="91425">
+            <a:noAutofit/>
+          </a:bodyPr>
+          <a:lstStyle/>
+          <a:p>
+            <a:pPr indent="-349250" lvl="0" marL="457200" rtl="0" algn="r">
+              <a:spcBef>
+                <a:spcPts val="0"/>
+              </a:spcBef>
+              <a:buClr>
+                <a:srgbClr val="FFFFFF"/>
+              </a:buClr>
+              <a:buSzPct val="100000"/>
+            </a:pPr>
+            <a:r>
+              <a:rPr lang="en" sz="1900">
+                <a:solidFill>
+                  <a:srgbClr val="FFFFFF"/>
+                </a:solidFill>
+              </a:rPr>
+              <a:t>Someone starts to give birth</a:t>
+            </a:r>
+          </a:p>
+          <a:p>
+            <a:pPr indent="-349250" lvl="0" marL="457200" rtl="0" algn="r">
+              <a:spcBef>
+                <a:spcPts val="0"/>
+              </a:spcBef>
+              <a:buClr>
+                <a:srgbClr val="FFFFFF"/>
+              </a:buClr>
+              <a:buSzPct val="100000"/>
+            </a:pPr>
+            <a:r>
+              <a:rPr lang="en" sz="1900">
+                <a:solidFill>
+                  <a:srgbClr val="FFFFFF"/>
+                </a:solidFill>
+              </a:rPr>
+              <a:t>Vasyl is now carried through a field</a:t>
+            </a:r>
+          </a:p>
+          <a:p>
+            <a:pPr indent="-349250" lvl="0" marL="457200" rtl="0" algn="r">
+              <a:spcBef>
+                <a:spcPts val="0"/>
+              </a:spcBef>
+              <a:buClr>
+                <a:srgbClr val="FFFFFF"/>
+              </a:buClr>
+              <a:buSzPct val="100000"/>
+            </a:pPr>
+            <a:r>
+              <a:rPr lang="en" sz="1900">
+                <a:solidFill>
+                  <a:srgbClr val="FFFFFF"/>
+                </a:solidFill>
+              </a:rPr>
+              <a:t>A man sees this and hides in the bushes</a:t>
+            </a:r>
+          </a:p>
+          <a:p>
+            <a:pPr indent="-349250" lvl="0" marL="457200" rtl="0" algn="r">
+              <a:spcBef>
+                <a:spcPts val="0"/>
+              </a:spcBef>
+              <a:buClr>
+                <a:srgbClr val="FFFFFF"/>
+              </a:buClr>
+              <a:buSzPct val="100000"/>
+            </a:pPr>
+            <a:r>
+              <a:rPr lang="en" sz="1900">
+                <a:solidFill>
+                  <a:srgbClr val="FFFFFF"/>
+                </a:solidFill>
+              </a:rPr>
+              <a:t>A priest is praying</a:t>
+            </a:r>
+          </a:p>
+          <a:p>
+            <a:pPr indent="-349250" lvl="0" marL="457200" rtl="0" algn="r">
+              <a:spcBef>
+                <a:spcPts val="0"/>
+              </a:spcBef>
+              <a:buClr>
+                <a:srgbClr val="FFFFFF"/>
+              </a:buClr>
+              <a:buSzPct val="100000"/>
+            </a:pPr>
+            <a:r>
+              <a:rPr lang="en" sz="1900">
+                <a:solidFill>
+                  <a:srgbClr val="FFFFFF"/>
+                </a:solidFill>
+              </a:rPr>
+              <a:t>A woman is knocking on doors</a:t>
+            </a:r>
+          </a:p>
+          <a:p>
+            <a:pPr indent="-349250" lvl="0" marL="457200" rtl="0" algn="r">
+              <a:spcBef>
+                <a:spcPts val="0"/>
+              </a:spcBef>
+              <a:buClr>
+                <a:srgbClr val="FFFFFF"/>
+              </a:buClr>
+              <a:buSzPct val="100000"/>
+            </a:pPr>
+            <a:r>
+              <a:rPr lang="en" sz="1900">
+                <a:solidFill>
+                  <a:srgbClr val="FFFFFF"/>
+                </a:solidFill>
+              </a:rPr>
+              <a:t>They get to the burial place </a:t>
+            </a:r>
+          </a:p>
+          <a:p>
+            <a:pPr indent="-349250" lvl="0" marL="457200" rtl="0" algn="r">
+              <a:spcBef>
+                <a:spcPts val="0"/>
+              </a:spcBef>
+              <a:buClr>
+                <a:srgbClr val="FFFFFF"/>
+              </a:buClr>
+              <a:buSzPct val="100000"/>
+            </a:pPr>
+            <a:r>
+              <a:rPr lang="en" sz="1900">
+                <a:solidFill>
+                  <a:srgbClr val="FFFFFF"/>
+                </a:solidFill>
+              </a:rPr>
+              <a:t>A man gets among them and has words to say about Vasyl</a:t>
+            </a:r>
+          </a:p>
+        </p:txBody>
+      </p:sp>
+      <p:sp>
+        <p:nvSpPr>
+          <p:cNvPr id="159" name="Shape 159"/>
+          <p:cNvSpPr txBox="1"/>
+          <p:nvPr>
+            <p:ph type="title"/>
+          </p:nvPr>
+        </p:nvSpPr>
+        <p:spPr>
+          <a:xfrm>
+            <a:off x="311700" y="218350"/>
+            <a:ext cx="8520600" cy="572700"/>
+          </a:xfrm>
+          <a:prstGeom prst="rect">
+            <a:avLst/>
+          </a:prstGeom>
+          <a:solidFill>
+            <a:srgbClr val="38761D"/>
+          </a:solidFill>
+        </p:spPr>
+        <p:txBody>
+          <a:bodyPr anchorCtr="0" anchor="t" bIns="91425" lIns="91425" rIns="91425" tIns="91425">
+            <a:noAutofit/>
+          </a:bodyPr>
+          <a:lstStyle/>
+          <a:p>
+            <a:pPr lvl="0" rtl="0" algn="r">
+              <a:spcBef>
+                <a:spcPts val="0"/>
+              </a:spcBef>
+              <a:buNone/>
+            </a:pPr>
+            <a:r>
+              <a:rPr lang="en">
+                <a:solidFill>
+                  <a:srgbClr val="FFFFFF"/>
+                </a:solidFill>
+              </a:rPr>
+              <a:t>1 hr 10 min</a:t>
+            </a:r>
+          </a:p>
+        </p:txBody>
+      </p:sp>
+    </p:spTree>
+  </p:cSld>
+  <p:clrMapOvr>
+    <a:masterClrMapping/>
+  </p:clrMapOvr>
+</p:sld>
+</file>
+
+<file path=ppt/slides/slide19.xml><?xml version="1.0" encoding="utf-8"?>
+<p:sld xmlns:a="http://schemas.openxmlformats.org/drawingml/2006/main" xmlns:r="http://schemas.openxmlformats.org/officeDocument/2006/relationships" xmlns:mc="http://schemas.openxmlformats.org/markup-compatibility/2006" xmlns:mv="urn:schemas-microsoft-com:mac:vml" xmlns:p="http://schemas.openxmlformats.org/presentationml/2006/main" xmlns:c="http://schemas.openxmlformats.org/drawingml/2006/chart" xmlns:dgm="http://schemas.openxmlformats.org/drawingml/2006/diagram" xmlns:o="urn:schemas-microsoft-com:office:office" xmlns:v="urn:schemas-microsoft-com:vml" xmlns:pvml="urn:schemas-microsoft-com:office:powerpoint" xmlns:com="http://schemas.openxmlformats.org/drawingml/2006/compatibility" xmlns:p14="http://schemas.microsoft.com/office/powerpoint/2010/main">
+  <p:cSld>
+    <p:spTree>
+      <p:nvGrpSpPr>
+        <p:cNvPr id="163" name="Shape 163"/>
+        <p:cNvGrpSpPr/>
+        <p:nvPr/>
+      </p:nvGrpSpPr>
+      <p:grpSpPr>
+        <a:xfrm>
+          <a:off x="0" y="0"/>
+          <a:ext cx="0" cy="0"/>
+          <a:chOff x="0" y="0"/>
+          <a:chExt cx="0" cy="0"/>
+        </a:xfrm>
+      </p:grpSpPr>
+      <p:sp>
+        <p:nvSpPr>
+          <p:cNvPr id="164" name="Shape 164"/>
+          <p:cNvSpPr txBox="1"/>
+          <p:nvPr>
+            <p:ph idx="1" type="body"/>
+          </p:nvPr>
+        </p:nvSpPr>
+        <p:spPr>
+          <a:xfrm>
+            <a:off x="311700" y="995550"/>
+            <a:ext cx="8520600" cy="3990900"/>
+          </a:xfrm>
+          <a:prstGeom prst="rect">
+            <a:avLst/>
+          </a:prstGeom>
+          <a:solidFill>
+            <a:srgbClr val="38761D"/>
+          </a:solidFill>
+        </p:spPr>
+        <p:txBody>
+          <a:bodyPr anchorCtr="0" anchor="t" bIns="91425" lIns="91425" rIns="91425" tIns="91425">
+            <a:noAutofit/>
+          </a:bodyPr>
+          <a:lstStyle/>
+          <a:p>
+            <a:pPr indent="-349250" lvl="0" marL="457200" rtl="0" algn="r">
+              <a:spcBef>
+                <a:spcPts val="0"/>
+              </a:spcBef>
+              <a:buClr>
+                <a:srgbClr val="FFFFFF"/>
+              </a:buClr>
+              <a:buSzPct val="100000"/>
+            </a:pPr>
+            <a:r>
+              <a:rPr lang="en" sz="1900">
+                <a:solidFill>
+                  <a:srgbClr val="FFFFFF"/>
+                </a:solidFill>
+              </a:rPr>
+              <a:t>The man hiding in the fields tries to warn the man on stage to stop</a:t>
+            </a:r>
+          </a:p>
+          <a:p>
+            <a:pPr indent="-349250" lvl="0" marL="457200" rtl="0" algn="r">
+              <a:spcBef>
+                <a:spcPts val="0"/>
+              </a:spcBef>
+              <a:buClr>
+                <a:srgbClr val="FFFFFF"/>
+              </a:buClr>
+              <a:buSzPct val="100000"/>
+            </a:pPr>
+            <a:r>
+              <a:rPr lang="en" sz="1900">
+                <a:solidFill>
+                  <a:srgbClr val="FFFFFF"/>
+                </a:solidFill>
+              </a:rPr>
+              <a:t>The man on stage tells the crowd who kills Vasyl at night while he was dancing</a:t>
+            </a:r>
+          </a:p>
+          <a:p>
+            <a:pPr indent="-349250" lvl="0" marL="457200" rtl="0" algn="r">
+              <a:spcBef>
+                <a:spcPts val="0"/>
+              </a:spcBef>
+              <a:buClr>
+                <a:srgbClr val="FFFFFF"/>
+              </a:buClr>
+              <a:buSzPct val="100000"/>
+            </a:pPr>
+            <a:r>
+              <a:rPr lang="en" sz="1900">
+                <a:solidFill>
+                  <a:srgbClr val="FFFFFF"/>
+                </a:solidFill>
+              </a:rPr>
+              <a:t>Vasyl father is Opanas and tthe man tells him to miss his son and be proud</a:t>
+            </a:r>
+          </a:p>
+          <a:p>
+            <a:pPr indent="-349250" lvl="0" marL="457200" rtl="0" algn="r">
+              <a:spcBef>
+                <a:spcPts val="0"/>
+              </a:spcBef>
+              <a:buClr>
+                <a:srgbClr val="FFFFFF"/>
+              </a:buClr>
+              <a:buSzPct val="100000"/>
+            </a:pPr>
+            <a:r>
+              <a:rPr lang="en" sz="1900">
+                <a:solidFill>
+                  <a:srgbClr val="FFFFFF"/>
+                </a:solidFill>
+              </a:rPr>
+              <a:t>He says Vasyl work will revolutuize the word</a:t>
+            </a:r>
+          </a:p>
+          <a:p>
+            <a:pPr indent="-349250" lvl="0" marL="457200" rtl="0" algn="r">
+              <a:spcBef>
+                <a:spcPts val="0"/>
+              </a:spcBef>
+              <a:buClr>
+                <a:srgbClr val="FFFFFF"/>
+              </a:buClr>
+              <a:buSzPct val="100000"/>
+            </a:pPr>
+            <a:r>
+              <a:rPr lang="en" sz="1900">
+                <a:solidFill>
+                  <a:srgbClr val="FFFFFF"/>
+                </a:solidFill>
+              </a:rPr>
+              <a:t>We see fruit then heavy rain comes on the fruit</a:t>
+            </a:r>
+          </a:p>
+        </p:txBody>
+      </p:sp>
+      <p:sp>
+        <p:nvSpPr>
+          <p:cNvPr id="165" name="Shape 165"/>
+          <p:cNvSpPr txBox="1"/>
+          <p:nvPr>
+            <p:ph type="title"/>
+          </p:nvPr>
+        </p:nvSpPr>
+        <p:spPr>
+          <a:xfrm>
+            <a:off x="311700" y="218350"/>
+            <a:ext cx="8520600" cy="572700"/>
+          </a:xfrm>
+          <a:prstGeom prst="rect">
+            <a:avLst/>
+          </a:prstGeom>
+          <a:solidFill>
+            <a:srgbClr val="38761D"/>
+          </a:solidFill>
+        </p:spPr>
+        <p:txBody>
+          <a:bodyPr anchorCtr="0" anchor="t" bIns="91425" lIns="91425" rIns="91425" tIns="91425">
+            <a:noAutofit/>
+          </a:bodyPr>
+          <a:lstStyle/>
+          <a:p>
+            <a:pPr lvl="0" rtl="0" algn="r">
+              <a:spcBef>
+                <a:spcPts val="0"/>
+              </a:spcBef>
+              <a:buNone/>
+            </a:pPr>
+            <a:r>
+              <a:rPr lang="en">
+                <a:solidFill>
+                  <a:srgbClr val="FFFFFF"/>
+                </a:solidFill>
+              </a:rPr>
+              <a:t>1 hr 15 min</a:t>
             </a:r>
           </a:p>
         </p:txBody>
@@ -6756,6 +9249,1620 @@
 </p:sld>
 </file>
 
+<file path=ppt/slides/slide20.xml><?xml version="1.0" encoding="utf-8"?>
+<p:sld xmlns:a="http://schemas.openxmlformats.org/drawingml/2006/main" xmlns:r="http://schemas.openxmlformats.org/officeDocument/2006/relationships" xmlns:mc="http://schemas.openxmlformats.org/markup-compatibility/2006" xmlns:mv="urn:schemas-microsoft-com:mac:vml" xmlns:p="http://schemas.openxmlformats.org/presentationml/2006/main" xmlns:c="http://schemas.openxmlformats.org/drawingml/2006/chart" xmlns:dgm="http://schemas.openxmlformats.org/drawingml/2006/diagram" xmlns:o="urn:schemas-microsoft-com:office:office" xmlns:v="urn:schemas-microsoft-com:vml" xmlns:pvml="urn:schemas-microsoft-com:office:powerpoint" xmlns:com="http://schemas.openxmlformats.org/drawingml/2006/compatibility" xmlns:p14="http://schemas.microsoft.com/office/powerpoint/2010/main">
+  <p:cSld>
+    <p:spTree>
+      <p:nvGrpSpPr>
+        <p:cNvPr id="169" name="Shape 169"/>
+        <p:cNvGrpSpPr/>
+        <p:nvPr/>
+      </p:nvGrpSpPr>
+      <p:grpSpPr>
+        <a:xfrm>
+          <a:off x="0" y="0"/>
+          <a:ext cx="0" cy="0"/>
+          <a:chOff x="0" y="0"/>
+          <a:chExt cx="0" cy="0"/>
+        </a:xfrm>
+      </p:grpSpPr>
+      <p:sp>
+        <p:nvSpPr>
+          <p:cNvPr id="170" name="Shape 170"/>
+          <p:cNvSpPr txBox="1"/>
+          <p:nvPr>
+            <p:ph idx="1" type="body"/>
+          </p:nvPr>
+        </p:nvSpPr>
+        <p:spPr>
+          <a:xfrm>
+            <a:off x="311700" y="995550"/>
+            <a:ext cx="8520600" cy="3990900"/>
+          </a:xfrm>
+          <a:prstGeom prst="rect">
+            <a:avLst/>
+          </a:prstGeom>
+          <a:solidFill>
+            <a:srgbClr val="38761D"/>
+          </a:solidFill>
+        </p:spPr>
+        <p:txBody>
+          <a:bodyPr anchorCtr="0" anchor="t" bIns="91425" lIns="91425" rIns="91425" tIns="91425">
+            <a:noAutofit/>
+          </a:bodyPr>
+          <a:lstStyle/>
+          <a:p>
+            <a:pPr indent="-349250" lvl="0" marL="457200" rtl="0" algn="r">
+              <a:spcBef>
+                <a:spcPts val="0"/>
+              </a:spcBef>
+              <a:buClr>
+                <a:srgbClr val="FFFFFF"/>
+              </a:buClr>
+              <a:buSzPct val="100000"/>
+            </a:pPr>
+            <a:r>
+              <a:rPr lang="en" sz="1900">
+                <a:solidFill>
+                  <a:srgbClr val="FFFFFF"/>
+                </a:solidFill>
+              </a:rPr>
+              <a:t>A man seems to look at his daughter or his wife and they are happy to see each other</a:t>
+            </a:r>
+          </a:p>
+          <a:p>
+            <a:pPr lvl="0" rtl="0" algn="ctr">
+              <a:spcBef>
+                <a:spcPts val="0"/>
+              </a:spcBef>
+              <a:buNone/>
+            </a:pPr>
+            <a:r>
+              <a:t/>
+            </a:r>
+            <a:endParaRPr sz="1900">
+              <a:solidFill>
+                <a:srgbClr val="FFFFFF"/>
+              </a:solidFill>
+            </a:endParaRPr>
+          </a:p>
+        </p:txBody>
+      </p:sp>
+      <p:sp>
+        <p:nvSpPr>
+          <p:cNvPr id="171" name="Shape 171"/>
+          <p:cNvSpPr txBox="1"/>
+          <p:nvPr>
+            <p:ph type="title"/>
+          </p:nvPr>
+        </p:nvSpPr>
+        <p:spPr>
+          <a:xfrm>
+            <a:off x="311700" y="218350"/>
+            <a:ext cx="8520600" cy="572700"/>
+          </a:xfrm>
+          <a:prstGeom prst="rect">
+            <a:avLst/>
+          </a:prstGeom>
+          <a:solidFill>
+            <a:srgbClr val="38761D"/>
+          </a:solidFill>
+        </p:spPr>
+        <p:txBody>
+          <a:bodyPr anchorCtr="0" anchor="t" bIns="91425" lIns="91425" rIns="91425" tIns="91425">
+            <a:noAutofit/>
+          </a:bodyPr>
+          <a:lstStyle/>
+          <a:p>
+            <a:pPr lvl="0" rtl="0" algn="r">
+              <a:spcBef>
+                <a:spcPts val="0"/>
+              </a:spcBef>
+              <a:buNone/>
+            </a:pPr>
+            <a:r>
+              <a:rPr lang="en">
+                <a:solidFill>
+                  <a:srgbClr val="FFFFFF"/>
+                </a:solidFill>
+              </a:rPr>
+              <a:t>ending</a:t>
+            </a:r>
+          </a:p>
+        </p:txBody>
+      </p:sp>
+      <p:pic>
+        <p:nvPicPr>
+          <p:cNvPr descr="Screenshot 2017-03-03 at 10.01.04 PM.png" id="172" name="Shape 172"/>
+          <p:cNvPicPr preferRelativeResize="0"/>
+          <p:nvPr/>
+        </p:nvPicPr>
+        <p:blipFill>
+          <a:blip r:embed="rId3">
+            <a:alphaModFix/>
+          </a:blip>
+          <a:stretch>
+            <a:fillRect/>
+          </a:stretch>
+        </p:blipFill>
+        <p:spPr>
+          <a:xfrm>
+            <a:off x="2295525" y="1814512"/>
+            <a:ext cx="4343400" cy="2828925"/>
+          </a:xfrm>
+          <a:prstGeom prst="rect">
+            <a:avLst/>
+          </a:prstGeom>
+          <a:noFill/>
+          <a:ln>
+            <a:noFill/>
+          </a:ln>
+        </p:spPr>
+      </p:pic>
+    </p:spTree>
+  </p:cSld>
+  <p:clrMapOvr>
+    <a:masterClrMapping/>
+  </p:clrMapOvr>
+</p:sld>
+</file>
+
+<file path=ppt/slides/slide21.xml><?xml version="1.0" encoding="utf-8"?>
+<p:sld xmlns:a="http://schemas.openxmlformats.org/drawingml/2006/main" xmlns:r="http://schemas.openxmlformats.org/officeDocument/2006/relationships" xmlns:mc="http://schemas.openxmlformats.org/markup-compatibility/2006" xmlns:mv="urn:schemas-microsoft-com:mac:vml" xmlns:p="http://schemas.openxmlformats.org/presentationml/2006/main" xmlns:c="http://schemas.openxmlformats.org/drawingml/2006/chart" xmlns:dgm="http://schemas.openxmlformats.org/drawingml/2006/diagram" xmlns:o="urn:schemas-microsoft-com:office:office" xmlns:v="urn:schemas-microsoft-com:vml" xmlns:pvml="urn:schemas-microsoft-com:office:powerpoint" xmlns:com="http://schemas.openxmlformats.org/drawingml/2006/compatibility" xmlns:p14="http://schemas.microsoft.com/office/powerpoint/2010/main">
+  <p:cSld>
+    <p:spTree>
+      <p:nvGrpSpPr>
+        <p:cNvPr id="176" name="Shape 176"/>
+        <p:cNvGrpSpPr/>
+        <p:nvPr/>
+      </p:nvGrpSpPr>
+      <p:grpSpPr>
+        <a:xfrm>
+          <a:off x="0" y="0"/>
+          <a:ext cx="0" cy="0"/>
+          <a:chOff x="0" y="0"/>
+          <a:chExt cx="0" cy="0"/>
+        </a:xfrm>
+      </p:grpSpPr>
+      <p:sp>
+        <p:nvSpPr>
+          <p:cNvPr id="177" name="Shape 177"/>
+          <p:cNvSpPr txBox="1"/>
+          <p:nvPr>
+            <p:ph type="title"/>
+          </p:nvPr>
+        </p:nvSpPr>
+        <p:spPr>
+          <a:xfrm>
+            <a:off x="265500" y="1233175"/>
+            <a:ext cx="4045200" cy="1482300"/>
+          </a:xfrm>
+          <a:prstGeom prst="rect">
+            <a:avLst/>
+          </a:prstGeom>
+          <a:solidFill>
+            <a:srgbClr val="38761D"/>
+          </a:solidFill>
+          <a:ln cap="flat" cmpd="sng" w="9525">
+            <a:solidFill>
+              <a:srgbClr val="6AA84F"/>
+            </a:solidFill>
+            <a:prstDash val="solid"/>
+            <a:round/>
+            <a:headEnd len="med" w="med" type="none"/>
+            <a:tailEnd len="med" w="med" type="none"/>
+          </a:ln>
+        </p:spPr>
+        <p:txBody>
+          <a:bodyPr anchorCtr="0" anchor="b" bIns="91425" lIns="91425" rIns="91425" tIns="91425">
+            <a:noAutofit/>
+          </a:bodyPr>
+          <a:lstStyle/>
+          <a:p>
+            <a:pPr lvl="0">
+              <a:spcBef>
+                <a:spcPts val="0"/>
+              </a:spcBef>
+              <a:buClr>
+                <a:schemeClr val="dk1"/>
+              </a:buClr>
+              <a:buSzPct val="52380"/>
+              <a:buFont typeface="Arial"/>
+              <a:buNone/>
+            </a:pPr>
+            <a:r>
+              <a:rPr lang="en" sz="2100">
+                <a:solidFill>
+                  <a:srgbClr val="FFFFFF"/>
+                </a:solidFill>
+              </a:rPr>
+              <a:t>Beumers’s Cinema, Phil Cavendish, “EARTH,” 57–68</a:t>
+            </a:r>
+          </a:p>
+          <a:p>
+            <a:pPr lvl="0" rtl="0">
+              <a:spcBef>
+                <a:spcPts val="0"/>
+              </a:spcBef>
+              <a:buNone/>
+            </a:pPr>
+            <a:r>
+              <a:t/>
+            </a:r>
+            <a:endParaRPr sz="2200">
+              <a:solidFill>
+                <a:srgbClr val="FFFFFF"/>
+              </a:solidFill>
+            </a:endParaRPr>
+          </a:p>
+        </p:txBody>
+      </p:sp>
+      <p:sp>
+        <p:nvSpPr>
+          <p:cNvPr id="178" name="Shape 178"/>
+          <p:cNvSpPr txBox="1"/>
+          <p:nvPr>
+            <p:ph idx="1" type="subTitle"/>
+          </p:nvPr>
+        </p:nvSpPr>
+        <p:spPr>
+          <a:xfrm>
+            <a:off x="265500" y="2803075"/>
+            <a:ext cx="4045200" cy="1235100"/>
+          </a:xfrm>
+          <a:prstGeom prst="rect">
+            <a:avLst/>
+          </a:prstGeom>
+          <a:solidFill>
+            <a:srgbClr val="38761D"/>
+          </a:solidFill>
+        </p:spPr>
+        <p:txBody>
+          <a:bodyPr anchorCtr="0" anchor="t" bIns="91425" lIns="91425" rIns="91425" tIns="91425">
+            <a:noAutofit/>
+          </a:bodyPr>
+          <a:lstStyle/>
+          <a:p>
+            <a:pPr lvl="0" rtl="0">
+              <a:spcBef>
+                <a:spcPts val="0"/>
+              </a:spcBef>
+              <a:buNone/>
+            </a:pPr>
+            <a:r>
+              <a:t/>
+            </a:r>
+            <a:endParaRPr>
+              <a:solidFill>
+                <a:srgbClr val="FFFFFF"/>
+              </a:solidFill>
+            </a:endParaRPr>
+          </a:p>
+        </p:txBody>
+      </p:sp>
+      <p:sp>
+        <p:nvSpPr>
+          <p:cNvPr id="179" name="Shape 179"/>
+          <p:cNvSpPr txBox="1"/>
+          <p:nvPr>
+            <p:ph idx="2" type="body"/>
+          </p:nvPr>
+        </p:nvSpPr>
+        <p:spPr>
+          <a:xfrm>
+            <a:off x="4939500" y="724075"/>
+            <a:ext cx="3837000" cy="3695100"/>
+          </a:xfrm>
+          <a:prstGeom prst="rect">
+            <a:avLst/>
+          </a:prstGeom>
+        </p:spPr>
+        <p:txBody>
+          <a:bodyPr anchorCtr="0" anchor="ctr" bIns="91425" lIns="91425" rIns="91425" tIns="91425">
+            <a:noAutofit/>
+          </a:bodyPr>
+          <a:lstStyle/>
+          <a:p>
+            <a:pPr lvl="0" rtl="0">
+              <a:spcBef>
+                <a:spcPts val="0"/>
+              </a:spcBef>
+              <a:buNone/>
+            </a:pPr>
+            <a:r>
+              <a:rPr lang="en" sz="2700">
+                <a:solidFill>
+                  <a:srgbClr val="000000"/>
+                </a:solidFill>
+              </a:rPr>
+              <a:t>EVERY PARAGRAPH</a:t>
+            </a:r>
+          </a:p>
+        </p:txBody>
+      </p:sp>
+    </p:spTree>
+  </p:cSld>
+  <p:clrMapOvr>
+    <a:masterClrMapping/>
+  </p:clrMapOvr>
+</p:sld>
+</file>
+
+<file path=ppt/slides/slide22.xml><?xml version="1.0" encoding="utf-8"?>
+<p:sld xmlns:a="http://schemas.openxmlformats.org/drawingml/2006/main" xmlns:r="http://schemas.openxmlformats.org/officeDocument/2006/relationships" xmlns:mc="http://schemas.openxmlformats.org/markup-compatibility/2006" xmlns:mv="urn:schemas-microsoft-com:mac:vml" xmlns:p="http://schemas.openxmlformats.org/presentationml/2006/main" xmlns:c="http://schemas.openxmlformats.org/drawingml/2006/chart" xmlns:dgm="http://schemas.openxmlformats.org/drawingml/2006/diagram" xmlns:o="urn:schemas-microsoft-com:office:office" xmlns:v="urn:schemas-microsoft-com:vml" xmlns:pvml="urn:schemas-microsoft-com:office:powerpoint" xmlns:com="http://schemas.openxmlformats.org/drawingml/2006/compatibility" xmlns:p14="http://schemas.microsoft.com/office/powerpoint/2010/main">
+  <p:cSld>
+    <p:spTree>
+      <p:nvGrpSpPr>
+        <p:cNvPr id="183" name="Shape 183"/>
+        <p:cNvGrpSpPr/>
+        <p:nvPr/>
+      </p:nvGrpSpPr>
+      <p:grpSpPr>
+        <a:xfrm>
+          <a:off x="0" y="0"/>
+          <a:ext cx="0" cy="0"/>
+          <a:chOff x="0" y="0"/>
+          <a:chExt cx="0" cy="0"/>
+        </a:xfrm>
+      </p:grpSpPr>
+      <p:sp>
+        <p:nvSpPr>
+          <p:cNvPr id="184" name="Shape 184"/>
+          <p:cNvSpPr txBox="1"/>
+          <p:nvPr>
+            <p:ph type="title"/>
+          </p:nvPr>
+        </p:nvSpPr>
+        <p:spPr>
+          <a:xfrm>
+            <a:off x="311700" y="445025"/>
+            <a:ext cx="8520600" cy="572700"/>
+          </a:xfrm>
+          <a:prstGeom prst="rect">
+            <a:avLst/>
+          </a:prstGeom>
+          <a:solidFill>
+            <a:srgbClr val="38761D"/>
+          </a:solidFill>
+        </p:spPr>
+        <p:txBody>
+          <a:bodyPr anchorCtr="0" anchor="t" bIns="91425" lIns="91425" rIns="91425" tIns="91425">
+            <a:noAutofit/>
+          </a:bodyPr>
+          <a:lstStyle/>
+          <a:p>
+            <a:pPr lvl="0" rtl="0">
+              <a:spcBef>
+                <a:spcPts val="0"/>
+              </a:spcBef>
+              <a:buNone/>
+            </a:pPr>
+            <a:r>
+              <a:rPr lang="en">
+                <a:solidFill>
+                  <a:srgbClr val="FFFFFF"/>
+                </a:solidFill>
+              </a:rPr>
+              <a:t>Pg 57</a:t>
+            </a:r>
+          </a:p>
+        </p:txBody>
+      </p:sp>
+      <p:sp>
+        <p:nvSpPr>
+          <p:cNvPr id="185" name="Shape 185"/>
+          <p:cNvSpPr txBox="1"/>
+          <p:nvPr>
+            <p:ph idx="1" type="body"/>
+          </p:nvPr>
+        </p:nvSpPr>
+        <p:spPr>
+          <a:xfrm>
+            <a:off x="311700" y="1152475"/>
+            <a:ext cx="8520600" cy="3416400"/>
+          </a:xfrm>
+          <a:prstGeom prst="rect">
+            <a:avLst/>
+          </a:prstGeom>
+          <a:solidFill>
+            <a:srgbClr val="38761D"/>
+          </a:solidFill>
+        </p:spPr>
+        <p:txBody>
+          <a:bodyPr anchorCtr="0" anchor="t" bIns="91425" lIns="91425" rIns="91425" tIns="91425">
+            <a:noAutofit/>
+          </a:bodyPr>
+          <a:lstStyle/>
+          <a:p>
+            <a:pPr indent="-381000" lvl="0" marL="457200" rtl="0" algn="r">
+              <a:spcBef>
+                <a:spcPts val="0"/>
+              </a:spcBef>
+              <a:buClr>
+                <a:srgbClr val="FFFFFF"/>
+              </a:buClr>
+              <a:buSzPct val="100000"/>
+            </a:pPr>
+            <a:r>
+              <a:rPr lang="en" sz="2400">
+                <a:solidFill>
+                  <a:srgbClr val="FFFFFF"/>
+                </a:solidFill>
+              </a:rPr>
+              <a:t>Alexander Dovzhenko(1894-1956) was skeptical about cimena he said ppl will soon enjoy it than be changed  by it</a:t>
+            </a:r>
+          </a:p>
+          <a:p>
+            <a:pPr indent="-381000" lvl="0" marL="457200" rtl="0" algn="r">
+              <a:spcBef>
+                <a:spcPts val="0"/>
+              </a:spcBef>
+              <a:buClr>
+                <a:srgbClr val="FFFFFF"/>
+              </a:buClr>
+              <a:buSzPct val="100000"/>
+            </a:pPr>
+            <a:r>
+              <a:rPr lang="en" sz="2400">
+                <a:solidFill>
+                  <a:srgbClr val="FFFFFF"/>
+                </a:solidFill>
+              </a:rPr>
+              <a:t>We will be calling him Dove to save space</a:t>
+            </a:r>
+          </a:p>
+        </p:txBody>
+      </p:sp>
+    </p:spTree>
+  </p:cSld>
+  <p:clrMapOvr>
+    <a:masterClrMapping/>
+  </p:clrMapOvr>
+</p:sld>
+</file>
+
+<file path=ppt/slides/slide23.xml><?xml version="1.0" encoding="utf-8"?>
+<p:sld xmlns:a="http://schemas.openxmlformats.org/drawingml/2006/main" xmlns:r="http://schemas.openxmlformats.org/officeDocument/2006/relationships" xmlns:mc="http://schemas.openxmlformats.org/markup-compatibility/2006" xmlns:mv="urn:schemas-microsoft-com:mac:vml" xmlns:p="http://schemas.openxmlformats.org/presentationml/2006/main" xmlns:c="http://schemas.openxmlformats.org/drawingml/2006/chart" xmlns:dgm="http://schemas.openxmlformats.org/drawingml/2006/diagram" xmlns:o="urn:schemas-microsoft-com:office:office" xmlns:v="urn:schemas-microsoft-com:vml" xmlns:pvml="urn:schemas-microsoft-com:office:powerpoint" xmlns:com="http://schemas.openxmlformats.org/drawingml/2006/compatibility" xmlns:p14="http://schemas.microsoft.com/office/powerpoint/2010/main">
+  <p:cSld>
+    <p:spTree>
+      <p:nvGrpSpPr>
+        <p:cNvPr id="189" name="Shape 189"/>
+        <p:cNvGrpSpPr/>
+        <p:nvPr/>
+      </p:nvGrpSpPr>
+      <p:grpSpPr>
+        <a:xfrm>
+          <a:off x="0" y="0"/>
+          <a:ext cx="0" cy="0"/>
+          <a:chOff x="0" y="0"/>
+          <a:chExt cx="0" cy="0"/>
+        </a:xfrm>
+      </p:grpSpPr>
+      <p:sp>
+        <p:nvSpPr>
+          <p:cNvPr id="190" name="Shape 190"/>
+          <p:cNvSpPr txBox="1"/>
+          <p:nvPr>
+            <p:ph type="title"/>
+          </p:nvPr>
+        </p:nvSpPr>
+        <p:spPr>
+          <a:xfrm>
+            <a:off x="311700" y="445025"/>
+            <a:ext cx="8520600" cy="572700"/>
+          </a:xfrm>
+          <a:prstGeom prst="rect">
+            <a:avLst/>
+          </a:prstGeom>
+          <a:solidFill>
+            <a:srgbClr val="38761D"/>
+          </a:solidFill>
+        </p:spPr>
+        <p:txBody>
+          <a:bodyPr anchorCtr="0" anchor="t" bIns="91425" lIns="91425" rIns="91425" tIns="91425">
+            <a:noAutofit/>
+          </a:bodyPr>
+          <a:lstStyle/>
+          <a:p>
+            <a:pPr lvl="0" rtl="0">
+              <a:spcBef>
+                <a:spcPts val="0"/>
+              </a:spcBef>
+              <a:buNone/>
+            </a:pPr>
+            <a:r>
+              <a:rPr lang="en">
+                <a:solidFill>
+                  <a:srgbClr val="FFFFFF"/>
+                </a:solidFill>
+              </a:rPr>
+              <a:t>Pg 58</a:t>
+            </a:r>
+          </a:p>
+        </p:txBody>
+      </p:sp>
+      <p:sp>
+        <p:nvSpPr>
+          <p:cNvPr id="191" name="Shape 191"/>
+          <p:cNvSpPr txBox="1"/>
+          <p:nvPr>
+            <p:ph idx="1" type="body"/>
+          </p:nvPr>
+        </p:nvSpPr>
+        <p:spPr>
+          <a:xfrm>
+            <a:off x="311700" y="1152475"/>
+            <a:ext cx="8520600" cy="3416400"/>
+          </a:xfrm>
+          <a:prstGeom prst="rect">
+            <a:avLst/>
+          </a:prstGeom>
+          <a:solidFill>
+            <a:srgbClr val="38761D"/>
+          </a:solidFill>
+        </p:spPr>
+        <p:txBody>
+          <a:bodyPr anchorCtr="0" anchor="t" bIns="91425" lIns="91425" rIns="91425" tIns="91425">
+            <a:noAutofit/>
+          </a:bodyPr>
+          <a:lstStyle/>
+          <a:p>
+            <a:pPr indent="-381000" lvl="0" marL="457200" rtl="0" algn="r">
+              <a:spcBef>
+                <a:spcPts val="0"/>
+              </a:spcBef>
+              <a:buClr>
+                <a:srgbClr val="FFFFFF"/>
+              </a:buClr>
+              <a:buSzPct val="100000"/>
+            </a:pPr>
+            <a:r>
+              <a:rPr lang="en" sz="2400">
+                <a:solidFill>
+                  <a:srgbClr val="FFFFFF"/>
+                </a:solidFill>
+              </a:rPr>
+              <a:t>Dove was born to poor ppl, he became a teacher and avoided the draft by medical uses</a:t>
+            </a:r>
+          </a:p>
+          <a:p>
+            <a:pPr indent="-381000" lvl="0" marL="457200" rtl="0" algn="r">
+              <a:spcBef>
+                <a:spcPts val="0"/>
+              </a:spcBef>
+              <a:buClr>
+                <a:srgbClr val="FFFFFF"/>
+              </a:buClr>
+              <a:buSzPct val="100000"/>
+            </a:pPr>
+            <a:r>
+              <a:rPr i="1" lang="en" sz="2400">
+                <a:solidFill>
+                  <a:srgbClr val="FFFFFF"/>
+                </a:solidFill>
+              </a:rPr>
+              <a:t>Zvenigora</a:t>
+            </a:r>
+            <a:r>
+              <a:rPr lang="en" sz="2400">
+                <a:solidFill>
+                  <a:srgbClr val="FFFFFF"/>
+                </a:solidFill>
+              </a:rPr>
+              <a:t> (1927) was a great movie it was about turning stores from the October Revo. and Soviet Revo. into many myths n tales</a:t>
+            </a:r>
+          </a:p>
+        </p:txBody>
+      </p:sp>
+    </p:spTree>
+  </p:cSld>
+  <p:clrMapOvr>
+    <a:masterClrMapping/>
+  </p:clrMapOvr>
+</p:sld>
+</file>
+
+<file path=ppt/slides/slide24.xml><?xml version="1.0" encoding="utf-8"?>
+<p:sld xmlns:a="http://schemas.openxmlformats.org/drawingml/2006/main" xmlns:r="http://schemas.openxmlformats.org/officeDocument/2006/relationships" xmlns:mc="http://schemas.openxmlformats.org/markup-compatibility/2006" xmlns:mv="urn:schemas-microsoft-com:mac:vml" xmlns:p="http://schemas.openxmlformats.org/presentationml/2006/main" xmlns:c="http://schemas.openxmlformats.org/drawingml/2006/chart" xmlns:dgm="http://schemas.openxmlformats.org/drawingml/2006/diagram" xmlns:o="urn:schemas-microsoft-com:office:office" xmlns:v="urn:schemas-microsoft-com:vml" xmlns:pvml="urn:schemas-microsoft-com:office:powerpoint" xmlns:com="http://schemas.openxmlformats.org/drawingml/2006/compatibility" xmlns:p14="http://schemas.microsoft.com/office/powerpoint/2010/main">
+  <p:cSld>
+    <p:spTree>
+      <p:nvGrpSpPr>
+        <p:cNvPr id="195" name="Shape 195"/>
+        <p:cNvGrpSpPr/>
+        <p:nvPr/>
+      </p:nvGrpSpPr>
+      <p:grpSpPr>
+        <a:xfrm>
+          <a:off x="0" y="0"/>
+          <a:ext cx="0" cy="0"/>
+          <a:chOff x="0" y="0"/>
+          <a:chExt cx="0" cy="0"/>
+        </a:xfrm>
+      </p:grpSpPr>
+      <p:sp>
+        <p:nvSpPr>
+          <p:cNvPr id="196" name="Shape 196"/>
+          <p:cNvSpPr txBox="1"/>
+          <p:nvPr>
+            <p:ph type="title"/>
+          </p:nvPr>
+        </p:nvSpPr>
+        <p:spPr>
+          <a:xfrm>
+            <a:off x="311700" y="445025"/>
+            <a:ext cx="8520600" cy="572700"/>
+          </a:xfrm>
+          <a:prstGeom prst="rect">
+            <a:avLst/>
+          </a:prstGeom>
+          <a:solidFill>
+            <a:srgbClr val="38761D"/>
+          </a:solidFill>
+        </p:spPr>
+        <p:txBody>
+          <a:bodyPr anchorCtr="0" anchor="t" bIns="91425" lIns="91425" rIns="91425" tIns="91425">
+            <a:noAutofit/>
+          </a:bodyPr>
+          <a:lstStyle/>
+          <a:p>
+            <a:pPr lvl="0" rtl="0">
+              <a:spcBef>
+                <a:spcPts val="0"/>
+              </a:spcBef>
+              <a:buNone/>
+            </a:pPr>
+            <a:r>
+              <a:rPr lang="en">
+                <a:solidFill>
+                  <a:srgbClr val="FFFFFF"/>
+                </a:solidFill>
+              </a:rPr>
+              <a:t>Pg 59</a:t>
+            </a:r>
+          </a:p>
+        </p:txBody>
+      </p:sp>
+      <p:sp>
+        <p:nvSpPr>
+          <p:cNvPr id="197" name="Shape 197"/>
+          <p:cNvSpPr txBox="1"/>
+          <p:nvPr>
+            <p:ph idx="1" type="body"/>
+          </p:nvPr>
+        </p:nvSpPr>
+        <p:spPr>
+          <a:xfrm>
+            <a:off x="311700" y="1152475"/>
+            <a:ext cx="8520600" cy="3618300"/>
+          </a:xfrm>
+          <a:prstGeom prst="rect">
+            <a:avLst/>
+          </a:prstGeom>
+          <a:solidFill>
+            <a:srgbClr val="38761D"/>
+          </a:solidFill>
+        </p:spPr>
+        <p:txBody>
+          <a:bodyPr anchorCtr="0" anchor="t" bIns="91425" lIns="91425" rIns="91425" tIns="91425">
+            <a:noAutofit/>
+          </a:bodyPr>
+          <a:lstStyle/>
+          <a:p>
+            <a:pPr indent="-368300" lvl="0" marL="457200" rtl="0" algn="r">
+              <a:spcBef>
+                <a:spcPts val="0"/>
+              </a:spcBef>
+              <a:buClr>
+                <a:srgbClr val="FFFFFF"/>
+              </a:buClr>
+              <a:buSzPct val="100000"/>
+            </a:pPr>
+            <a:r>
+              <a:rPr i="1" lang="en" sz="2200">
+                <a:solidFill>
+                  <a:srgbClr val="FFFFFF"/>
+                </a:solidFill>
+              </a:rPr>
+              <a:t>Arsenal </a:t>
+            </a:r>
+            <a:r>
+              <a:rPr lang="en" sz="2200">
+                <a:solidFill>
+                  <a:srgbClr val="FFFFFF"/>
+                </a:solidFill>
+              </a:rPr>
+              <a:t>(1928) was Zveingora’s sequel celebrate 10th aniversary of Soviet Revo. </a:t>
+            </a:r>
+          </a:p>
+          <a:p>
+            <a:pPr indent="-368300" lvl="0" marL="457200" rtl="0" algn="r">
+              <a:spcBef>
+                <a:spcPts val="0"/>
+              </a:spcBef>
+              <a:buClr>
+                <a:srgbClr val="FFFFFF"/>
+              </a:buClr>
+              <a:buSzPct val="100000"/>
+            </a:pPr>
+            <a:r>
+              <a:rPr lang="en" sz="2200">
+                <a:solidFill>
+                  <a:srgbClr val="FFFFFF"/>
+                </a:solidFill>
+              </a:rPr>
+              <a:t>About how nationalist storm a Bolshevik fort in Kiev after Soviets took power</a:t>
+            </a:r>
+          </a:p>
+          <a:p>
+            <a:pPr indent="-368300" lvl="0" marL="457200" rtl="0" algn="r">
+              <a:spcBef>
+                <a:spcPts val="0"/>
+              </a:spcBef>
+              <a:buClr>
+                <a:srgbClr val="FFFFFF"/>
+              </a:buClr>
+              <a:buSzPct val="100000"/>
+            </a:pPr>
+            <a:r>
+              <a:rPr lang="en" sz="2200">
+                <a:solidFill>
+                  <a:srgbClr val="FFFFFF"/>
+                </a:solidFill>
+              </a:rPr>
+              <a:t>Collectivisation: gov’t forcing peasants to live together to </a:t>
+            </a:r>
+          </a:p>
+          <a:p>
+            <a:pPr indent="-368300" lvl="0" marL="457200" rtl="0" algn="r">
+              <a:spcBef>
+                <a:spcPts val="0"/>
+              </a:spcBef>
+              <a:buClr>
+                <a:srgbClr val="FFFFFF"/>
+              </a:buClr>
+              <a:buSzPct val="100000"/>
+            </a:pPr>
+            <a:r>
+              <a:rPr lang="en" sz="2200">
+                <a:solidFill>
+                  <a:srgbClr val="FFFFFF"/>
+                </a:solidFill>
+              </a:rPr>
+              <a:t>Dekulakisation: ppl getting exiled from country</a:t>
+            </a:r>
+          </a:p>
+          <a:p>
+            <a:pPr indent="-368300" lvl="0" marL="457200" rtl="0" algn="r">
+              <a:spcBef>
+                <a:spcPts val="0"/>
+              </a:spcBef>
+              <a:buClr>
+                <a:srgbClr val="FFFFFF"/>
+              </a:buClr>
+              <a:buSzPct val="100000"/>
+            </a:pPr>
+            <a:r>
+              <a:rPr i="1" lang="en" sz="2200">
+                <a:solidFill>
+                  <a:srgbClr val="FFFFFF"/>
+                </a:solidFill>
+              </a:rPr>
+              <a:t>Earth </a:t>
+            </a:r>
+            <a:r>
+              <a:rPr lang="en" sz="2200">
+                <a:solidFill>
+                  <a:srgbClr val="FFFFFF"/>
+                </a:solidFill>
+              </a:rPr>
+              <a:t>is about a Kosmosol activist Vasyl who believes in collectivastion and tech, he helps his town, he gets killed and the pesants coutinue his work in memory of him</a:t>
+            </a:r>
+          </a:p>
+        </p:txBody>
+      </p:sp>
+    </p:spTree>
+  </p:cSld>
+  <p:clrMapOvr>
+    <a:masterClrMapping/>
+  </p:clrMapOvr>
+</p:sld>
+</file>
+
+<file path=ppt/slides/slide25.xml><?xml version="1.0" encoding="utf-8"?>
+<p:sld xmlns:a="http://schemas.openxmlformats.org/drawingml/2006/main" xmlns:r="http://schemas.openxmlformats.org/officeDocument/2006/relationships" xmlns:mc="http://schemas.openxmlformats.org/markup-compatibility/2006" xmlns:mv="urn:schemas-microsoft-com:mac:vml" xmlns:p="http://schemas.openxmlformats.org/presentationml/2006/main" xmlns:c="http://schemas.openxmlformats.org/drawingml/2006/chart" xmlns:dgm="http://schemas.openxmlformats.org/drawingml/2006/diagram" xmlns:o="urn:schemas-microsoft-com:office:office" xmlns:v="urn:schemas-microsoft-com:vml" xmlns:pvml="urn:schemas-microsoft-com:office:powerpoint" xmlns:com="http://schemas.openxmlformats.org/drawingml/2006/compatibility" xmlns:p14="http://schemas.microsoft.com/office/powerpoint/2010/main">
+  <p:cSld>
+    <p:spTree>
+      <p:nvGrpSpPr>
+        <p:cNvPr id="201" name="Shape 201"/>
+        <p:cNvGrpSpPr/>
+        <p:nvPr/>
+      </p:nvGrpSpPr>
+      <p:grpSpPr>
+        <a:xfrm>
+          <a:off x="0" y="0"/>
+          <a:ext cx="0" cy="0"/>
+          <a:chOff x="0" y="0"/>
+          <a:chExt cx="0" cy="0"/>
+        </a:xfrm>
+      </p:grpSpPr>
+      <p:sp>
+        <p:nvSpPr>
+          <p:cNvPr id="202" name="Shape 202"/>
+          <p:cNvSpPr txBox="1"/>
+          <p:nvPr>
+            <p:ph type="title"/>
+          </p:nvPr>
+        </p:nvSpPr>
+        <p:spPr>
+          <a:xfrm>
+            <a:off x="311700" y="445025"/>
+            <a:ext cx="8520600" cy="572700"/>
+          </a:xfrm>
+          <a:prstGeom prst="rect">
+            <a:avLst/>
+          </a:prstGeom>
+          <a:solidFill>
+            <a:srgbClr val="38761D"/>
+          </a:solidFill>
+        </p:spPr>
+        <p:txBody>
+          <a:bodyPr anchorCtr="0" anchor="t" bIns="91425" lIns="91425" rIns="91425" tIns="91425">
+            <a:noAutofit/>
+          </a:bodyPr>
+          <a:lstStyle/>
+          <a:p>
+            <a:pPr lvl="0" rtl="0">
+              <a:spcBef>
+                <a:spcPts val="0"/>
+              </a:spcBef>
+              <a:buNone/>
+            </a:pPr>
+            <a:r>
+              <a:rPr lang="en">
+                <a:solidFill>
+                  <a:srgbClr val="FFFFFF"/>
+                </a:solidFill>
+              </a:rPr>
+              <a:t>Pg 60</a:t>
+            </a:r>
+          </a:p>
+        </p:txBody>
+      </p:sp>
+      <p:sp>
+        <p:nvSpPr>
+          <p:cNvPr id="203" name="Shape 203"/>
+          <p:cNvSpPr txBox="1"/>
+          <p:nvPr>
+            <p:ph idx="1" type="body"/>
+          </p:nvPr>
+        </p:nvSpPr>
+        <p:spPr>
+          <a:xfrm>
+            <a:off x="311700" y="1152475"/>
+            <a:ext cx="8520600" cy="3416400"/>
+          </a:xfrm>
+          <a:prstGeom prst="rect">
+            <a:avLst/>
+          </a:prstGeom>
+          <a:solidFill>
+            <a:srgbClr val="38761D"/>
+          </a:solidFill>
+        </p:spPr>
+        <p:txBody>
+          <a:bodyPr anchorCtr="0" anchor="t" bIns="91425" lIns="91425" rIns="91425" tIns="91425">
+            <a:noAutofit/>
+          </a:bodyPr>
+          <a:lstStyle/>
+          <a:p>
+            <a:pPr indent="-381000" lvl="0" marL="457200" rtl="0" algn="r">
+              <a:spcBef>
+                <a:spcPts val="0"/>
+              </a:spcBef>
+              <a:buClr>
+                <a:srgbClr val="FFFFFF"/>
+              </a:buClr>
+              <a:buSzPct val="100000"/>
+            </a:pPr>
+            <a:r>
+              <a:rPr i="1" lang="en" sz="2400">
+                <a:solidFill>
+                  <a:srgbClr val="FFFFFF"/>
+                </a:solidFill>
+              </a:rPr>
+              <a:t>Earth </a:t>
+            </a:r>
+            <a:r>
+              <a:rPr lang="en" sz="2400">
+                <a:solidFill>
+                  <a:srgbClr val="FFFFFF"/>
+                </a:solidFill>
+              </a:rPr>
+              <a:t>however was about sacrificing oneself for the good of everyone</a:t>
+            </a:r>
+          </a:p>
+          <a:p>
+            <a:pPr indent="-381000" lvl="0" marL="457200" rtl="0" algn="r">
+              <a:spcBef>
+                <a:spcPts val="0"/>
+              </a:spcBef>
+              <a:buClr>
+                <a:srgbClr val="FFFFFF"/>
+              </a:buClr>
+              <a:buSzPct val="100000"/>
+            </a:pPr>
+            <a:r>
+              <a:rPr lang="en" sz="2400">
+                <a:solidFill>
+                  <a:srgbClr val="FFFFFF"/>
+                </a:solidFill>
+              </a:rPr>
+              <a:t>The movie was a cimenatic poem that could not change its politcal message</a:t>
+            </a:r>
+          </a:p>
+          <a:p>
+            <a:pPr indent="-381000" lvl="0" marL="457200" rtl="0" algn="r">
+              <a:spcBef>
+                <a:spcPts val="0"/>
+              </a:spcBef>
+              <a:buClr>
+                <a:srgbClr val="FFFFFF"/>
+              </a:buClr>
+              <a:buSzPct val="100000"/>
+            </a:pPr>
+            <a:r>
+              <a:rPr lang="en" sz="2400">
+                <a:solidFill>
+                  <a:srgbClr val="FFFFFF"/>
+                </a:solidFill>
+              </a:rPr>
+              <a:t>Eisen. Could however change the politcal sides of his movies as much as he wanted</a:t>
+            </a:r>
+          </a:p>
+        </p:txBody>
+      </p:sp>
+    </p:spTree>
+  </p:cSld>
+  <p:clrMapOvr>
+    <a:masterClrMapping/>
+  </p:clrMapOvr>
+</p:sld>
+</file>
+
+<file path=ppt/slides/slide26.xml><?xml version="1.0" encoding="utf-8"?>
+<p:sld xmlns:a="http://schemas.openxmlformats.org/drawingml/2006/main" xmlns:r="http://schemas.openxmlformats.org/officeDocument/2006/relationships" xmlns:mc="http://schemas.openxmlformats.org/markup-compatibility/2006" xmlns:mv="urn:schemas-microsoft-com:mac:vml" xmlns:p="http://schemas.openxmlformats.org/presentationml/2006/main" xmlns:c="http://schemas.openxmlformats.org/drawingml/2006/chart" xmlns:dgm="http://schemas.openxmlformats.org/drawingml/2006/diagram" xmlns:o="urn:schemas-microsoft-com:office:office" xmlns:v="urn:schemas-microsoft-com:vml" xmlns:pvml="urn:schemas-microsoft-com:office:powerpoint" xmlns:com="http://schemas.openxmlformats.org/drawingml/2006/compatibility" xmlns:p14="http://schemas.microsoft.com/office/powerpoint/2010/main">
+  <p:cSld>
+    <p:spTree>
+      <p:nvGrpSpPr>
+        <p:cNvPr id="207" name="Shape 207"/>
+        <p:cNvGrpSpPr/>
+        <p:nvPr/>
+      </p:nvGrpSpPr>
+      <p:grpSpPr>
+        <a:xfrm>
+          <a:off x="0" y="0"/>
+          <a:ext cx="0" cy="0"/>
+          <a:chOff x="0" y="0"/>
+          <a:chExt cx="0" cy="0"/>
+        </a:xfrm>
+      </p:grpSpPr>
+      <p:sp>
+        <p:nvSpPr>
+          <p:cNvPr id="208" name="Shape 208"/>
+          <p:cNvSpPr txBox="1"/>
+          <p:nvPr>
+            <p:ph type="title"/>
+          </p:nvPr>
+        </p:nvSpPr>
+        <p:spPr>
+          <a:xfrm>
+            <a:off x="311700" y="445025"/>
+            <a:ext cx="8520600" cy="572700"/>
+          </a:xfrm>
+          <a:prstGeom prst="rect">
+            <a:avLst/>
+          </a:prstGeom>
+          <a:solidFill>
+            <a:srgbClr val="38761D"/>
+          </a:solidFill>
+        </p:spPr>
+        <p:txBody>
+          <a:bodyPr anchorCtr="0" anchor="t" bIns="91425" lIns="91425" rIns="91425" tIns="91425">
+            <a:noAutofit/>
+          </a:bodyPr>
+          <a:lstStyle/>
+          <a:p>
+            <a:pPr lvl="0" rtl="0">
+              <a:spcBef>
+                <a:spcPts val="0"/>
+              </a:spcBef>
+              <a:buNone/>
+            </a:pPr>
+            <a:r>
+              <a:rPr lang="en">
+                <a:solidFill>
+                  <a:srgbClr val="FFFFFF"/>
+                </a:solidFill>
+              </a:rPr>
+              <a:t>Pg 61</a:t>
+            </a:r>
+          </a:p>
+        </p:txBody>
+      </p:sp>
+      <p:sp>
+        <p:nvSpPr>
+          <p:cNvPr id="209" name="Shape 209"/>
+          <p:cNvSpPr txBox="1"/>
+          <p:nvPr>
+            <p:ph idx="1" type="body"/>
+          </p:nvPr>
+        </p:nvSpPr>
+        <p:spPr>
+          <a:xfrm>
+            <a:off x="311700" y="1152475"/>
+            <a:ext cx="8520600" cy="3416400"/>
+          </a:xfrm>
+          <a:prstGeom prst="rect">
+            <a:avLst/>
+          </a:prstGeom>
+          <a:solidFill>
+            <a:srgbClr val="38761D"/>
+          </a:solidFill>
+        </p:spPr>
+        <p:txBody>
+          <a:bodyPr anchorCtr="0" anchor="t" bIns="91425" lIns="91425" rIns="91425" tIns="91425">
+            <a:noAutofit/>
+          </a:bodyPr>
+          <a:lstStyle/>
+          <a:p>
+            <a:pPr indent="-381000" lvl="0" marL="457200" rtl="0" algn="r">
+              <a:spcBef>
+                <a:spcPts val="0"/>
+              </a:spcBef>
+              <a:buClr>
+                <a:srgbClr val="FFFFFF"/>
+              </a:buClr>
+              <a:buSzPct val="100000"/>
+            </a:pPr>
+            <a:r>
+              <a:rPr i="1" lang="en" sz="2400">
+                <a:solidFill>
+                  <a:srgbClr val="FFFFFF"/>
+                </a:solidFill>
+              </a:rPr>
+              <a:t>Earth </a:t>
+            </a:r>
+            <a:r>
+              <a:rPr lang="en" sz="2400">
+                <a:solidFill>
+                  <a:srgbClr val="FFFFFF"/>
+                </a:solidFill>
+              </a:rPr>
+              <a:t> was about ellipses many parallel scenes occured</a:t>
+            </a:r>
+          </a:p>
+          <a:p>
+            <a:pPr indent="-381000" lvl="0" marL="457200" rtl="0" algn="r">
+              <a:spcBef>
+                <a:spcPts val="0"/>
+              </a:spcBef>
+              <a:buClr>
+                <a:srgbClr val="FFFFFF"/>
+              </a:buClr>
+              <a:buSzPct val="100000"/>
+            </a:pPr>
+            <a:r>
+              <a:rPr lang="en" sz="2400">
+                <a:solidFill>
+                  <a:srgbClr val="FFFFFF"/>
+                </a:solidFill>
+              </a:rPr>
+              <a:t>first movement was about how people were enjoying the production of bread led by Vasyl</a:t>
+            </a:r>
+          </a:p>
+          <a:p>
+            <a:pPr indent="-381000" lvl="0" marL="457200" rtl="0" algn="r">
+              <a:spcBef>
+                <a:spcPts val="0"/>
+              </a:spcBef>
+              <a:buClr>
+                <a:srgbClr val="FFFFFF"/>
+              </a:buClr>
+              <a:buSzPct val="100000"/>
+            </a:pPr>
+            <a:r>
+              <a:rPr lang="en" sz="2400">
+                <a:solidFill>
+                  <a:srgbClr val="FFFFFF"/>
+                </a:solidFill>
+              </a:rPr>
+              <a:t>Second movement was about however couples stood toghether as they mourned Vasyll</a:t>
+            </a:r>
+          </a:p>
+        </p:txBody>
+      </p:sp>
+    </p:spTree>
+  </p:cSld>
+  <p:clrMapOvr>
+    <a:masterClrMapping/>
+  </p:clrMapOvr>
+</p:sld>
+</file>
+
+<file path=ppt/slides/slide27.xml><?xml version="1.0" encoding="utf-8"?>
+<p:sld xmlns:a="http://schemas.openxmlformats.org/drawingml/2006/main" xmlns:r="http://schemas.openxmlformats.org/officeDocument/2006/relationships" xmlns:mc="http://schemas.openxmlformats.org/markup-compatibility/2006" xmlns:mv="urn:schemas-microsoft-com:mac:vml" xmlns:p="http://schemas.openxmlformats.org/presentationml/2006/main" xmlns:c="http://schemas.openxmlformats.org/drawingml/2006/chart" xmlns:dgm="http://schemas.openxmlformats.org/drawingml/2006/diagram" xmlns:o="urn:schemas-microsoft-com:office:office" xmlns:v="urn:schemas-microsoft-com:vml" xmlns:pvml="urn:schemas-microsoft-com:office:powerpoint" xmlns:com="http://schemas.openxmlformats.org/drawingml/2006/compatibility" xmlns:p14="http://schemas.microsoft.com/office/powerpoint/2010/main">
+  <p:cSld>
+    <p:spTree>
+      <p:nvGrpSpPr>
+        <p:cNvPr id="213" name="Shape 213"/>
+        <p:cNvGrpSpPr/>
+        <p:nvPr/>
+      </p:nvGrpSpPr>
+      <p:grpSpPr>
+        <a:xfrm>
+          <a:off x="0" y="0"/>
+          <a:ext cx="0" cy="0"/>
+          <a:chOff x="0" y="0"/>
+          <a:chExt cx="0" cy="0"/>
+        </a:xfrm>
+      </p:grpSpPr>
+      <p:sp>
+        <p:nvSpPr>
+          <p:cNvPr id="214" name="Shape 214"/>
+          <p:cNvSpPr txBox="1"/>
+          <p:nvPr>
+            <p:ph type="title"/>
+          </p:nvPr>
+        </p:nvSpPr>
+        <p:spPr>
+          <a:xfrm>
+            <a:off x="311700" y="445025"/>
+            <a:ext cx="8520600" cy="572700"/>
+          </a:xfrm>
+          <a:prstGeom prst="rect">
+            <a:avLst/>
+          </a:prstGeom>
+          <a:solidFill>
+            <a:srgbClr val="38761D"/>
+          </a:solidFill>
+        </p:spPr>
+        <p:txBody>
+          <a:bodyPr anchorCtr="0" anchor="t" bIns="91425" lIns="91425" rIns="91425" tIns="91425">
+            <a:noAutofit/>
+          </a:bodyPr>
+          <a:lstStyle/>
+          <a:p>
+            <a:pPr lvl="0" rtl="0">
+              <a:spcBef>
+                <a:spcPts val="0"/>
+              </a:spcBef>
+              <a:buNone/>
+            </a:pPr>
+            <a:r>
+              <a:rPr lang="en">
+                <a:solidFill>
+                  <a:srgbClr val="FFFFFF"/>
+                </a:solidFill>
+              </a:rPr>
+              <a:t>Pg 62</a:t>
+            </a:r>
+          </a:p>
+        </p:txBody>
+      </p:sp>
+      <p:sp>
+        <p:nvSpPr>
+          <p:cNvPr id="215" name="Shape 215"/>
+          <p:cNvSpPr txBox="1"/>
+          <p:nvPr>
+            <p:ph idx="1" type="body"/>
+          </p:nvPr>
+        </p:nvSpPr>
+        <p:spPr>
+          <a:xfrm>
+            <a:off x="311700" y="1152475"/>
+            <a:ext cx="8520600" cy="3416400"/>
+          </a:xfrm>
+          <a:prstGeom prst="rect">
+            <a:avLst/>
+          </a:prstGeom>
+          <a:solidFill>
+            <a:srgbClr val="38761D"/>
+          </a:solidFill>
+        </p:spPr>
+        <p:txBody>
+          <a:bodyPr anchorCtr="0" anchor="t" bIns="91425" lIns="91425" rIns="91425" tIns="91425">
+            <a:noAutofit/>
+          </a:bodyPr>
+          <a:lstStyle/>
+          <a:p>
+            <a:pPr indent="-381000" lvl="0" marL="457200" rtl="0" algn="r">
+              <a:spcBef>
+                <a:spcPts val="0"/>
+              </a:spcBef>
+              <a:buClr>
+                <a:srgbClr val="FFFFFF"/>
+              </a:buClr>
+              <a:buSzPct val="100000"/>
+            </a:pPr>
+            <a:r>
+              <a:rPr lang="en" sz="2400">
+                <a:solidFill>
+                  <a:srgbClr val="FFFFFF"/>
+                </a:solidFill>
+              </a:rPr>
+              <a:t>Juxtaposition of movement and stais of human body is what the movie is about</a:t>
+            </a:r>
+          </a:p>
+          <a:p>
+            <a:pPr indent="-381000" lvl="0" marL="457200" rtl="0" algn="r">
+              <a:spcBef>
+                <a:spcPts val="0"/>
+              </a:spcBef>
+              <a:buClr>
+                <a:srgbClr val="FFFFFF"/>
+              </a:buClr>
+              <a:buSzPct val="100000"/>
+            </a:pPr>
+            <a:r>
+              <a:rPr lang="en" sz="2400">
+                <a:solidFill>
+                  <a:srgbClr val="FFFFFF"/>
+                </a:solidFill>
+              </a:rPr>
+              <a:t>Stais - Vasyl sister sitting next to a giant sunflower,faces of villagers as they wait for delivery</a:t>
+            </a:r>
+          </a:p>
+          <a:p>
+            <a:pPr indent="-381000" lvl="0" marL="457200" rtl="0" algn="r">
+              <a:spcBef>
+                <a:spcPts val="0"/>
+              </a:spcBef>
+              <a:buClr>
+                <a:srgbClr val="FFFFFF"/>
+              </a:buClr>
+              <a:buSzPct val="100000"/>
+            </a:pPr>
+            <a:r>
+              <a:rPr lang="en" sz="2400">
+                <a:solidFill>
+                  <a:srgbClr val="FFFFFF"/>
+                </a:solidFill>
+              </a:rPr>
+              <a:t>Movement- from choreography (Vasyl dancing)to spontaneous,(ppl freeruning everywhere…)</a:t>
+            </a:r>
+          </a:p>
+        </p:txBody>
+      </p:sp>
+    </p:spTree>
+  </p:cSld>
+  <p:clrMapOvr>
+    <a:masterClrMapping/>
+  </p:clrMapOvr>
+</p:sld>
+</file>
+
+<file path=ppt/slides/slide28.xml><?xml version="1.0" encoding="utf-8"?>
+<p:sld xmlns:a="http://schemas.openxmlformats.org/drawingml/2006/main" xmlns:r="http://schemas.openxmlformats.org/officeDocument/2006/relationships" xmlns:mc="http://schemas.openxmlformats.org/markup-compatibility/2006" xmlns:mv="urn:schemas-microsoft-com:mac:vml" xmlns:p="http://schemas.openxmlformats.org/presentationml/2006/main" xmlns:c="http://schemas.openxmlformats.org/drawingml/2006/chart" xmlns:dgm="http://schemas.openxmlformats.org/drawingml/2006/diagram" xmlns:o="urn:schemas-microsoft-com:office:office" xmlns:v="urn:schemas-microsoft-com:vml" xmlns:pvml="urn:schemas-microsoft-com:office:powerpoint" xmlns:com="http://schemas.openxmlformats.org/drawingml/2006/compatibility" xmlns:p14="http://schemas.microsoft.com/office/powerpoint/2010/main">
+  <p:cSld>
+    <p:spTree>
+      <p:nvGrpSpPr>
+        <p:cNvPr id="219" name="Shape 219"/>
+        <p:cNvGrpSpPr/>
+        <p:nvPr/>
+      </p:nvGrpSpPr>
+      <p:grpSpPr>
+        <a:xfrm>
+          <a:off x="0" y="0"/>
+          <a:ext cx="0" cy="0"/>
+          <a:chOff x="0" y="0"/>
+          <a:chExt cx="0" cy="0"/>
+        </a:xfrm>
+      </p:grpSpPr>
+      <p:sp>
+        <p:nvSpPr>
+          <p:cNvPr id="220" name="Shape 220"/>
+          <p:cNvSpPr txBox="1"/>
+          <p:nvPr>
+            <p:ph type="title"/>
+          </p:nvPr>
+        </p:nvSpPr>
+        <p:spPr>
+          <a:xfrm>
+            <a:off x="311700" y="445025"/>
+            <a:ext cx="8520600" cy="572700"/>
+          </a:xfrm>
+          <a:prstGeom prst="rect">
+            <a:avLst/>
+          </a:prstGeom>
+          <a:solidFill>
+            <a:srgbClr val="38761D"/>
+          </a:solidFill>
+        </p:spPr>
+        <p:txBody>
+          <a:bodyPr anchorCtr="0" anchor="t" bIns="91425" lIns="91425" rIns="91425" tIns="91425">
+            <a:noAutofit/>
+          </a:bodyPr>
+          <a:lstStyle/>
+          <a:p>
+            <a:pPr lvl="0" rtl="0">
+              <a:spcBef>
+                <a:spcPts val="0"/>
+              </a:spcBef>
+              <a:buNone/>
+            </a:pPr>
+            <a:r>
+              <a:rPr lang="en">
+                <a:solidFill>
+                  <a:srgbClr val="FFFFFF"/>
+                </a:solidFill>
+              </a:rPr>
+              <a:t>Pg 63</a:t>
+            </a:r>
+          </a:p>
+        </p:txBody>
+      </p:sp>
+      <p:sp>
+        <p:nvSpPr>
+          <p:cNvPr id="221" name="Shape 221"/>
+          <p:cNvSpPr txBox="1"/>
+          <p:nvPr>
+            <p:ph idx="1" type="body"/>
+          </p:nvPr>
+        </p:nvSpPr>
+        <p:spPr>
+          <a:xfrm>
+            <a:off x="311700" y="1152475"/>
+            <a:ext cx="8520600" cy="3417600"/>
+          </a:xfrm>
+          <a:prstGeom prst="rect">
+            <a:avLst/>
+          </a:prstGeom>
+          <a:solidFill>
+            <a:srgbClr val="38761D"/>
+          </a:solidFill>
+        </p:spPr>
+        <p:txBody>
+          <a:bodyPr anchorCtr="0" anchor="t" bIns="91425" lIns="91425" rIns="91425" tIns="91425">
+            <a:noAutofit/>
+          </a:bodyPr>
+          <a:lstStyle/>
+          <a:p>
+            <a:pPr indent="-381000" lvl="0" marL="457200" rtl="0" algn="r">
+              <a:spcBef>
+                <a:spcPts val="0"/>
+              </a:spcBef>
+              <a:buClr>
+                <a:srgbClr val="FFFFFF"/>
+              </a:buClr>
+              <a:buSzPct val="100000"/>
+            </a:pPr>
+            <a:r>
+              <a:rPr lang="en" sz="2400">
+                <a:solidFill>
+                  <a:srgbClr val="FFFFFF"/>
+                </a:solidFill>
+              </a:rPr>
+              <a:t>Dove was interested in human movement, because he wanted to express poetry</a:t>
+            </a:r>
+          </a:p>
+          <a:p>
+            <a:pPr indent="-381000" lvl="0" marL="457200" rtl="0" algn="r">
+              <a:spcBef>
+                <a:spcPts val="0"/>
+              </a:spcBef>
+              <a:buClr>
+                <a:srgbClr val="FFFFFF"/>
+              </a:buClr>
+              <a:buSzPct val="100000"/>
+            </a:pPr>
+            <a:r>
+              <a:rPr lang="en" sz="2400">
+                <a:solidFill>
+                  <a:srgbClr val="FFFFFF"/>
+                </a:solidFill>
+              </a:rPr>
+              <a:t>By using plasticity, he encourgaed his co-workers to do the same in their own work</a:t>
+            </a:r>
+          </a:p>
+          <a:p>
+            <a:pPr indent="-381000" lvl="0" marL="457200" rtl="0" algn="r">
+              <a:spcBef>
+                <a:spcPts val="0"/>
+              </a:spcBef>
+              <a:buClr>
+                <a:srgbClr val="FFFFFF"/>
+              </a:buClr>
+              <a:buSzPct val="100000"/>
+            </a:pPr>
+            <a:r>
+              <a:rPr lang="en" sz="2400">
+                <a:solidFill>
+                  <a:srgbClr val="FFFFFF"/>
+                </a:solidFill>
+              </a:rPr>
+              <a:t>He used dance to express emotion</a:t>
+            </a:r>
+          </a:p>
+          <a:p>
+            <a:pPr indent="-381000" lvl="0" marL="457200" rtl="0" algn="r">
+              <a:spcBef>
+                <a:spcPts val="0"/>
+              </a:spcBef>
+              <a:buClr>
+                <a:srgbClr val="FFFFFF"/>
+              </a:buClr>
+              <a:buSzPct val="100000"/>
+            </a:pPr>
+            <a:r>
+              <a:rPr lang="en" sz="2400">
+                <a:solidFill>
+                  <a:srgbClr val="FFFFFF"/>
+                </a:solidFill>
+              </a:rPr>
+              <a:t>Vasyl dancing was the keystone of the film </a:t>
+            </a:r>
+          </a:p>
+          <a:p>
+            <a:pPr indent="-381000" lvl="0" marL="457200" rtl="0" algn="r">
+              <a:spcBef>
+                <a:spcPts val="0"/>
+              </a:spcBef>
+              <a:buClr>
+                <a:srgbClr val="FFFFFF"/>
+              </a:buClr>
+              <a:buSzPct val="100000"/>
+            </a:pPr>
+            <a:r>
+              <a:rPr lang="en" sz="2400">
+                <a:solidFill>
+                  <a:srgbClr val="FFFFFF"/>
+                </a:solidFill>
+              </a:rPr>
+              <a:t>He danced like a Cossack, they dance w/ vitality as they tend to stomp the floor hard like beaver buck teeth on wood</a:t>
+            </a:r>
+          </a:p>
+        </p:txBody>
+      </p:sp>
+    </p:spTree>
+  </p:cSld>
+  <p:clrMapOvr>
+    <a:masterClrMapping/>
+  </p:clrMapOvr>
+</p:sld>
+</file>
+
+<file path=ppt/slides/slide29.xml><?xml version="1.0" encoding="utf-8"?>
+<p:sld xmlns:a="http://schemas.openxmlformats.org/drawingml/2006/main" xmlns:r="http://schemas.openxmlformats.org/officeDocument/2006/relationships" xmlns:mc="http://schemas.openxmlformats.org/markup-compatibility/2006" xmlns:mv="urn:schemas-microsoft-com:mac:vml" xmlns:p="http://schemas.openxmlformats.org/presentationml/2006/main" xmlns:c="http://schemas.openxmlformats.org/drawingml/2006/chart" xmlns:dgm="http://schemas.openxmlformats.org/drawingml/2006/diagram" xmlns:o="urn:schemas-microsoft-com:office:office" xmlns:v="urn:schemas-microsoft-com:vml" xmlns:pvml="urn:schemas-microsoft-com:office:powerpoint" xmlns:com="http://schemas.openxmlformats.org/drawingml/2006/compatibility" xmlns:p14="http://schemas.microsoft.com/office/powerpoint/2010/main">
+  <p:cSld>
+    <p:spTree>
+      <p:nvGrpSpPr>
+        <p:cNvPr id="225" name="Shape 225"/>
+        <p:cNvGrpSpPr/>
+        <p:nvPr/>
+      </p:nvGrpSpPr>
+      <p:grpSpPr>
+        <a:xfrm>
+          <a:off x="0" y="0"/>
+          <a:ext cx="0" cy="0"/>
+          <a:chOff x="0" y="0"/>
+          <a:chExt cx="0" cy="0"/>
+        </a:xfrm>
+      </p:grpSpPr>
+      <p:sp>
+        <p:nvSpPr>
+          <p:cNvPr id="226" name="Shape 226"/>
+          <p:cNvSpPr txBox="1"/>
+          <p:nvPr>
+            <p:ph type="title"/>
+          </p:nvPr>
+        </p:nvSpPr>
+        <p:spPr>
+          <a:xfrm>
+            <a:off x="311700" y="445025"/>
+            <a:ext cx="8520600" cy="572700"/>
+          </a:xfrm>
+          <a:prstGeom prst="rect">
+            <a:avLst/>
+          </a:prstGeom>
+          <a:solidFill>
+            <a:srgbClr val="38761D"/>
+          </a:solidFill>
+        </p:spPr>
+        <p:txBody>
+          <a:bodyPr anchorCtr="0" anchor="t" bIns="91425" lIns="91425" rIns="91425" tIns="91425">
+            <a:noAutofit/>
+          </a:bodyPr>
+          <a:lstStyle/>
+          <a:p>
+            <a:pPr lvl="0" rtl="0">
+              <a:spcBef>
+                <a:spcPts val="0"/>
+              </a:spcBef>
+              <a:buNone/>
+            </a:pPr>
+            <a:r>
+              <a:rPr lang="en">
+                <a:solidFill>
+                  <a:srgbClr val="FFFFFF"/>
+                </a:solidFill>
+              </a:rPr>
+              <a:t>Pg 64</a:t>
+            </a:r>
+          </a:p>
+        </p:txBody>
+      </p:sp>
+      <p:sp>
+        <p:nvSpPr>
+          <p:cNvPr id="227" name="Shape 227"/>
+          <p:cNvSpPr txBox="1"/>
+          <p:nvPr>
+            <p:ph idx="1" type="body"/>
+          </p:nvPr>
+        </p:nvSpPr>
+        <p:spPr>
+          <a:xfrm>
+            <a:off x="311700" y="1152475"/>
+            <a:ext cx="8520600" cy="3416400"/>
+          </a:xfrm>
+          <a:prstGeom prst="rect">
+            <a:avLst/>
+          </a:prstGeom>
+          <a:solidFill>
+            <a:srgbClr val="38761D"/>
+          </a:solidFill>
+        </p:spPr>
+        <p:txBody>
+          <a:bodyPr anchorCtr="0" anchor="t" bIns="91425" lIns="91425" rIns="91425" tIns="91425">
+            <a:noAutofit/>
+          </a:bodyPr>
+          <a:lstStyle/>
+          <a:p>
+            <a:pPr indent="-381000" lvl="0" marL="457200" rtl="0" algn="r">
+              <a:spcBef>
+                <a:spcPts val="0"/>
+              </a:spcBef>
+              <a:buClr>
+                <a:srgbClr val="FFFFFF"/>
+              </a:buClr>
+              <a:buSzPct val="100000"/>
+            </a:pPr>
+            <a:r>
+              <a:rPr lang="en" sz="2400">
+                <a:solidFill>
+                  <a:srgbClr val="FFFFFF"/>
+                </a:solidFill>
+              </a:rPr>
+              <a:t>It was not accident that the fiiiilm was soft focus it was an aesthetic during the time period</a:t>
+            </a:r>
+          </a:p>
+          <a:p>
+            <a:pPr indent="-381000" lvl="0" marL="457200" rtl="0" algn="r">
+              <a:spcBef>
+                <a:spcPts val="0"/>
+              </a:spcBef>
+              <a:buClr>
+                <a:srgbClr val="FFFFFF"/>
+              </a:buClr>
+              <a:buSzPct val="100000"/>
+            </a:pPr>
+            <a:r>
+              <a:rPr lang="en" sz="2400">
+                <a:solidFill>
+                  <a:srgbClr val="FFFFFF"/>
+                </a:solidFill>
+              </a:rPr>
+              <a:t>That is why the dancing scene is so dream-like</a:t>
+            </a:r>
+          </a:p>
+        </p:txBody>
+      </p:sp>
+    </p:spTree>
+  </p:cSld>
+  <p:clrMapOvr>
+    <a:masterClrMapping/>
+  </p:clrMapOvr>
+</p:sld>
+</file>
+
 <file path=ppt/slides/slide3.xml><?xml version="1.0" encoding="utf-8"?>
 <p:sld xmlns:a="http://schemas.openxmlformats.org/drawingml/2006/main" xmlns:r="http://schemas.openxmlformats.org/officeDocument/2006/relationships" xmlns:mc="http://schemas.openxmlformats.org/markup-compatibility/2006" xmlns:mv="urn:schemas-microsoft-com:mac:vml" xmlns:p="http://schemas.openxmlformats.org/presentationml/2006/main" xmlns:c="http://schemas.openxmlformats.org/drawingml/2006/chart" xmlns:dgm="http://schemas.openxmlformats.org/drawingml/2006/diagram" xmlns:o="urn:schemas-microsoft-com:office:office" xmlns:v="urn:schemas-microsoft-com:vml" xmlns:pvml="urn:schemas-microsoft-com:office:powerpoint" xmlns:com="http://schemas.openxmlformats.org/drawingml/2006/compatibility" xmlns:p14="http://schemas.microsoft.com/office/powerpoint/2010/main">
   <p:cSld>
@@ -6848,6 +10955,440 @@
               <a:t/>
             </a:r>
             <a:endParaRPr/>
+          </a:p>
+        </p:txBody>
+      </p:sp>
+    </p:spTree>
+  </p:cSld>
+  <p:clrMapOvr>
+    <a:masterClrMapping/>
+  </p:clrMapOvr>
+</p:sld>
+</file>
+
+<file path=ppt/slides/slide30.xml><?xml version="1.0" encoding="utf-8"?>
+<p:sld xmlns:a="http://schemas.openxmlformats.org/drawingml/2006/main" xmlns:r="http://schemas.openxmlformats.org/officeDocument/2006/relationships" xmlns:mc="http://schemas.openxmlformats.org/markup-compatibility/2006" xmlns:mv="urn:schemas-microsoft-com:mac:vml" xmlns:p="http://schemas.openxmlformats.org/presentationml/2006/main" xmlns:c="http://schemas.openxmlformats.org/drawingml/2006/chart" xmlns:dgm="http://schemas.openxmlformats.org/drawingml/2006/diagram" xmlns:o="urn:schemas-microsoft-com:office:office" xmlns:v="urn:schemas-microsoft-com:vml" xmlns:pvml="urn:schemas-microsoft-com:office:powerpoint" xmlns:com="http://schemas.openxmlformats.org/drawingml/2006/compatibility" xmlns:p14="http://schemas.microsoft.com/office/powerpoint/2010/main">
+  <p:cSld>
+    <p:spTree>
+      <p:nvGrpSpPr>
+        <p:cNvPr id="231" name="Shape 231"/>
+        <p:cNvGrpSpPr/>
+        <p:nvPr/>
+      </p:nvGrpSpPr>
+      <p:grpSpPr>
+        <a:xfrm>
+          <a:off x="0" y="0"/>
+          <a:ext cx="0" cy="0"/>
+          <a:chOff x="0" y="0"/>
+          <a:chExt cx="0" cy="0"/>
+        </a:xfrm>
+      </p:grpSpPr>
+      <p:sp>
+        <p:nvSpPr>
+          <p:cNvPr id="232" name="Shape 232"/>
+          <p:cNvSpPr txBox="1"/>
+          <p:nvPr>
+            <p:ph type="title"/>
+          </p:nvPr>
+        </p:nvSpPr>
+        <p:spPr>
+          <a:xfrm>
+            <a:off x="311700" y="445025"/>
+            <a:ext cx="8520600" cy="572700"/>
+          </a:xfrm>
+          <a:prstGeom prst="rect">
+            <a:avLst/>
+          </a:prstGeom>
+          <a:solidFill>
+            <a:srgbClr val="38761D"/>
+          </a:solidFill>
+        </p:spPr>
+        <p:txBody>
+          <a:bodyPr anchorCtr="0" anchor="t" bIns="91425" lIns="91425" rIns="91425" tIns="91425">
+            <a:noAutofit/>
+          </a:bodyPr>
+          <a:lstStyle/>
+          <a:p>
+            <a:pPr lvl="0" rtl="0">
+              <a:spcBef>
+                <a:spcPts val="0"/>
+              </a:spcBef>
+              <a:buNone/>
+            </a:pPr>
+            <a:r>
+              <a:rPr lang="en">
+                <a:solidFill>
+                  <a:srgbClr val="FFFFFF"/>
+                </a:solidFill>
+              </a:rPr>
+              <a:t>Pg 65</a:t>
+            </a:r>
+          </a:p>
+        </p:txBody>
+      </p:sp>
+      <p:sp>
+        <p:nvSpPr>
+          <p:cNvPr id="233" name="Shape 233"/>
+          <p:cNvSpPr txBox="1"/>
+          <p:nvPr>
+            <p:ph idx="1" type="body"/>
+          </p:nvPr>
+        </p:nvSpPr>
+        <p:spPr>
+          <a:xfrm>
+            <a:off x="311700" y="1152475"/>
+            <a:ext cx="8520600" cy="3417600"/>
+          </a:xfrm>
+          <a:prstGeom prst="rect">
+            <a:avLst/>
+          </a:prstGeom>
+          <a:solidFill>
+            <a:srgbClr val="38761D"/>
+          </a:solidFill>
+        </p:spPr>
+        <p:txBody>
+          <a:bodyPr anchorCtr="0" anchor="t" bIns="91425" lIns="91425" rIns="91425" tIns="91425">
+            <a:noAutofit/>
+          </a:bodyPr>
+          <a:lstStyle/>
+          <a:p>
+            <a:pPr indent="-381000" lvl="0" marL="457200" rtl="0" algn="r">
+              <a:spcBef>
+                <a:spcPts val="0"/>
+              </a:spcBef>
+              <a:buClr>
+                <a:srgbClr val="FFFFFF"/>
+              </a:buClr>
+              <a:buSzPct val="100000"/>
+            </a:pPr>
+            <a:r>
+              <a:rPr lang="en" sz="2400">
+                <a:solidFill>
+                  <a:srgbClr val="FFFFFF"/>
+                </a:solidFill>
+              </a:rPr>
+              <a:t>This was done in alomst every silent film in America n Europe in 1920</a:t>
+            </a:r>
+          </a:p>
+          <a:p>
+            <a:pPr indent="-381000" lvl="0" marL="457200" rtl="0" algn="r">
+              <a:spcBef>
+                <a:spcPts val="0"/>
+              </a:spcBef>
+              <a:buClr>
+                <a:srgbClr val="FFFFFF"/>
+              </a:buClr>
+              <a:buSzPct val="100000"/>
+            </a:pPr>
+            <a:r>
+              <a:rPr lang="en" sz="2400">
+                <a:solidFill>
+                  <a:srgbClr val="FFFFFF"/>
+                </a:solidFill>
+              </a:rPr>
+              <a:t>What Dove was doing was trying to make the film surreal and poetic and immersive into something new</a:t>
+            </a:r>
+          </a:p>
+          <a:p>
+            <a:pPr indent="-381000" lvl="0" marL="457200" rtl="0" algn="r">
+              <a:spcBef>
+                <a:spcPts val="0"/>
+              </a:spcBef>
+              <a:buClr>
+                <a:srgbClr val="FFFFFF"/>
+              </a:buClr>
+              <a:buSzPct val="100000"/>
+            </a:pPr>
+            <a:r>
+              <a:rPr lang="en" sz="2400">
+                <a:solidFill>
+                  <a:srgbClr val="FFFFFF"/>
+                </a:solidFill>
+              </a:rPr>
+              <a:t>They put vaseline into the lens basically because they want human the the setting to blend into each other</a:t>
+            </a:r>
+          </a:p>
+          <a:p>
+            <a:pPr indent="-381000" lvl="0" marL="457200" rtl="0" algn="r">
+              <a:spcBef>
+                <a:spcPts val="0"/>
+              </a:spcBef>
+              <a:buClr>
+                <a:srgbClr val="FFFFFF"/>
+              </a:buClr>
+              <a:buSzPct val="100000"/>
+            </a:pPr>
+            <a:r>
+              <a:rPr lang="en" sz="2400">
+                <a:solidFill>
+                  <a:srgbClr val="FFFFFF"/>
+                </a:solidFill>
+              </a:rPr>
+              <a:t>By doing that they made them glow like a dream scene </a:t>
+            </a:r>
+          </a:p>
+        </p:txBody>
+      </p:sp>
+    </p:spTree>
+  </p:cSld>
+  <p:clrMapOvr>
+    <a:masterClrMapping/>
+  </p:clrMapOvr>
+</p:sld>
+</file>
+
+<file path=ppt/slides/slide31.xml><?xml version="1.0" encoding="utf-8"?>
+<p:sld xmlns:a="http://schemas.openxmlformats.org/drawingml/2006/main" xmlns:r="http://schemas.openxmlformats.org/officeDocument/2006/relationships" xmlns:mc="http://schemas.openxmlformats.org/markup-compatibility/2006" xmlns:mv="urn:schemas-microsoft-com:mac:vml" xmlns:p="http://schemas.openxmlformats.org/presentationml/2006/main" xmlns:c="http://schemas.openxmlformats.org/drawingml/2006/chart" xmlns:dgm="http://schemas.openxmlformats.org/drawingml/2006/diagram" xmlns:o="urn:schemas-microsoft-com:office:office" xmlns:v="urn:schemas-microsoft-com:vml" xmlns:pvml="urn:schemas-microsoft-com:office:powerpoint" xmlns:com="http://schemas.openxmlformats.org/drawingml/2006/compatibility" xmlns:p14="http://schemas.microsoft.com/office/powerpoint/2010/main">
+  <p:cSld>
+    <p:spTree>
+      <p:nvGrpSpPr>
+        <p:cNvPr id="237" name="Shape 237"/>
+        <p:cNvGrpSpPr/>
+        <p:nvPr/>
+      </p:nvGrpSpPr>
+      <p:grpSpPr>
+        <a:xfrm>
+          <a:off x="0" y="0"/>
+          <a:ext cx="0" cy="0"/>
+          <a:chOff x="0" y="0"/>
+          <a:chExt cx="0" cy="0"/>
+        </a:xfrm>
+      </p:grpSpPr>
+      <p:sp>
+        <p:nvSpPr>
+          <p:cNvPr id="238" name="Shape 238"/>
+          <p:cNvSpPr txBox="1"/>
+          <p:nvPr>
+            <p:ph type="title"/>
+          </p:nvPr>
+        </p:nvSpPr>
+        <p:spPr>
+          <a:xfrm>
+            <a:off x="311700" y="445025"/>
+            <a:ext cx="8520600" cy="572700"/>
+          </a:xfrm>
+          <a:prstGeom prst="rect">
+            <a:avLst/>
+          </a:prstGeom>
+          <a:solidFill>
+            <a:srgbClr val="38761D"/>
+          </a:solidFill>
+        </p:spPr>
+        <p:txBody>
+          <a:bodyPr anchorCtr="0" anchor="t" bIns="91425" lIns="91425" rIns="91425" tIns="91425">
+            <a:noAutofit/>
+          </a:bodyPr>
+          <a:lstStyle/>
+          <a:p>
+            <a:pPr lvl="0" rtl="0">
+              <a:spcBef>
+                <a:spcPts val="0"/>
+              </a:spcBef>
+              <a:buNone/>
+            </a:pPr>
+            <a:r>
+              <a:rPr lang="en">
+                <a:solidFill>
+                  <a:srgbClr val="FFFFFF"/>
+                </a:solidFill>
+              </a:rPr>
+              <a:t>Pg 66</a:t>
+            </a:r>
+          </a:p>
+        </p:txBody>
+      </p:sp>
+      <p:sp>
+        <p:nvSpPr>
+          <p:cNvPr id="239" name="Shape 239"/>
+          <p:cNvSpPr txBox="1"/>
+          <p:nvPr>
+            <p:ph idx="1" type="body"/>
+          </p:nvPr>
+        </p:nvSpPr>
+        <p:spPr>
+          <a:xfrm>
+            <a:off x="311700" y="1152475"/>
+            <a:ext cx="8520600" cy="3417600"/>
+          </a:xfrm>
+          <a:prstGeom prst="rect">
+            <a:avLst/>
+          </a:prstGeom>
+          <a:solidFill>
+            <a:srgbClr val="38761D"/>
+          </a:solidFill>
+        </p:spPr>
+        <p:txBody>
+          <a:bodyPr anchorCtr="0" anchor="t" bIns="91425" lIns="91425" rIns="91425" tIns="91425">
+            <a:noAutofit/>
+          </a:bodyPr>
+          <a:lstStyle/>
+          <a:p>
+            <a:pPr indent="-381000" lvl="0" marL="457200" rtl="0" algn="r">
+              <a:spcBef>
+                <a:spcPts val="0"/>
+              </a:spcBef>
+              <a:buClr>
+                <a:srgbClr val="FFFFFF"/>
+              </a:buClr>
+              <a:buSzPct val="100000"/>
+            </a:pPr>
+            <a:r>
+              <a:rPr lang="en" sz="2400">
+                <a:solidFill>
+                  <a:srgbClr val="FFFFFF"/>
+                </a:solidFill>
+              </a:rPr>
+              <a:t>The movie was about coutinutity</a:t>
+            </a:r>
+          </a:p>
+          <a:p>
+            <a:pPr indent="-381000" lvl="0" marL="457200" rtl="0" algn="r">
+              <a:spcBef>
+                <a:spcPts val="0"/>
+              </a:spcBef>
+              <a:buClr>
+                <a:srgbClr val="FFFFFF"/>
+              </a:buClr>
+              <a:buSzPct val="100000"/>
+            </a:pPr>
+            <a:r>
+              <a:rPr lang="en" sz="2400">
+                <a:solidFill>
+                  <a:srgbClr val="FFFFFF"/>
+                </a:solidFill>
+              </a:rPr>
+              <a:t>In other words death a life are just part of the cycle </a:t>
+            </a:r>
+          </a:p>
+          <a:p>
+            <a:pPr indent="-381000" lvl="0" marL="457200" rtl="0" algn="r">
+              <a:spcBef>
+                <a:spcPts val="0"/>
+              </a:spcBef>
+              <a:buClr>
+                <a:srgbClr val="FFFFFF"/>
+              </a:buClr>
+              <a:buSzPct val="100000"/>
+            </a:pPr>
+            <a:r>
+              <a:rPr lang="en" sz="2400">
+                <a:solidFill>
+                  <a:srgbClr val="FFFFFF"/>
+                </a:solidFill>
+              </a:rPr>
+              <a:t>Dove missed Ukrainian folk and his movie was all about reconcling the old myths w/ the new society</a:t>
+            </a:r>
+          </a:p>
+        </p:txBody>
+      </p:sp>
+    </p:spTree>
+  </p:cSld>
+  <p:clrMapOvr>
+    <a:masterClrMapping/>
+  </p:clrMapOvr>
+</p:sld>
+</file>
+
+<file path=ppt/slides/slide32.xml><?xml version="1.0" encoding="utf-8"?>
+<p:sld xmlns:a="http://schemas.openxmlformats.org/drawingml/2006/main" xmlns:r="http://schemas.openxmlformats.org/officeDocument/2006/relationships" xmlns:mc="http://schemas.openxmlformats.org/markup-compatibility/2006" xmlns:mv="urn:schemas-microsoft-com:mac:vml" xmlns:p="http://schemas.openxmlformats.org/presentationml/2006/main" xmlns:c="http://schemas.openxmlformats.org/drawingml/2006/chart" xmlns:dgm="http://schemas.openxmlformats.org/drawingml/2006/diagram" xmlns:o="urn:schemas-microsoft-com:office:office" xmlns:v="urn:schemas-microsoft-com:vml" xmlns:pvml="urn:schemas-microsoft-com:office:powerpoint" xmlns:com="http://schemas.openxmlformats.org/drawingml/2006/compatibility" xmlns:p14="http://schemas.microsoft.com/office/powerpoint/2010/main">
+  <p:cSld>
+    <p:spTree>
+      <p:nvGrpSpPr>
+        <p:cNvPr id="243" name="Shape 243"/>
+        <p:cNvGrpSpPr/>
+        <p:nvPr/>
+      </p:nvGrpSpPr>
+      <p:grpSpPr>
+        <a:xfrm>
+          <a:off x="0" y="0"/>
+          <a:ext cx="0" cy="0"/>
+          <a:chOff x="0" y="0"/>
+          <a:chExt cx="0" cy="0"/>
+        </a:xfrm>
+      </p:grpSpPr>
+      <p:sp>
+        <p:nvSpPr>
+          <p:cNvPr id="244" name="Shape 244"/>
+          <p:cNvSpPr txBox="1"/>
+          <p:nvPr>
+            <p:ph type="title"/>
+          </p:nvPr>
+        </p:nvSpPr>
+        <p:spPr>
+          <a:xfrm>
+            <a:off x="311700" y="445025"/>
+            <a:ext cx="8520600" cy="572700"/>
+          </a:xfrm>
+          <a:prstGeom prst="rect">
+            <a:avLst/>
+          </a:prstGeom>
+          <a:solidFill>
+            <a:srgbClr val="38761D"/>
+          </a:solidFill>
+        </p:spPr>
+        <p:txBody>
+          <a:bodyPr anchorCtr="0" anchor="t" bIns="91425" lIns="91425" rIns="91425" tIns="91425">
+            <a:noAutofit/>
+          </a:bodyPr>
+          <a:lstStyle/>
+          <a:p>
+            <a:pPr lvl="0" rtl="0">
+              <a:spcBef>
+                <a:spcPts val="0"/>
+              </a:spcBef>
+              <a:buNone/>
+            </a:pPr>
+            <a:r>
+              <a:rPr lang="en">
+                <a:solidFill>
+                  <a:srgbClr val="FFFFFF"/>
+                </a:solidFill>
+              </a:rPr>
+              <a:t>Pg 67</a:t>
+            </a:r>
+          </a:p>
+        </p:txBody>
+      </p:sp>
+      <p:sp>
+        <p:nvSpPr>
+          <p:cNvPr id="245" name="Shape 245"/>
+          <p:cNvSpPr txBox="1"/>
+          <p:nvPr>
+            <p:ph idx="1" type="body"/>
+          </p:nvPr>
+        </p:nvSpPr>
+        <p:spPr>
+          <a:xfrm>
+            <a:off x="311700" y="1152475"/>
+            <a:ext cx="8520600" cy="3417600"/>
+          </a:xfrm>
+          <a:prstGeom prst="rect">
+            <a:avLst/>
+          </a:prstGeom>
+          <a:solidFill>
+            <a:srgbClr val="38761D"/>
+          </a:solidFill>
+        </p:spPr>
+        <p:txBody>
+          <a:bodyPr anchorCtr="0" anchor="t" bIns="91425" lIns="91425" rIns="91425" tIns="91425">
+            <a:noAutofit/>
+          </a:bodyPr>
+          <a:lstStyle/>
+          <a:p>
+            <a:pPr lvl="0" rtl="0" algn="ctr">
+              <a:spcBef>
+                <a:spcPts val="0"/>
+              </a:spcBef>
+              <a:buNone/>
+            </a:pPr>
+            <a:r>
+              <a:rPr lang="en" sz="3700">
+                <a:solidFill>
+                  <a:srgbClr val="FFFFFF"/>
+                </a:solidFill>
+              </a:rPr>
+              <a:t>Nothing but resources</a:t>
+            </a:r>
           </a:p>
         </p:txBody>
       </p:sp>
@@ -7083,7 +11624,7 @@
           </a:bodyPr>
           <a:lstStyle/>
           <a:p>
-            <a:pPr lvl="0" rtl="0">
+            <a:pPr lvl="0" rtl="0" algn="r">
               <a:spcBef>
                 <a:spcPts val="0"/>
               </a:spcBef>
@@ -7126,22 +11667,118 @@
           </a:bodyPr>
           <a:lstStyle/>
           <a:p>
-            <a:pPr indent="-228600" lvl="0" marL="457200" rtl="0" algn="r">
-              <a:spcBef>
-                <a:spcPts val="0"/>
-              </a:spcBef>
-              <a:buClr>
-                <a:srgbClr val="FFFFFF"/>
-              </a:buClr>
-            </a:pPr>
-            <a:r>
-              <a:t/>
-            </a:r>
-            <a:endParaRPr>
-              <a:solidFill>
-                <a:srgbClr val="FFFFFF"/>
-              </a:solidFill>
-            </a:endParaRPr>
+            <a:pPr indent="-361950" lvl="0" marL="457200" rtl="0" algn="r">
+              <a:spcBef>
+                <a:spcPts val="0"/>
+              </a:spcBef>
+              <a:buClr>
+                <a:srgbClr val="FFFFFF"/>
+              </a:buClr>
+              <a:buSzPct val="100000"/>
+            </a:pPr>
+            <a:r>
+              <a:rPr lang="en" sz="2100">
+                <a:solidFill>
+                  <a:srgbClr val="FFFFFF"/>
+                </a:solidFill>
+              </a:rPr>
+              <a:t>credits</a:t>
+            </a:r>
+          </a:p>
+          <a:p>
+            <a:pPr indent="-361950" lvl="0" marL="457200" rtl="0" algn="r">
+              <a:spcBef>
+                <a:spcPts val="0"/>
+              </a:spcBef>
+              <a:buClr>
+                <a:srgbClr val="FFFFFF"/>
+              </a:buClr>
+              <a:buSzPct val="100000"/>
+            </a:pPr>
+            <a:r>
+              <a:rPr lang="en" sz="2100">
+                <a:solidFill>
+                  <a:srgbClr val="FFFFFF"/>
+                </a:solidFill>
+              </a:rPr>
+              <a:t>you see alot of grass</a:t>
+            </a:r>
+          </a:p>
+          <a:p>
+            <a:pPr indent="-361950" lvl="0" marL="457200" rtl="0" algn="r">
+              <a:spcBef>
+                <a:spcPts val="0"/>
+              </a:spcBef>
+              <a:buClr>
+                <a:srgbClr val="FFFFFF"/>
+              </a:buClr>
+              <a:buSzPct val="100000"/>
+            </a:pPr>
+            <a:r>
+              <a:rPr lang="en" sz="2100">
+                <a:solidFill>
+                  <a:srgbClr val="FFFFFF"/>
+                </a:solidFill>
+              </a:rPr>
+              <a:t>a girl sits next to a sunflower </a:t>
+            </a:r>
+          </a:p>
+          <a:p>
+            <a:pPr indent="-361950" lvl="0" marL="457200" rtl="0" algn="r">
+              <a:spcBef>
+                <a:spcPts val="0"/>
+              </a:spcBef>
+              <a:buClr>
+                <a:srgbClr val="FFFFFF"/>
+              </a:buClr>
+              <a:buSzPct val="100000"/>
+            </a:pPr>
+            <a:r>
+              <a:rPr lang="en" sz="2100">
+                <a:solidFill>
+                  <a:srgbClr val="FFFFFF"/>
+                </a:solidFill>
+              </a:rPr>
+              <a:t>Petro is sitting w:Semion who tells him tht he is dying, they r both old men</a:t>
+            </a:r>
+          </a:p>
+          <a:p>
+            <a:pPr indent="-361950" lvl="0" marL="457200" rtl="0" algn="r">
+              <a:spcBef>
+                <a:spcPts val="0"/>
+              </a:spcBef>
+              <a:buClr>
+                <a:srgbClr val="FFFFFF"/>
+              </a:buClr>
+              <a:buSzPct val="100000"/>
+            </a:pPr>
+            <a:r>
+              <a:rPr lang="en" sz="2100">
+                <a:solidFill>
+                  <a:srgbClr val="FFFFFF"/>
+                </a:solidFill>
+              </a:rPr>
+              <a:t>a man a elderly woman another man and a baby are displayed </a:t>
+            </a:r>
+          </a:p>
+          <a:p>
+            <a:pPr indent="-361950" lvl="0" marL="457200" rtl="0" algn="r">
+              <a:spcBef>
+                <a:spcPts val="0"/>
+              </a:spcBef>
+              <a:buClr>
+                <a:srgbClr val="FFFFFF"/>
+              </a:buClr>
+              <a:buSzPct val="100000"/>
+            </a:pPr>
+            <a:r>
+              <a:rPr lang="en" sz="2100">
+                <a:solidFill>
+                  <a:srgbClr val="FFFFFF"/>
+                </a:solidFill>
+              </a:rPr>
+              <a:t>Petro tells Semion to die and tell him ( somehow ) if hes in heaven or hell...</a:t>
+            </a:r>
           </a:p>
         </p:txBody>
       </p:sp>
@@ -7180,81 +11817,8 @@
         </p:nvSpPr>
         <p:spPr>
           <a:xfrm>
-            <a:off x="265500" y="1233175"/>
-            <a:ext cx="4045200" cy="1482300"/>
-          </a:xfrm>
-          <a:prstGeom prst="rect">
-            <a:avLst/>
-          </a:prstGeom>
-          <a:solidFill>
-            <a:srgbClr val="38761D"/>
-          </a:solidFill>
-          <a:ln cap="flat" cmpd="sng" w="9525">
-            <a:solidFill>
-              <a:srgbClr val="6AA84F"/>
-            </a:solidFill>
-            <a:prstDash val="solid"/>
-            <a:round/>
-            <a:headEnd len="med" w="med" type="none"/>
-            <a:tailEnd len="med" w="med" type="none"/>
-          </a:ln>
-        </p:spPr>
-        <p:txBody>
-          <a:bodyPr anchorCtr="0" anchor="b" bIns="91425" lIns="91425" rIns="91425" tIns="91425">
-            <a:noAutofit/>
-          </a:bodyPr>
-          <a:lstStyle/>
-          <a:p>
-            <a:pPr lvl="0">
-              <a:spcBef>
-                <a:spcPts val="0"/>
-              </a:spcBef>
-              <a:buClr>
-                <a:schemeClr val="dk1"/>
-              </a:buClr>
-              <a:buSzPct val="52380"/>
-              <a:buFont typeface="Arial"/>
-              <a:buNone/>
-            </a:pPr>
-            <a:r>
-              <a:rPr lang="en" sz="2100">
-                <a:solidFill>
-                  <a:srgbClr val="FFFFFF"/>
-                </a:solidFill>
-              </a:rPr>
-              <a:t>Beumers’s Cinema, Phil Cavendish, “EARTH,” 57–68</a:t>
-            </a:r>
-          </a:p>
-          <a:p>
-            <a:pPr lvl="0" rtl="0">
-              <a:spcBef>
-                <a:spcPts val="0"/>
-              </a:spcBef>
-              <a:buNone/>
-            </a:pPr>
-            <a:r>
-              <a:t/>
-            </a:r>
-            <a:endParaRPr sz="2200">
-              <a:solidFill>
-                <a:srgbClr val="FFFFFF"/>
-              </a:solidFill>
-            </a:endParaRPr>
-          </a:p>
-        </p:txBody>
-      </p:sp>
-      <p:sp>
-        <p:nvSpPr>
-          <p:cNvPr id="87" name="Shape 87"/>
-          <p:cNvSpPr txBox="1"/>
-          <p:nvPr>
-            <p:ph idx="1" type="subTitle"/>
-          </p:nvPr>
-        </p:nvSpPr>
-        <p:spPr>
-          <a:xfrm>
-            <a:off x="265500" y="2803075"/>
-            <a:ext cx="4045200" cy="1235100"/>
+            <a:off x="311700" y="445025"/>
+            <a:ext cx="8520600" cy="572700"/>
           </a:xfrm>
           <a:prstGeom prst="rect">
             <a:avLst/>
@@ -7269,60 +11833,204 @@
           </a:bodyPr>
           <a:lstStyle/>
           <a:p>
-            <a:pPr lvl="0" rtl="0">
+            <a:pPr lvl="0" rtl="0" algn="r">
               <a:spcBef>
                 <a:spcPts val="0"/>
               </a:spcBef>
               <a:buNone/>
             </a:pPr>
             <a:r>
-              <a:t/>
-            </a:r>
-            <a:endParaRPr>
-              <a:solidFill>
-                <a:srgbClr val="FFFFFF"/>
-              </a:solidFill>
-            </a:endParaRPr>
-          </a:p>
-        </p:txBody>
-      </p:sp>
-      <p:sp>
-        <p:nvSpPr>
-          <p:cNvPr id="88" name="Shape 88"/>
+              <a:rPr lang="en">
+                <a:solidFill>
+                  <a:srgbClr val="FFFFFF"/>
+                </a:solidFill>
+              </a:rPr>
+              <a:t>10 </a:t>
+            </a:r>
+            <a:r>
+              <a:rPr lang="en">
+                <a:solidFill>
+                  <a:srgbClr val="FFFFFF"/>
+                </a:solidFill>
+              </a:rPr>
+              <a:t>min</a:t>
+            </a:r>
+          </a:p>
+        </p:txBody>
+      </p:sp>
+      <p:sp>
+        <p:nvSpPr>
+          <p:cNvPr id="87" name="Shape 87"/>
           <p:cNvSpPr txBox="1"/>
           <p:nvPr>
-            <p:ph idx="2" type="body"/>
-          </p:nvPr>
-        </p:nvSpPr>
-        <p:spPr>
-          <a:xfrm>
-            <a:off x="4939500" y="724075"/>
-            <a:ext cx="3837000" cy="3695100"/>
-          </a:xfrm>
-          <a:prstGeom prst="rect">
-            <a:avLst/>
-          </a:prstGeom>
-        </p:spPr>
-        <p:txBody>
-          <a:bodyPr anchorCtr="0" anchor="ctr" bIns="91425" lIns="91425" rIns="91425" tIns="91425">
+            <p:ph idx="1" type="body"/>
+          </p:nvPr>
+        </p:nvSpPr>
+        <p:spPr>
+          <a:xfrm>
+            <a:off x="311700" y="1152475"/>
+            <a:ext cx="8520600" cy="3416400"/>
+          </a:xfrm>
+          <a:prstGeom prst="rect">
+            <a:avLst/>
+          </a:prstGeom>
+          <a:solidFill>
+            <a:srgbClr val="38761D"/>
+          </a:solidFill>
+        </p:spPr>
+        <p:txBody>
+          <a:bodyPr anchorCtr="0" anchor="t" bIns="91425" lIns="91425" rIns="91425" tIns="91425">
             <a:noAutofit/>
           </a:bodyPr>
           <a:lstStyle/>
           <a:p>
-            <a:pPr lvl="0" rtl="0">
+            <a:pPr indent="-349250" lvl="0" marL="457200" rtl="0" algn="r">
+              <a:spcBef>
+                <a:spcPts val="0"/>
+              </a:spcBef>
+              <a:buClr>
+                <a:srgbClr val="FFFFFF"/>
+              </a:buClr>
+              <a:buSzPct val="100000"/>
+            </a:pPr>
+            <a:r>
+              <a:rPr lang="en" sz="1900">
+                <a:solidFill>
+                  <a:srgbClr val="FFFFFF"/>
+                </a:solidFill>
+              </a:rPr>
+              <a:t>a man and his grandfather talk</a:t>
+            </a:r>
+          </a:p>
+          <a:p>
+            <a:pPr indent="-349250" lvl="0" marL="457200" rtl="0" algn="r">
+              <a:spcBef>
+                <a:spcPts val="0"/>
+              </a:spcBef>
+              <a:buClr>
+                <a:srgbClr val="FFFFFF"/>
+              </a:buClr>
+              <a:buSzPct val="100000"/>
+            </a:pPr>
+            <a:r>
+              <a:rPr lang="en" sz="1900">
+                <a:solidFill>
+                  <a:srgbClr val="FFFFFF"/>
+                </a:solidFill>
+              </a:rPr>
+              <a:t>they say that Semion plowed oxen fr 75 yrs, he deserves to be agricultural commissioner </a:t>
+            </a:r>
+          </a:p>
+          <a:p>
+            <a:pPr indent="-349250" lvl="0" marL="457200" rtl="0" algn="r">
+              <a:spcBef>
+                <a:spcPts val="0"/>
+              </a:spcBef>
+              <a:buClr>
+                <a:srgbClr val="FFFFFF"/>
+              </a:buClr>
+              <a:buSzPct val="100000"/>
+            </a:pPr>
+            <a:r>
+              <a:rPr lang="en" sz="1900">
+                <a:solidFill>
+                  <a:srgbClr val="FFFFFF"/>
+                </a:solidFill>
+              </a:rPr>
+              <a:t>Semion somehow wakes up among rocks and he is with the ppl(dint he die or he just went to sleep)</a:t>
+            </a:r>
+          </a:p>
+          <a:p>
+            <a:pPr indent="-349250" lvl="0" marL="457200" rtl="0" algn="r">
+              <a:spcBef>
+                <a:spcPts val="0"/>
+              </a:spcBef>
+              <a:buClr>
+                <a:srgbClr val="FFFFFF"/>
+              </a:buClr>
+              <a:buSzPct val="100000"/>
+            </a:pPr>
+            <a:r>
+              <a:rPr lang="en" sz="1900">
+                <a:solidFill>
+                  <a:srgbClr val="FFFFFF"/>
+                </a:solidFill>
+              </a:rPr>
+              <a:t>he asks for food and he is given</a:t>
+            </a:r>
+          </a:p>
+          <a:p>
+            <a:pPr indent="-349250" lvl="0" marL="457200" rtl="0" algn="r">
+              <a:spcBef>
+                <a:spcPts val="0"/>
+              </a:spcBef>
+              <a:buClr>
+                <a:srgbClr val="FFFFFF"/>
+              </a:buClr>
+              <a:buSzPct val="100000"/>
+            </a:pPr>
+            <a:r>
+              <a:rPr lang="en" sz="1900">
+                <a:solidFill>
+                  <a:srgbClr val="FFFFFF"/>
+                </a:solidFill>
+              </a:rPr>
+              <a:t>he sees his family and tells everyone to live well tht he is dying</a:t>
+            </a:r>
+          </a:p>
+          <a:p>
+            <a:pPr indent="-349250" lvl="0" marL="457200" rtl="0" algn="r">
+              <a:spcBef>
+                <a:spcPts val="0"/>
+              </a:spcBef>
+              <a:buClr>
+                <a:srgbClr val="FFFFFF"/>
+              </a:buClr>
+              <a:buSzPct val="100000"/>
+            </a:pPr>
+            <a:r>
+              <a:rPr lang="en" sz="1900">
+                <a:solidFill>
+                  <a:srgbClr val="FFFFFF"/>
+                </a:solidFill>
+              </a:rPr>
+              <a:t>he slowly lies back down on the stones</a:t>
+            </a:r>
+          </a:p>
+          <a:p>
+            <a:pPr indent="-349250" lvl="0" marL="457200" rtl="0" algn="r">
+              <a:spcBef>
+                <a:spcPts val="0"/>
+              </a:spcBef>
+              <a:buClr>
+                <a:srgbClr val="FFFFFF"/>
+              </a:buClr>
+              <a:buSzPct val="100000"/>
+            </a:pPr>
+            <a:r>
+              <a:rPr lang="en" sz="1900">
+                <a:solidFill>
+                  <a:srgbClr val="FFFFFF"/>
+                </a:solidFill>
+              </a:rPr>
+              <a:t>so the family went for a picnic</a:t>
+            </a:r>
+          </a:p>
+          <a:p>
+            <a:pPr lvl="0" rtl="0" algn="r">
               <a:spcBef>
                 <a:spcPts val="0"/>
               </a:spcBef>
               <a:buNone/>
             </a:pPr>
             <a:r>
-              <a:rPr lang="en" sz="2700">
-                <a:solidFill>
-                  <a:srgbClr val="000000"/>
-                </a:solidFill>
-              </a:rPr>
-              <a:t>EVERY PARAGRAPH</a:t>
-            </a:r>
+              <a:t/>
+            </a:r>
+            <a:endParaRPr sz="1900">
+              <a:solidFill>
+                <a:srgbClr val="FFFFFF"/>
+              </a:solidFill>
+            </a:endParaRPr>
           </a:p>
         </p:txBody>
       </p:sp>
@@ -7339,7 +12047,7 @@
   <p:cSld>
     <p:spTree>
       <p:nvGrpSpPr>
-        <p:cNvPr id="92" name="Shape 92"/>
+        <p:cNvPr id="91" name="Shape 91"/>
         <p:cNvGrpSpPr/>
         <p:nvPr/>
       </p:nvGrpSpPr>
@@ -7353,7 +12061,7 @@
       </p:grpSpPr>
       <p:sp>
         <p:nvSpPr>
-          <p:cNvPr id="93" name="Shape 93"/>
+          <p:cNvPr id="92" name="Shape 92"/>
           <p:cNvSpPr txBox="1"/>
           <p:nvPr>
             <p:ph type="title"/>
@@ -7377,7 +12085,7 @@
           </a:bodyPr>
           <a:lstStyle/>
           <a:p>
-            <a:pPr lvl="0" rtl="0">
+            <a:pPr lvl="0" rtl="0" algn="r">
               <a:spcBef>
                 <a:spcPts val="0"/>
               </a:spcBef>
@@ -7389,14 +12097,14 @@
                   <a:srgbClr val="FFFFFF"/>
                 </a:solidFill>
               </a:rPr>
-              <a:t>Pg 57</a:t>
-            </a:r>
-          </a:p>
-        </p:txBody>
-      </p:sp>
-      <p:sp>
-        <p:nvSpPr>
-          <p:cNvPr id="94" name="Shape 94"/>
+              <a:t>15 min</a:t>
+            </a:r>
+          </a:p>
+        </p:txBody>
+      </p:sp>
+      <p:sp>
+        <p:nvSpPr>
+          <p:cNvPr id="93" name="Shape 93"/>
           <p:cNvSpPr txBox="1"/>
           <p:nvPr>
             <p:ph idx="1" type="body"/>
@@ -7420,41 +12128,98 @@
           </a:bodyPr>
           <a:lstStyle/>
           <a:p>
-            <a:pPr indent="-381000" lvl="0" marL="457200" rtl="0" algn="r">
-              <a:spcBef>
-                <a:spcPts val="0"/>
-              </a:spcBef>
-              <a:buClr>
-                <a:srgbClr val="FFFFFF"/>
-              </a:buClr>
-              <a:buSzPct val="100000"/>
-            </a:pPr>
-            <a:r>
-              <a:rPr lang="en" sz="2400">
-                <a:solidFill>
-                  <a:srgbClr val="FFFFFF"/>
-                </a:solidFill>
-              </a:rPr>
-              <a:t>Alexander Dovzhenko(1894-1956) was skeptical about cimena he said ppl will soon enjoy it than be changed  by it</a:t>
-            </a:r>
-          </a:p>
-          <a:p>
-            <a:pPr indent="-381000" lvl="0" marL="457200" rtl="0" algn="r">
-              <a:spcBef>
-                <a:spcPts val="0"/>
-              </a:spcBef>
-              <a:buClr>
-                <a:srgbClr val="FFFFFF"/>
-              </a:buClr>
-              <a:buSzPct val="100000"/>
-            </a:pPr>
-            <a:r>
-              <a:rPr lang="en" sz="2400">
-                <a:solidFill>
-                  <a:srgbClr val="FFFFFF"/>
-                </a:solidFill>
-              </a:rPr>
-              <a:t>We will be calling him Dove to save space</a:t>
+            <a:pPr indent="-349250" lvl="0" marL="457200" rtl="0" algn="r">
+              <a:spcBef>
+                <a:spcPts val="0"/>
+              </a:spcBef>
+              <a:buClr>
+                <a:srgbClr val="FFFFFF"/>
+              </a:buClr>
+              <a:buSzPct val="100000"/>
+            </a:pPr>
+            <a:r>
+              <a:rPr lang="en" sz="1900">
+                <a:solidFill>
+                  <a:srgbClr val="FFFFFF"/>
+                </a:solidFill>
+              </a:rPr>
+              <a:t>Semion must be lying among grapes he was still breathing </a:t>
+            </a:r>
+          </a:p>
+          <a:p>
+            <a:pPr indent="-349250" lvl="0" marL="457200" rtl="0" algn="r">
+              <a:spcBef>
+                <a:spcPts val="0"/>
+              </a:spcBef>
+              <a:buClr>
+                <a:srgbClr val="FFFFFF"/>
+              </a:buClr>
+              <a:buSzPct val="100000"/>
+            </a:pPr>
+            <a:r>
+              <a:rPr lang="en" sz="1900">
+                <a:solidFill>
+                  <a:srgbClr val="FFFFFF"/>
+                </a:solidFill>
+              </a:rPr>
+              <a:t>ppl are crying and losing their minds most likely because Semion had died</a:t>
+            </a:r>
+          </a:p>
+          <a:p>
+            <a:pPr indent="-349250" lvl="0" marL="457200" rtl="0" algn="r">
+              <a:spcBef>
+                <a:spcPts val="0"/>
+              </a:spcBef>
+              <a:buClr>
+                <a:srgbClr val="FFFFFF"/>
+              </a:buClr>
+              <a:buSzPct val="100000"/>
+            </a:pPr>
+            <a:r>
+              <a:rPr lang="en" sz="1900">
+                <a:solidFill>
+                  <a:srgbClr val="FFFFFF"/>
+                </a:solidFill>
+              </a:rPr>
+              <a:t>they actually were crying that the kulaks were taking everything away</a:t>
+            </a:r>
+          </a:p>
+          <a:p>
+            <a:pPr indent="-349250" lvl="0" marL="457200" rtl="0" algn="r">
+              <a:spcBef>
+                <a:spcPts val="0"/>
+              </a:spcBef>
+              <a:buClr>
+                <a:srgbClr val="FFFFFF"/>
+              </a:buClr>
+              <a:buSzPct val="100000"/>
+            </a:pPr>
+            <a:r>
+              <a:rPr lang="en" sz="1900">
+                <a:solidFill>
+                  <a:srgbClr val="FFFFFF"/>
+                </a:solidFill>
+              </a:rPr>
+              <a:t>a man was about to kill his horse instead the kulaks take it but his wife and another man held him back a</a:t>
+            </a:r>
+          </a:p>
+          <a:p>
+            <a:pPr indent="-349250" lvl="0" marL="457200" rtl="0" algn="r">
+              <a:spcBef>
+                <a:spcPts val="0"/>
+              </a:spcBef>
+              <a:buClr>
+                <a:srgbClr val="FFFFFF"/>
+              </a:buClr>
+              <a:buSzPct val="100000"/>
+            </a:pPr>
+            <a:r>
+              <a:rPr lang="en" sz="1900">
+                <a:solidFill>
+                  <a:srgbClr val="FFFFFF"/>
+                </a:solidFill>
+              </a:rPr>
+              <a:t>Vasyl talked with his father abt the machines. His father said they do not need the machines and Vasyl wasnt thinking straight </a:t>
             </a:r>
           </a:p>
         </p:txBody>
@@ -7472,7 +12237,7 @@
   <p:cSld>
     <p:spTree>
       <p:nvGrpSpPr>
-        <p:cNvPr id="98" name="Shape 98"/>
+        <p:cNvPr id="97" name="Shape 97"/>
         <p:cNvGrpSpPr/>
         <p:nvPr/>
       </p:nvGrpSpPr>
@@ -7486,7 +12251,7 @@
       </p:grpSpPr>
       <p:sp>
         <p:nvSpPr>
-          <p:cNvPr id="99" name="Shape 99"/>
+          <p:cNvPr id="98" name="Shape 98"/>
           <p:cNvSpPr txBox="1"/>
           <p:nvPr>
             <p:ph type="title"/>
@@ -7510,7 +12275,7 @@
           </a:bodyPr>
           <a:lstStyle/>
           <a:p>
-            <a:pPr lvl="0" rtl="0">
+            <a:pPr lvl="0" rtl="0" algn="r">
               <a:spcBef>
                 <a:spcPts val="0"/>
               </a:spcBef>
@@ -7522,14 +12287,22 @@
                   <a:srgbClr val="FFFFFF"/>
                 </a:solidFill>
               </a:rPr>
-              <a:t>Pg 58</a:t>
-            </a:r>
-          </a:p>
-        </p:txBody>
-      </p:sp>
-      <p:sp>
-        <p:nvSpPr>
-          <p:cNvPr id="100" name="Shape 100"/>
+              <a:t>2</a:t>
+            </a:r>
+            <a:r>
+              <a:rPr lang="en">
+                <a:solidFill>
+                  <a:srgbClr val="FFFFFF"/>
+                </a:solidFill>
+              </a:rPr>
+              <a:t>0 min</a:t>
+            </a:r>
+          </a:p>
+        </p:txBody>
+      </p:sp>
+      <p:sp>
+        <p:nvSpPr>
+          <p:cNvPr id="99" name="Shape 99"/>
           <p:cNvSpPr txBox="1"/>
           <p:nvPr>
             <p:ph idx="1" type="body"/>
@@ -7553,49 +12326,117 @@
           </a:bodyPr>
           <a:lstStyle/>
           <a:p>
-            <a:pPr indent="-381000" lvl="0" marL="457200" rtl="0" algn="r">
-              <a:spcBef>
-                <a:spcPts val="0"/>
-              </a:spcBef>
-              <a:buClr>
-                <a:srgbClr val="FFFFFF"/>
-              </a:buClr>
-              <a:buSzPct val="100000"/>
-            </a:pPr>
-            <a:r>
-              <a:rPr lang="en" sz="2400">
-                <a:solidFill>
-                  <a:srgbClr val="FFFFFF"/>
-                </a:solidFill>
-              </a:rPr>
-              <a:t>Dove was born to poor ppl, he became a teacher and avoided the draft by medical uses</a:t>
-            </a:r>
-          </a:p>
-          <a:p>
-            <a:pPr indent="-381000" lvl="0" marL="457200" rtl="0" algn="r">
-              <a:spcBef>
-                <a:spcPts val="0"/>
-              </a:spcBef>
-              <a:buClr>
-                <a:srgbClr val="FFFFFF"/>
-              </a:buClr>
-              <a:buSzPct val="100000"/>
-            </a:pPr>
-            <a:r>
-              <a:rPr i="1" lang="en" sz="2400">
-                <a:solidFill>
-                  <a:srgbClr val="FFFFFF"/>
-                </a:solidFill>
-              </a:rPr>
-              <a:t>Zvenigora</a:t>
-            </a:r>
-            <a:r>
-              <a:rPr lang="en" sz="2400">
-                <a:solidFill>
-                  <a:srgbClr val="FFFFFF"/>
-                </a:solidFill>
-              </a:rPr>
-              <a:t> (1927) was a great movie it was about turning stores from the October Revo. and Soviet Revo. into many myths n tales</a:t>
+            <a:pPr indent="-349250" lvl="0" marL="457200" rtl="0" algn="r">
+              <a:spcBef>
+                <a:spcPts val="0"/>
+              </a:spcBef>
+              <a:buClr>
+                <a:srgbClr val="FFFFFF"/>
+              </a:buClr>
+              <a:buSzPct val="100000"/>
+            </a:pPr>
+            <a:r>
+              <a:rPr lang="en" sz="1900">
+                <a:solidFill>
+                  <a:srgbClr val="FFFFFF"/>
+                </a:solidFill>
+              </a:rPr>
+              <a:t>the father said the villagers were laughing </a:t>
+            </a:r>
+          </a:p>
+          <a:p>
+            <a:pPr indent="-349250" lvl="0" marL="457200" rtl="0" algn="r">
+              <a:spcBef>
+                <a:spcPts val="0"/>
+              </a:spcBef>
+              <a:buClr>
+                <a:srgbClr val="FFFFFF"/>
+              </a:buClr>
+              <a:buSzPct val="100000"/>
+            </a:pPr>
+            <a:r>
+              <a:rPr lang="en" sz="1900">
+                <a:solidFill>
+                  <a:srgbClr val="FFFFFF"/>
+                </a:solidFill>
+              </a:rPr>
+              <a:t>vasyl said only the kulaks stupid are n said. hes getting old</a:t>
+            </a:r>
+          </a:p>
+          <a:p>
+            <a:pPr indent="-349250" lvl="0" marL="457200" rtl="0" algn="r">
+              <a:spcBef>
+                <a:spcPts val="0"/>
+              </a:spcBef>
+              <a:buClr>
+                <a:srgbClr val="FFFFFF"/>
+              </a:buClr>
+              <a:buSzPct val="100000"/>
+            </a:pPr>
+            <a:r>
+              <a:rPr lang="en" sz="1900">
+                <a:solidFill>
+                  <a:srgbClr val="FFFFFF"/>
+                </a:solidFill>
+              </a:rPr>
+              <a:t>someone comes in and tells the father tht the komosol is coming</a:t>
+            </a:r>
+          </a:p>
+          <a:p>
+            <a:pPr indent="-349250" lvl="0" marL="457200" rtl="0" algn="r">
+              <a:spcBef>
+                <a:spcPts val="0"/>
+              </a:spcBef>
+              <a:buClr>
+                <a:srgbClr val="FFFFFF"/>
+              </a:buClr>
+              <a:buSzPct val="100000"/>
+            </a:pPr>
+            <a:r>
+              <a:rPr lang="en" sz="1900">
+                <a:solidFill>
+                  <a:srgbClr val="FFFFFF"/>
+                </a:solidFill>
+              </a:rPr>
+              <a:t>everyone tries to reason w/ him but they take a paper n leave</a:t>
+            </a:r>
+          </a:p>
+          <a:p>
+            <a:pPr indent="-349250" lvl="0" marL="457200" rtl="0" algn="r">
+              <a:spcBef>
+                <a:spcPts val="0"/>
+              </a:spcBef>
+              <a:buClr>
+                <a:srgbClr val="FFFFFF"/>
+              </a:buClr>
+              <a:buSzPct val="100000"/>
+            </a:pPr>
+            <a:r>
+              <a:rPr lang="en" sz="1900">
+                <a:solidFill>
+                  <a:srgbClr val="FFFFFF"/>
+                </a:solidFill>
+              </a:rPr>
+              <a:t>the father calls em stupid</a:t>
+            </a:r>
+          </a:p>
+          <a:p>
+            <a:pPr indent="-349250" lvl="0" marL="457200" rtl="0" algn="r">
+              <a:spcBef>
+                <a:spcPts val="0"/>
+              </a:spcBef>
+              <a:buClr>
+                <a:srgbClr val="FFFFFF"/>
+              </a:buClr>
+              <a:buSzPct val="100000"/>
+            </a:pPr>
+            <a:r>
+              <a:rPr lang="en" sz="1900">
+                <a:solidFill>
+                  <a:srgbClr val="FFFFFF"/>
+                </a:solidFill>
+              </a:rPr>
+              <a:t>outside later Vasyl tells his father he is leaving</a:t>
             </a:r>
           </a:p>
         </p:txBody>
@@ -7613,7 +12454,7 @@
   <p:cSld>
     <p:spTree>
       <p:nvGrpSpPr>
-        <p:cNvPr id="104" name="Shape 104"/>
+        <p:cNvPr id="103" name="Shape 103"/>
         <p:cNvGrpSpPr/>
         <p:nvPr/>
       </p:nvGrpSpPr>
@@ -7627,7 +12468,7 @@
       </p:grpSpPr>
       <p:sp>
         <p:nvSpPr>
-          <p:cNvPr id="105" name="Shape 105"/>
+          <p:cNvPr id="104" name="Shape 104"/>
           <p:cNvSpPr txBox="1"/>
           <p:nvPr>
             <p:ph type="title"/>
@@ -7651,7 +12492,7 @@
           </a:bodyPr>
           <a:lstStyle/>
           <a:p>
-            <a:pPr lvl="0" rtl="0">
+            <a:pPr lvl="0" rtl="0" algn="r">
               <a:spcBef>
                 <a:spcPts val="0"/>
               </a:spcBef>
@@ -7663,14 +12504,14 @@
                   <a:srgbClr val="FFFFFF"/>
                 </a:solidFill>
               </a:rPr>
-              <a:t>Pg 59</a:t>
-            </a:r>
-          </a:p>
-        </p:txBody>
-      </p:sp>
-      <p:sp>
-        <p:nvSpPr>
-          <p:cNvPr id="106" name="Shape 106"/>
+              <a:t>25  min</a:t>
+            </a:r>
+          </a:p>
+        </p:txBody>
+      </p:sp>
+      <p:sp>
+        <p:nvSpPr>
+          <p:cNvPr id="105" name="Shape 105"/>
           <p:cNvSpPr txBox="1"/>
           <p:nvPr>
             <p:ph idx="1" type="body"/>
@@ -7679,7 +12520,7 @@
         <p:spPr>
           <a:xfrm>
             <a:off x="311700" y="1152475"/>
-            <a:ext cx="8520600" cy="3618300"/>
+            <a:ext cx="8520600" cy="3416400"/>
           </a:xfrm>
           <a:prstGeom prst="rect">
             <a:avLst/>
@@ -7694,114 +12535,79 @@
           </a:bodyPr>
           <a:lstStyle/>
           <a:p>
-            <a:pPr indent="-368300" lvl="0" marL="457200" rtl="0" algn="r">
-              <a:spcBef>
-                <a:spcPts val="0"/>
-              </a:spcBef>
-              <a:buClr>
-                <a:srgbClr val="FFFFFF"/>
-              </a:buClr>
-              <a:buSzPct val="100000"/>
-            </a:pPr>
-            <a:r>
-              <a:rPr i="1" lang="en" sz="2200">
-                <a:solidFill>
-                  <a:srgbClr val="FFFFFF"/>
-                </a:solidFill>
-              </a:rPr>
-              <a:t>Arsenal </a:t>
-            </a:r>
-            <a:r>
-              <a:rPr lang="en" sz="2200">
-                <a:solidFill>
-                  <a:srgbClr val="FFFFFF"/>
-                </a:solidFill>
-              </a:rPr>
-              <a:t>(1928) was Zveingora’s sequel celebrate 10th aniversary of Soviet Revo. </a:t>
-            </a:r>
-          </a:p>
-          <a:p>
-            <a:pPr indent="-368300" lvl="0" marL="457200" rtl="0" algn="r">
-              <a:spcBef>
-                <a:spcPts val="0"/>
-              </a:spcBef>
-              <a:buClr>
-                <a:srgbClr val="FFFFFF"/>
-              </a:buClr>
-              <a:buSzPct val="100000"/>
-            </a:pPr>
-            <a:r>
-              <a:rPr lang="en" sz="2200">
-                <a:solidFill>
-                  <a:srgbClr val="FFFFFF"/>
-                </a:solidFill>
-              </a:rPr>
-              <a:t>About how nationalist storm a Bolshevik fort in Kiev after Soviets took power</a:t>
-            </a:r>
-          </a:p>
-          <a:p>
-            <a:pPr indent="-368300" lvl="0" marL="457200" rtl="0" algn="r">
-              <a:spcBef>
-                <a:spcPts val="0"/>
-              </a:spcBef>
-              <a:buClr>
-                <a:srgbClr val="FFFFFF"/>
-              </a:buClr>
-              <a:buSzPct val="100000"/>
-            </a:pPr>
-            <a:r>
-              <a:rPr lang="en" sz="2200">
-                <a:solidFill>
-                  <a:srgbClr val="FFFFFF"/>
-                </a:solidFill>
-              </a:rPr>
-              <a:t>Collectivisation: gov’t forcing peasants to live together to </a:t>
-            </a:r>
-          </a:p>
-          <a:p>
-            <a:pPr indent="-368300" lvl="0" marL="457200" rtl="0" algn="r">
-              <a:spcBef>
-                <a:spcPts val="0"/>
-              </a:spcBef>
-              <a:buClr>
-                <a:srgbClr val="FFFFFF"/>
-              </a:buClr>
-              <a:buSzPct val="100000"/>
-            </a:pPr>
-            <a:r>
-              <a:rPr lang="en" sz="2200">
-                <a:solidFill>
-                  <a:srgbClr val="FFFFFF"/>
-                </a:solidFill>
-              </a:rPr>
-              <a:t>Dekulakisation: ppl getting exiled from country</a:t>
-            </a:r>
-          </a:p>
-          <a:p>
-            <a:pPr indent="-368300" lvl="0" marL="457200" rtl="0" algn="r">
-              <a:spcBef>
-                <a:spcPts val="0"/>
-              </a:spcBef>
-              <a:buClr>
-                <a:srgbClr val="FFFFFF"/>
-              </a:buClr>
-              <a:buSzPct val="100000"/>
-            </a:pPr>
-            <a:r>
-              <a:rPr i="1" lang="en" sz="2200">
-                <a:solidFill>
-                  <a:srgbClr val="FFFFFF"/>
-                </a:solidFill>
-              </a:rPr>
-              <a:t>Earth </a:t>
-            </a:r>
-            <a:r>
-              <a:rPr lang="en" sz="2200">
-                <a:solidFill>
-                  <a:srgbClr val="FFFFFF"/>
-                </a:solidFill>
-              </a:rPr>
-              <a:t>is about a Kosmosol activist Vasyl who believes in collectivastion and tech, he helps his town, he gets killed and the pesants coutinue his work in memory of him</a:t>
+            <a:pPr indent="-349250" lvl="0" marL="457200" rtl="0" algn="r">
+              <a:spcBef>
+                <a:spcPts val="0"/>
+              </a:spcBef>
+              <a:buClr>
+                <a:srgbClr val="FFFFFF"/>
+              </a:buClr>
+              <a:buSzPct val="100000"/>
+            </a:pPr>
+            <a:r>
+              <a:rPr lang="en" sz="1900">
+                <a:solidFill>
+                  <a:srgbClr val="FFFFFF"/>
+                </a:solidFill>
+              </a:rPr>
+              <a:t>His father continues to graze the fields manually</a:t>
+            </a:r>
+          </a:p>
+          <a:p>
+            <a:pPr indent="-349250" lvl="0" marL="457200" rtl="0" algn="r">
+              <a:spcBef>
+                <a:spcPts val="0"/>
+              </a:spcBef>
+              <a:buClr>
+                <a:srgbClr val="FFFFFF"/>
+              </a:buClr>
+              <a:buSzPct val="100000"/>
+            </a:pPr>
+            <a:r>
+              <a:rPr lang="en" sz="1900">
+                <a:solidFill>
+                  <a:srgbClr val="FFFFFF"/>
+                </a:solidFill>
+              </a:rPr>
+              <a:t>Petro is sitting at Semion grave n puts his ear to the ground to see if he can hear him</a:t>
+            </a:r>
+          </a:p>
+          <a:p>
+            <a:pPr indent="-349250" lvl="0" marL="457200" rtl="0" algn="r">
+              <a:spcBef>
+                <a:spcPts val="0"/>
+              </a:spcBef>
+              <a:buClr>
+                <a:srgbClr val="FFFFFF"/>
+              </a:buClr>
+              <a:buSzPct val="100000"/>
+            </a:pPr>
+            <a:r>
+              <a:rPr lang="en" sz="1900">
+                <a:solidFill>
+                  <a:srgbClr val="FFFFFF"/>
+                </a:solidFill>
+              </a:rPr>
+              <a:t>children come to tease him n he tells them to go away</a:t>
+            </a:r>
+          </a:p>
+          <a:p>
+            <a:pPr indent="-349250" lvl="0" marL="457200" rtl="0" algn="r">
+              <a:spcBef>
+                <a:spcPts val="0"/>
+              </a:spcBef>
+              <a:buClr>
+                <a:srgbClr val="FFFFFF"/>
+              </a:buClr>
+              <a:buSzPct val="100000"/>
+            </a:pPr>
+            <a:r>
+              <a:rPr lang="en" sz="1900">
+                <a:solidFill>
+                  <a:srgbClr val="FFFFFF"/>
+                </a:solidFill>
+              </a:rPr>
+              <a:t>then on a hill ppl see Vasyl come back on a primitive tractor w/ his friends</a:t>
             </a:r>
           </a:p>
         </p:txBody>
